--- a/note_of_linux/linux.pptx
+++ b/note_of_linux/linux.pptx
@@ -5,10 +5,10 @@
     <p:sldMasterId id="2147483648" r:id="rId1"/>
   </p:sldMasterIdLst>
   <p:notesMasterIdLst>
-    <p:notesMasterId r:id="rId18"/>
+    <p:notesMasterId r:id="rId21"/>
   </p:notesMasterIdLst>
   <p:handoutMasterIdLst>
-    <p:handoutMasterId r:id="rId19"/>
+    <p:handoutMasterId r:id="rId22"/>
   </p:handoutMasterIdLst>
   <p:sldIdLst>
     <p:sldId id="256" r:id="rId3"/>
@@ -20,12 +20,15 @@
     <p:sldId id="268" r:id="rId9"/>
     <p:sldId id="275" r:id="rId10"/>
     <p:sldId id="260" r:id="rId11"/>
-    <p:sldId id="261" r:id="rId12"/>
-    <p:sldId id="276" r:id="rId13"/>
-    <p:sldId id="262" r:id="rId14"/>
-    <p:sldId id="281" r:id="rId15"/>
-    <p:sldId id="282" r:id="rId16"/>
-    <p:sldId id="263" r:id="rId17"/>
+    <p:sldId id="286" r:id="rId12"/>
+    <p:sldId id="295" r:id="rId13"/>
+    <p:sldId id="261" r:id="rId14"/>
+    <p:sldId id="276" r:id="rId15"/>
+    <p:sldId id="262" r:id="rId16"/>
+    <p:sldId id="284" r:id="rId17"/>
+    <p:sldId id="281" r:id="rId18"/>
+    <p:sldId id="285" r:id="rId19"/>
+    <p:sldId id="282" r:id="rId20"/>
   </p:sldIdLst>
   <p:sldSz cx="12192000" cy="6858000"/>
   <p:notesSz cx="7103745" cy="10234295"/>
@@ -3600,6 +3603,1778 @@
         </p:nvSpPr>
         <p:spPr>
           <a:xfrm>
+            <a:off x="638810" y="271145"/>
+            <a:ext cx="9133840" cy="829945"/>
+          </a:xfrm>
+        </p:spPr>
+        <p:txBody>
+          <a:bodyPr>
+            <a:normAutofit/>
+          </a:bodyPr>
+          <a:p>
+            <a:pPr algn="l"/>
+            <a:r>
+              <a:rPr lang="en-US" altLang="en-US" sz="2800"/>
+              <a:t>二、Linux内存管理----</a:t>
+            </a:r>
+            <a:r>
+              <a:rPr lang="" altLang="en-US" sz="2800"/>
+              <a:t>分页</a:t>
+            </a:r>
+            <a:endParaRPr lang="" altLang="en-US" sz="2800">
+              <a:sym typeface="+mn-ea"/>
+            </a:endParaRPr>
+          </a:p>
+        </p:txBody>
+      </p:sp>
+      <p:sp>
+        <p:nvSpPr>
+          <p:cNvPr id="3" name="Rectangle 2"/>
+          <p:cNvSpPr/>
+          <p:nvPr/>
+        </p:nvSpPr>
+        <p:spPr>
+          <a:xfrm>
+            <a:off x="2232660" y="1743710"/>
+            <a:ext cx="2388235" cy="360680"/>
+          </a:xfrm>
+          <a:prstGeom prst="rect">
+            <a:avLst/>
+          </a:prstGeom>
+        </p:spPr>
+        <p:style>
+          <a:lnRef idx="2">
+            <a:schemeClr val="accent1">
+              <a:shade val="50000"/>
+            </a:schemeClr>
+          </a:lnRef>
+          <a:fillRef idx="1">
+            <a:schemeClr val="accent1"/>
+          </a:fillRef>
+          <a:effectRef idx="0">
+            <a:schemeClr val="accent1"/>
+          </a:effectRef>
+          <a:fontRef idx="minor">
+            <a:schemeClr val="lt1"/>
+          </a:fontRef>
+        </p:style>
+        <p:txBody>
+          <a:bodyPr rtlCol="0" anchor="ctr"/>
+          <a:p>
+            <a:pPr algn="ctr"/>
+            <a:r>
+              <a:rPr lang="" altLang="en-US"/>
+              <a:t>页目录项</a:t>
+            </a:r>
+            <a:endParaRPr lang="" altLang="en-US"/>
+          </a:p>
+        </p:txBody>
+      </p:sp>
+      <p:sp>
+        <p:nvSpPr>
+          <p:cNvPr id="4" name="Rectangle 3"/>
+          <p:cNvSpPr/>
+          <p:nvPr/>
+        </p:nvSpPr>
+        <p:spPr>
+          <a:xfrm>
+            <a:off x="4620895" y="1743710"/>
+            <a:ext cx="2388235" cy="360680"/>
+          </a:xfrm>
+          <a:prstGeom prst="rect">
+            <a:avLst/>
+          </a:prstGeom>
+        </p:spPr>
+        <p:style>
+          <a:lnRef idx="2">
+            <a:schemeClr val="accent1">
+              <a:shade val="50000"/>
+            </a:schemeClr>
+          </a:lnRef>
+          <a:fillRef idx="1">
+            <a:schemeClr val="accent1"/>
+          </a:fillRef>
+          <a:effectRef idx="0">
+            <a:schemeClr val="accent1"/>
+          </a:effectRef>
+          <a:fontRef idx="minor">
+            <a:schemeClr val="lt1"/>
+          </a:fontRef>
+        </p:style>
+        <p:txBody>
+          <a:bodyPr rtlCol="0" anchor="ctr"/>
+          <a:p>
+            <a:pPr algn="ctr"/>
+            <a:r>
+              <a:rPr lang="" altLang="en-US"/>
+              <a:t>页表项</a:t>
+            </a:r>
+            <a:endParaRPr lang="" altLang="en-US"/>
+          </a:p>
+        </p:txBody>
+      </p:sp>
+      <p:sp>
+        <p:nvSpPr>
+          <p:cNvPr id="5" name="Rectangle 4"/>
+          <p:cNvSpPr/>
+          <p:nvPr/>
+        </p:nvSpPr>
+        <p:spPr>
+          <a:xfrm>
+            <a:off x="7009130" y="1743710"/>
+            <a:ext cx="2388235" cy="360680"/>
+          </a:xfrm>
+          <a:prstGeom prst="rect">
+            <a:avLst/>
+          </a:prstGeom>
+        </p:spPr>
+        <p:style>
+          <a:lnRef idx="2">
+            <a:schemeClr val="accent1">
+              <a:shade val="50000"/>
+            </a:schemeClr>
+          </a:lnRef>
+          <a:fillRef idx="1">
+            <a:schemeClr val="accent1"/>
+          </a:fillRef>
+          <a:effectRef idx="0">
+            <a:schemeClr val="accent1"/>
+          </a:effectRef>
+          <a:fontRef idx="minor">
+            <a:schemeClr val="lt1"/>
+          </a:fontRef>
+        </p:style>
+        <p:txBody>
+          <a:bodyPr rtlCol="0" anchor="ctr"/>
+          <a:p>
+            <a:pPr algn="ctr"/>
+            <a:r>
+              <a:rPr lang="" altLang="en-US"/>
+              <a:t>页面偏移</a:t>
+            </a:r>
+            <a:endParaRPr lang="" altLang="en-US"/>
+          </a:p>
+        </p:txBody>
+      </p:sp>
+      <p:sp>
+        <p:nvSpPr>
+          <p:cNvPr id="6" name="Rectangle 5"/>
+          <p:cNvSpPr/>
+          <p:nvPr/>
+        </p:nvSpPr>
+        <p:spPr>
+          <a:xfrm>
+            <a:off x="2595880" y="2767330"/>
+            <a:ext cx="1832610" cy="2111375"/>
+          </a:xfrm>
+          <a:prstGeom prst="rect">
+            <a:avLst/>
+          </a:prstGeom>
+        </p:spPr>
+        <p:style>
+          <a:lnRef idx="2">
+            <a:schemeClr val="accent1">
+              <a:shade val="50000"/>
+            </a:schemeClr>
+          </a:lnRef>
+          <a:fillRef idx="1">
+            <a:schemeClr val="accent1"/>
+          </a:fillRef>
+          <a:effectRef idx="0">
+            <a:schemeClr val="accent1"/>
+          </a:effectRef>
+          <a:fontRef idx="minor">
+            <a:schemeClr val="lt1"/>
+          </a:fontRef>
+        </p:style>
+        <p:txBody>
+          <a:bodyPr rtlCol="0" anchor="ctr"/>
+          <a:p>
+            <a:pPr algn="ctr"/>
+            <a:endParaRPr lang="en-US"/>
+          </a:p>
+        </p:txBody>
+      </p:sp>
+      <p:sp>
+        <p:nvSpPr>
+          <p:cNvPr id="7" name="Text Box 6"/>
+          <p:cNvSpPr txBox="1"/>
+          <p:nvPr/>
+        </p:nvSpPr>
+        <p:spPr>
+          <a:xfrm>
+            <a:off x="1049655" y="1743710"/>
+            <a:ext cx="1183005" cy="368300"/>
+          </a:xfrm>
+          <a:prstGeom prst="rect">
+            <a:avLst/>
+          </a:prstGeom>
+          <a:noFill/>
+        </p:spPr>
+        <p:txBody>
+          <a:bodyPr wrap="square" rtlCol="0">
+            <a:spAutoFit/>
+          </a:bodyPr>
+          <a:p>
+            <a:r>
+              <a:rPr lang="" altLang="en-US"/>
+              <a:t>线性地址</a:t>
+            </a:r>
+            <a:endParaRPr lang="" altLang="en-US"/>
+          </a:p>
+        </p:txBody>
+      </p:sp>
+      <p:sp>
+        <p:nvSpPr>
+          <p:cNvPr id="8" name="Text Box 7"/>
+          <p:cNvSpPr txBox="1"/>
+          <p:nvPr/>
+        </p:nvSpPr>
+        <p:spPr>
+          <a:xfrm>
+            <a:off x="1945005" y="1286510"/>
+            <a:ext cx="487680" cy="368300"/>
+          </a:xfrm>
+          <a:prstGeom prst="rect">
+            <a:avLst/>
+          </a:prstGeom>
+          <a:noFill/>
+        </p:spPr>
+        <p:txBody>
+          <a:bodyPr wrap="square" rtlCol="0">
+            <a:spAutoFit/>
+          </a:bodyPr>
+          <a:p>
+            <a:r>
+              <a:rPr lang="" altLang="en-US"/>
+              <a:t>31</a:t>
+            </a:r>
+            <a:endParaRPr lang="" altLang="en-US"/>
+          </a:p>
+        </p:txBody>
+      </p:sp>
+      <p:sp>
+        <p:nvSpPr>
+          <p:cNvPr id="9" name="Text Box 8"/>
+          <p:cNvSpPr txBox="1"/>
+          <p:nvPr/>
+        </p:nvSpPr>
+        <p:spPr>
+          <a:xfrm>
+            <a:off x="4114165" y="1291590"/>
+            <a:ext cx="487680" cy="368300"/>
+          </a:xfrm>
+          <a:prstGeom prst="rect">
+            <a:avLst/>
+          </a:prstGeom>
+          <a:noFill/>
+        </p:spPr>
+        <p:txBody>
+          <a:bodyPr wrap="square" rtlCol="0">
+            <a:spAutoFit/>
+          </a:bodyPr>
+          <a:p>
+            <a:r>
+              <a:rPr lang="" altLang="en-US"/>
+              <a:t>22</a:t>
+            </a:r>
+            <a:endParaRPr lang="" altLang="en-US"/>
+          </a:p>
+        </p:txBody>
+      </p:sp>
+      <p:sp>
+        <p:nvSpPr>
+          <p:cNvPr id="10" name="Text Box 9"/>
+          <p:cNvSpPr txBox="1"/>
+          <p:nvPr/>
+        </p:nvSpPr>
+        <p:spPr>
+          <a:xfrm>
+            <a:off x="4686300" y="1291590"/>
+            <a:ext cx="487680" cy="368300"/>
+          </a:xfrm>
+          <a:prstGeom prst="rect">
+            <a:avLst/>
+          </a:prstGeom>
+          <a:noFill/>
+        </p:spPr>
+        <p:txBody>
+          <a:bodyPr wrap="square" rtlCol="0">
+            <a:spAutoFit/>
+          </a:bodyPr>
+          <a:p>
+            <a:r>
+              <a:rPr lang="en-US" altLang="en-US"/>
+              <a:t>2</a:t>
+            </a:r>
+            <a:r>
+              <a:rPr lang="" altLang="en-US"/>
+              <a:t>1</a:t>
+            </a:r>
+            <a:endParaRPr lang="" altLang="en-US"/>
+          </a:p>
+        </p:txBody>
+      </p:sp>
+      <p:sp>
+        <p:nvSpPr>
+          <p:cNvPr id="11" name="Text Box 10"/>
+          <p:cNvSpPr txBox="1"/>
+          <p:nvPr/>
+        </p:nvSpPr>
+        <p:spPr>
+          <a:xfrm>
+            <a:off x="6560820" y="1286510"/>
+            <a:ext cx="487680" cy="368300"/>
+          </a:xfrm>
+          <a:prstGeom prst="rect">
+            <a:avLst/>
+          </a:prstGeom>
+          <a:noFill/>
+        </p:spPr>
+        <p:txBody>
+          <a:bodyPr wrap="square" rtlCol="0">
+            <a:spAutoFit/>
+          </a:bodyPr>
+          <a:p>
+            <a:r>
+              <a:rPr lang="" altLang="en-US"/>
+              <a:t>12</a:t>
+            </a:r>
+            <a:endParaRPr lang="" altLang="en-US"/>
+          </a:p>
+        </p:txBody>
+      </p:sp>
+      <p:sp>
+        <p:nvSpPr>
+          <p:cNvPr id="12" name="Text Box 11"/>
+          <p:cNvSpPr txBox="1"/>
+          <p:nvPr/>
+        </p:nvSpPr>
+        <p:spPr>
+          <a:xfrm>
+            <a:off x="6901180" y="1281430"/>
+            <a:ext cx="487680" cy="368300"/>
+          </a:xfrm>
+          <a:prstGeom prst="rect">
+            <a:avLst/>
+          </a:prstGeom>
+          <a:noFill/>
+        </p:spPr>
+        <p:txBody>
+          <a:bodyPr wrap="square" rtlCol="0">
+            <a:spAutoFit/>
+          </a:bodyPr>
+          <a:p>
+            <a:r>
+              <a:rPr lang="en-US" altLang="en-US"/>
+              <a:t>1</a:t>
+            </a:r>
+            <a:r>
+              <a:rPr lang="" altLang="en-US"/>
+              <a:t>1</a:t>
+            </a:r>
+            <a:endParaRPr lang="" altLang="en-US"/>
+          </a:p>
+        </p:txBody>
+      </p:sp>
+      <p:sp>
+        <p:nvSpPr>
+          <p:cNvPr id="13" name="Text Box 12"/>
+          <p:cNvSpPr txBox="1"/>
+          <p:nvPr/>
+        </p:nvSpPr>
+        <p:spPr>
+          <a:xfrm>
+            <a:off x="8973820" y="1291590"/>
+            <a:ext cx="487680" cy="368300"/>
+          </a:xfrm>
+          <a:prstGeom prst="rect">
+            <a:avLst/>
+          </a:prstGeom>
+          <a:noFill/>
+        </p:spPr>
+        <p:txBody>
+          <a:bodyPr wrap="square" rtlCol="0">
+            <a:spAutoFit/>
+          </a:bodyPr>
+          <a:p>
+            <a:r>
+              <a:rPr lang="" altLang="en-US"/>
+              <a:t>0</a:t>
+            </a:r>
+            <a:endParaRPr lang="" altLang="en-US"/>
+          </a:p>
+        </p:txBody>
+      </p:sp>
+      <p:sp>
+        <p:nvSpPr>
+          <p:cNvPr id="14" name="Rectangle 13"/>
+          <p:cNvSpPr/>
+          <p:nvPr/>
+        </p:nvSpPr>
+        <p:spPr>
+          <a:xfrm>
+            <a:off x="2595880" y="3658235"/>
+            <a:ext cx="1832610" cy="328930"/>
+          </a:xfrm>
+          <a:prstGeom prst="rect">
+            <a:avLst/>
+          </a:prstGeom>
+        </p:spPr>
+        <p:style>
+          <a:lnRef idx="2">
+            <a:schemeClr val="accent4">
+              <a:shade val="50000"/>
+            </a:schemeClr>
+          </a:lnRef>
+          <a:fillRef idx="1">
+            <a:schemeClr val="accent4"/>
+          </a:fillRef>
+          <a:effectRef idx="0">
+            <a:schemeClr val="accent4"/>
+          </a:effectRef>
+          <a:fontRef idx="minor">
+            <a:schemeClr val="lt1"/>
+          </a:fontRef>
+        </p:style>
+        <p:txBody>
+          <a:bodyPr rtlCol="0" anchor="ctr"/>
+          <a:p>
+            <a:pPr algn="ctr"/>
+            <a:r>
+              <a:rPr lang="" altLang="en-US"/>
+              <a:t>页目录项</a:t>
+            </a:r>
+            <a:endParaRPr lang="" altLang="en-US"/>
+          </a:p>
+        </p:txBody>
+      </p:sp>
+      <p:sp>
+        <p:nvSpPr>
+          <p:cNvPr id="15" name="Rectangle 14"/>
+          <p:cNvSpPr/>
+          <p:nvPr/>
+        </p:nvSpPr>
+        <p:spPr>
+          <a:xfrm>
+            <a:off x="5029200" y="2772410"/>
+            <a:ext cx="1832610" cy="2111375"/>
+          </a:xfrm>
+          <a:prstGeom prst="rect">
+            <a:avLst/>
+          </a:prstGeom>
+        </p:spPr>
+        <p:style>
+          <a:lnRef idx="2">
+            <a:schemeClr val="accent1">
+              <a:shade val="50000"/>
+            </a:schemeClr>
+          </a:lnRef>
+          <a:fillRef idx="1">
+            <a:schemeClr val="accent1"/>
+          </a:fillRef>
+          <a:effectRef idx="0">
+            <a:schemeClr val="accent1"/>
+          </a:effectRef>
+          <a:fontRef idx="minor">
+            <a:schemeClr val="lt1"/>
+          </a:fontRef>
+        </p:style>
+        <p:txBody>
+          <a:bodyPr rtlCol="0" anchor="ctr"/>
+          <a:p>
+            <a:pPr algn="ctr"/>
+            <a:endParaRPr lang="en-US"/>
+          </a:p>
+        </p:txBody>
+      </p:sp>
+      <p:sp>
+        <p:nvSpPr>
+          <p:cNvPr id="16" name="Rectangle 15"/>
+          <p:cNvSpPr/>
+          <p:nvPr/>
+        </p:nvSpPr>
+        <p:spPr>
+          <a:xfrm>
+            <a:off x="5029200" y="3663315"/>
+            <a:ext cx="1832610" cy="328930"/>
+          </a:xfrm>
+          <a:prstGeom prst="rect">
+            <a:avLst/>
+          </a:prstGeom>
+        </p:spPr>
+        <p:style>
+          <a:lnRef idx="2">
+            <a:schemeClr val="accent4">
+              <a:shade val="50000"/>
+            </a:schemeClr>
+          </a:lnRef>
+          <a:fillRef idx="1">
+            <a:schemeClr val="accent4"/>
+          </a:fillRef>
+          <a:effectRef idx="0">
+            <a:schemeClr val="accent4"/>
+          </a:effectRef>
+          <a:fontRef idx="minor">
+            <a:schemeClr val="lt1"/>
+          </a:fontRef>
+        </p:style>
+        <p:txBody>
+          <a:bodyPr rtlCol="0" anchor="ctr"/>
+          <a:p>
+            <a:pPr algn="ctr"/>
+            <a:r>
+              <a:rPr lang="en-US" altLang="en-US"/>
+              <a:t>页</a:t>
+            </a:r>
+            <a:r>
+              <a:rPr lang="" altLang="en-US"/>
+              <a:t>表项</a:t>
+            </a:r>
+            <a:endParaRPr lang="" altLang="en-US"/>
+          </a:p>
+        </p:txBody>
+      </p:sp>
+      <p:sp>
+        <p:nvSpPr>
+          <p:cNvPr id="17" name="Rectangle 16"/>
+          <p:cNvSpPr/>
+          <p:nvPr/>
+        </p:nvSpPr>
+        <p:spPr>
+          <a:xfrm>
+            <a:off x="7388860" y="2771775"/>
+            <a:ext cx="1832610" cy="2111375"/>
+          </a:xfrm>
+          <a:prstGeom prst="rect">
+            <a:avLst/>
+          </a:prstGeom>
+        </p:spPr>
+        <p:style>
+          <a:lnRef idx="2">
+            <a:schemeClr val="accent1">
+              <a:shade val="50000"/>
+            </a:schemeClr>
+          </a:lnRef>
+          <a:fillRef idx="1">
+            <a:schemeClr val="accent1"/>
+          </a:fillRef>
+          <a:effectRef idx="0">
+            <a:schemeClr val="accent1"/>
+          </a:effectRef>
+          <a:fontRef idx="minor">
+            <a:schemeClr val="lt1"/>
+          </a:fontRef>
+        </p:style>
+        <p:txBody>
+          <a:bodyPr rtlCol="0" anchor="ctr"/>
+          <a:p>
+            <a:pPr algn="ctr"/>
+            <a:endParaRPr lang="en-US"/>
+          </a:p>
+        </p:txBody>
+      </p:sp>
+      <p:sp>
+        <p:nvSpPr>
+          <p:cNvPr id="18" name="Rectangle 17"/>
+          <p:cNvSpPr/>
+          <p:nvPr/>
+        </p:nvSpPr>
+        <p:spPr>
+          <a:xfrm>
+            <a:off x="7388860" y="3662680"/>
+            <a:ext cx="1832610" cy="328930"/>
+          </a:xfrm>
+          <a:prstGeom prst="rect">
+            <a:avLst/>
+          </a:prstGeom>
+        </p:spPr>
+        <p:style>
+          <a:lnRef idx="2">
+            <a:schemeClr val="accent3">
+              <a:shade val="50000"/>
+            </a:schemeClr>
+          </a:lnRef>
+          <a:fillRef idx="1">
+            <a:schemeClr val="accent3"/>
+          </a:fillRef>
+          <a:effectRef idx="0">
+            <a:schemeClr val="accent3"/>
+          </a:effectRef>
+          <a:fontRef idx="minor">
+            <a:schemeClr val="lt1"/>
+          </a:fontRef>
+        </p:style>
+        <p:txBody>
+          <a:bodyPr rtlCol="0" anchor="ctr"/>
+          <a:p>
+            <a:pPr algn="ctr"/>
+            <a:r>
+              <a:rPr lang="en-US" altLang="en-US"/>
+              <a:t>页</a:t>
+            </a:r>
+            <a:r>
+              <a:rPr lang="" altLang="en-US"/>
+              <a:t>表（4096b)</a:t>
+            </a:r>
+            <a:endParaRPr lang="" altLang="en-US"/>
+          </a:p>
+        </p:txBody>
+      </p:sp>
+      <p:sp>
+        <p:nvSpPr>
+          <p:cNvPr id="21" name="Text Box 20"/>
+          <p:cNvSpPr txBox="1"/>
+          <p:nvPr/>
+        </p:nvSpPr>
+        <p:spPr>
+          <a:xfrm>
+            <a:off x="1473200" y="4482465"/>
+            <a:ext cx="759460" cy="368300"/>
+          </a:xfrm>
+          <a:prstGeom prst="rect">
+            <a:avLst/>
+          </a:prstGeom>
+          <a:noFill/>
+        </p:spPr>
+        <p:txBody>
+          <a:bodyPr wrap="square" rtlCol="0">
+            <a:spAutoFit/>
+          </a:bodyPr>
+          <a:p>
+            <a:r>
+              <a:rPr lang="" altLang="en-US"/>
+              <a:t>CR3</a:t>
+            </a:r>
+            <a:endParaRPr lang="" altLang="en-US"/>
+          </a:p>
+        </p:txBody>
+      </p:sp>
+      <p:cxnSp>
+        <p:nvCxnSpPr>
+          <p:cNvPr id="23" name="Elbow Connector 22"/>
+          <p:cNvCxnSpPr>
+            <a:stCxn id="3" idx="2"/>
+            <a:endCxn id="14" idx="1"/>
+          </p:cNvCxnSpPr>
+          <p:nvPr/>
+        </p:nvCxnSpPr>
+        <p:spPr>
+          <a:xfrm rot="5400000">
+            <a:off x="2152015" y="2547620"/>
+            <a:ext cx="1718310" cy="831215"/>
+          </a:xfrm>
+          <a:prstGeom prst="bentConnector4">
+            <a:avLst>
+              <a:gd name="adj1" fmla="val 23004"/>
+              <a:gd name="adj2" fmla="val 172384"/>
+            </a:avLst>
+          </a:prstGeom>
+          <a:ln>
+            <a:tailEnd type="arrow" w="med" len="med"/>
+          </a:ln>
+        </p:spPr>
+        <p:style>
+          <a:lnRef idx="3">
+            <a:schemeClr val="accent1"/>
+          </a:lnRef>
+          <a:fillRef idx="0">
+            <a:schemeClr val="accent1"/>
+          </a:fillRef>
+          <a:effectRef idx="2">
+            <a:schemeClr val="accent1"/>
+          </a:effectRef>
+          <a:fontRef idx="minor">
+            <a:schemeClr val="tx1"/>
+          </a:fontRef>
+        </p:style>
+      </p:cxnSp>
+      <p:cxnSp>
+        <p:nvCxnSpPr>
+          <p:cNvPr id="24" name="Elbow Connector 23"/>
+          <p:cNvCxnSpPr/>
+          <p:nvPr/>
+        </p:nvCxnSpPr>
+        <p:spPr>
+          <a:xfrm rot="5400000">
+            <a:off x="4585335" y="2547620"/>
+            <a:ext cx="1718310" cy="831215"/>
+          </a:xfrm>
+          <a:prstGeom prst="bentConnector4">
+            <a:avLst>
+              <a:gd name="adj1" fmla="val 23004"/>
+              <a:gd name="adj2" fmla="val 136631"/>
+            </a:avLst>
+          </a:prstGeom>
+          <a:ln>
+            <a:tailEnd type="arrow" w="med" len="med"/>
+          </a:ln>
+        </p:spPr>
+        <p:style>
+          <a:lnRef idx="3">
+            <a:schemeClr val="accent1"/>
+          </a:lnRef>
+          <a:fillRef idx="0">
+            <a:schemeClr val="accent1"/>
+          </a:fillRef>
+          <a:effectRef idx="2">
+            <a:schemeClr val="accent1"/>
+          </a:effectRef>
+          <a:fontRef idx="minor">
+            <a:schemeClr val="tx1"/>
+          </a:fontRef>
+        </p:style>
+      </p:cxnSp>
+      <p:cxnSp>
+        <p:nvCxnSpPr>
+          <p:cNvPr id="25" name="Elbow Connector 24"/>
+          <p:cNvCxnSpPr/>
+          <p:nvPr/>
+        </p:nvCxnSpPr>
+        <p:spPr>
+          <a:xfrm rot="5400000">
+            <a:off x="6944995" y="2547620"/>
+            <a:ext cx="1718310" cy="831215"/>
+          </a:xfrm>
+          <a:prstGeom prst="bentConnector4">
+            <a:avLst>
+              <a:gd name="adj1" fmla="val 23004"/>
+              <a:gd name="adj2" fmla="val 136631"/>
+            </a:avLst>
+          </a:prstGeom>
+          <a:ln>
+            <a:tailEnd type="arrow" w="med" len="med"/>
+          </a:ln>
+        </p:spPr>
+        <p:style>
+          <a:lnRef idx="3">
+            <a:schemeClr val="accent1"/>
+          </a:lnRef>
+          <a:fillRef idx="0">
+            <a:schemeClr val="accent1"/>
+          </a:fillRef>
+          <a:effectRef idx="2">
+            <a:schemeClr val="accent1"/>
+          </a:effectRef>
+          <a:fontRef idx="minor">
+            <a:schemeClr val="tx1"/>
+          </a:fontRef>
+        </p:style>
+      </p:cxnSp>
+      <p:cxnSp>
+        <p:nvCxnSpPr>
+          <p:cNvPr id="26" name="Straight Arrow Connector 25"/>
+          <p:cNvCxnSpPr/>
+          <p:nvPr/>
+        </p:nvCxnSpPr>
+        <p:spPr>
+          <a:xfrm>
+            <a:off x="1155700" y="4850765"/>
+            <a:ext cx="1443355" cy="0"/>
+          </a:xfrm>
+          <a:prstGeom prst="straightConnector1">
+            <a:avLst/>
+          </a:prstGeom>
+          <a:ln w="25400">
+            <a:solidFill>
+              <a:srgbClr val="FF3300"/>
+            </a:solidFill>
+            <a:tailEnd type="arrow"/>
+          </a:ln>
+        </p:spPr>
+        <p:style>
+          <a:lnRef idx="1">
+            <a:schemeClr val="accent1"/>
+          </a:lnRef>
+          <a:fillRef idx="0">
+            <a:schemeClr val="accent1"/>
+          </a:fillRef>
+          <a:effectRef idx="0">
+            <a:schemeClr val="accent1"/>
+          </a:effectRef>
+          <a:fontRef idx="minor">
+            <a:schemeClr val="tx1"/>
+          </a:fontRef>
+        </p:style>
+      </p:cxnSp>
+      <p:cxnSp>
+        <p:nvCxnSpPr>
+          <p:cNvPr id="27" name="Straight Arrow Connector 26"/>
+          <p:cNvCxnSpPr>
+            <a:endCxn id="18" idx="3"/>
+          </p:cNvCxnSpPr>
+          <p:nvPr/>
+        </p:nvCxnSpPr>
+        <p:spPr>
+          <a:xfrm flipH="1" flipV="1">
+            <a:off x="9221470" y="3827145"/>
+            <a:ext cx="1356995" cy="4445"/>
+          </a:xfrm>
+          <a:prstGeom prst="straightConnector1">
+            <a:avLst/>
+          </a:prstGeom>
+          <a:ln w="25400">
+            <a:solidFill>
+              <a:srgbClr val="FF3300"/>
+            </a:solidFill>
+            <a:tailEnd type="arrow"/>
+          </a:ln>
+        </p:spPr>
+        <p:style>
+          <a:lnRef idx="1">
+            <a:schemeClr val="accent1"/>
+          </a:lnRef>
+          <a:fillRef idx="0">
+            <a:schemeClr val="accent1"/>
+          </a:fillRef>
+          <a:effectRef idx="0">
+            <a:schemeClr val="accent1"/>
+          </a:effectRef>
+          <a:fontRef idx="minor">
+            <a:schemeClr val="tx1"/>
+          </a:fontRef>
+        </p:style>
+      </p:cxnSp>
+      <p:sp>
+        <p:nvSpPr>
+          <p:cNvPr id="28" name="Text Box 27"/>
+          <p:cNvSpPr txBox="1"/>
+          <p:nvPr/>
+        </p:nvSpPr>
+        <p:spPr>
+          <a:xfrm>
+            <a:off x="9397365" y="3463290"/>
+            <a:ext cx="1608455" cy="368300"/>
+          </a:xfrm>
+          <a:prstGeom prst="rect">
+            <a:avLst/>
+          </a:prstGeom>
+          <a:noFill/>
+        </p:spPr>
+        <p:txBody>
+          <a:bodyPr wrap="square" rtlCol="0">
+            <a:spAutoFit/>
+          </a:bodyPr>
+          <a:p>
+            <a:r>
+              <a:rPr lang="" altLang="en-US"/>
+              <a:t>对应物理地址</a:t>
+            </a:r>
+            <a:endParaRPr lang="" altLang="en-US"/>
+          </a:p>
+        </p:txBody>
+      </p:sp>
+      <p:sp>
+        <p:nvSpPr>
+          <p:cNvPr id="29" name="Text Box 28"/>
+          <p:cNvSpPr txBox="1"/>
+          <p:nvPr/>
+        </p:nvSpPr>
+        <p:spPr>
+          <a:xfrm>
+            <a:off x="1473200" y="5130165"/>
+            <a:ext cx="9872345" cy="1753235"/>
+          </a:xfrm>
+          <a:prstGeom prst="rect">
+            <a:avLst/>
+          </a:prstGeom>
+          <a:noFill/>
+        </p:spPr>
+        <p:txBody>
+          <a:bodyPr wrap="square" rtlCol="0">
+            <a:spAutoFit/>
+          </a:bodyPr>
+          <a:p>
+            <a:r>
+              <a:rPr lang="" altLang="en-US"/>
+              <a:t>（1）</a:t>
+            </a:r>
+            <a:r>
+              <a:rPr lang="en-US" altLang="en-US"/>
+              <a:t>CR3</a:t>
+            </a:r>
+            <a:r>
+              <a:rPr lang="" altLang="en-US"/>
+              <a:t>寄存器存放页目录项的基地址，当进程调度到时，将基地址存放到cr3中；</a:t>
+            </a:r>
+            <a:endParaRPr lang="" altLang="en-US"/>
+          </a:p>
+          <a:p>
+            <a:r>
+              <a:rPr lang="" altLang="en-US"/>
+              <a:t>（2）MMU的页表映射是由硬件完成的，需打开PG寄存器；则否线性地址等于物理地址；</a:t>
+            </a:r>
+            <a:endParaRPr lang="" altLang="en-US"/>
+          </a:p>
+          <a:p>
+            <a:r>
+              <a:rPr lang="" altLang="en-US"/>
+              <a:t>（3）页目录项与页表项最大占用空间4K+4M;需要时才会分配地址空间； </a:t>
+            </a:r>
+            <a:endParaRPr lang="" altLang="en-US"/>
+          </a:p>
+          <a:p>
+            <a:r>
+              <a:rPr lang="" altLang="en-US"/>
+              <a:t>（4）物理地址发生缺页中断时，才会分配； </a:t>
+            </a:r>
+            <a:endParaRPr lang="" altLang="en-US"/>
+          </a:p>
+          <a:p>
+            <a:r>
+              <a:rPr lang="" altLang="en-US"/>
+              <a:t>（5）64与32位分页机制的原理相同，只是64位多了一级分页，64位实际的地址空间48位；  </a:t>
+            </a:r>
+            <a:endParaRPr lang="" altLang="en-US"/>
+          </a:p>
+          <a:p>
+            <a:r>
+              <a:rPr lang="" altLang="en-US"/>
+              <a:t> </a:t>
+            </a:r>
+            <a:endParaRPr lang="" altLang="en-US"/>
+          </a:p>
+        </p:txBody>
+      </p:sp>
+    </p:spTree>
+  </p:cSld>
+  <p:clrMapOvr>
+    <a:masterClrMapping/>
+  </p:clrMapOvr>
+  <mc:AlternateContent xmlns:mc="http://schemas.openxmlformats.org/markup-compatibility/2006">
+    <mc:Choice xmlns:p14="http://schemas.microsoft.com/office/powerpoint/2010/main" Requires="p14">
+      <p:transition spd="med" p14:dur="750" advTm="2000"/>
+    </mc:Choice>
+    <mc:Fallback>
+      <p:transition spd="med" advTm="2000"/>
+    </mc:Fallback>
+  </mc:AlternateContent>
+</p:sld>
+</file>
+
+<file path=ppt/slides/slide11.xml><?xml version="1.0" encoding="utf-8"?>
+<p:sld xmlns:a="http://schemas.openxmlformats.org/drawingml/2006/main" xmlns:r="http://schemas.openxmlformats.org/officeDocument/2006/relationships" xmlns:p="http://schemas.openxmlformats.org/presentationml/2006/main">
+  <p:cSld>
+    <p:spTree>
+      <p:nvGrpSpPr>
+        <p:cNvPr id="1" name=""/>
+        <p:cNvGrpSpPr/>
+        <p:nvPr/>
+      </p:nvGrpSpPr>
+      <p:grpSpPr/>
+      <p:sp>
+        <p:nvSpPr>
+          <p:cNvPr id="2" name="Title 1"/>
+          <p:cNvSpPr>
+            <a:spLocks noGrp="1"/>
+          </p:cNvSpPr>
+          <p:nvPr>
+            <p:ph type="ctrTitle"/>
+          </p:nvPr>
+        </p:nvSpPr>
+        <p:spPr>
+          <a:xfrm>
+            <a:off x="638810" y="271145"/>
+            <a:ext cx="9133840" cy="829945"/>
+          </a:xfrm>
+        </p:spPr>
+        <p:txBody>
+          <a:bodyPr>
+            <a:normAutofit/>
+          </a:bodyPr>
+          <a:p>
+            <a:pPr algn="l"/>
+            <a:r>
+              <a:rPr lang="en-US" altLang="en-US" sz="2800"/>
+              <a:t>二、Linux内存管理----</a:t>
+            </a:r>
+            <a:r>
+              <a:rPr lang="" altLang="en-US" sz="2800"/>
+              <a:t>缓存</a:t>
+            </a:r>
+            <a:endParaRPr lang="" altLang="en-US" sz="2800">
+              <a:sym typeface="+mn-ea"/>
+            </a:endParaRPr>
+          </a:p>
+        </p:txBody>
+      </p:sp>
+      <p:sp>
+        <p:nvSpPr>
+          <p:cNvPr id="29" name="Text Box 28"/>
+          <p:cNvSpPr txBox="1"/>
+          <p:nvPr/>
+        </p:nvSpPr>
+        <p:spPr>
+          <a:xfrm>
+            <a:off x="1398270" y="4376420"/>
+            <a:ext cx="9872345" cy="1476375"/>
+          </a:xfrm>
+          <a:prstGeom prst="rect">
+            <a:avLst/>
+          </a:prstGeom>
+          <a:noFill/>
+        </p:spPr>
+        <p:txBody>
+          <a:bodyPr wrap="square" rtlCol="0">
+            <a:spAutoFit/>
+          </a:bodyPr>
+          <a:p>
+            <a:r>
+              <a:rPr lang="en-US" altLang="en-US"/>
+              <a:t>（1）</a:t>
+            </a:r>
+            <a:r>
+              <a:rPr lang="" altLang="en-US"/>
+              <a:t>缓存就是内存，只不过在内存中开辟了一块区域用于做缓存； </a:t>
+            </a:r>
+            <a:endParaRPr lang="" altLang="en-US"/>
+          </a:p>
+          <a:p>
+            <a:r>
+              <a:rPr lang="" altLang="en-US"/>
+              <a:t>（2）</a:t>
+            </a:r>
+            <a:r>
+              <a:rPr lang="en-US" altLang="en-US"/>
+              <a:t> </a:t>
+            </a:r>
+            <a:r>
+              <a:rPr lang="" altLang="en-US"/>
+              <a:t>缓存的优越性体现在：效率更高，进程与块设备访问方法更加归一； </a:t>
+            </a:r>
+            <a:endParaRPr lang="en-US" altLang="en-US"/>
+          </a:p>
+          <a:p>
+            <a:r>
+              <a:rPr lang="" altLang="en-US"/>
+              <a:t>（3）设计原则：让数据中缓存区停留的时间尽可能地长；访问过的数据，很有可能被再次访问； 访问的数据，其上下文很可能被访问；即时间与空间的连续性；当缓存区满时，才会踢除最老的缓存区内的数据；  </a:t>
+            </a:r>
+            <a:endParaRPr lang="" altLang="en-US"/>
+          </a:p>
+        </p:txBody>
+      </p:sp>
+      <p:sp>
+        <p:nvSpPr>
+          <p:cNvPr id="19" name="Rectangle 18"/>
+          <p:cNvSpPr/>
+          <p:nvPr/>
+        </p:nvSpPr>
+        <p:spPr>
+          <a:xfrm>
+            <a:off x="2482215" y="1318895"/>
+            <a:ext cx="954405" cy="541655"/>
+          </a:xfrm>
+          <a:prstGeom prst="rect">
+            <a:avLst/>
+          </a:prstGeom>
+        </p:spPr>
+        <p:style>
+          <a:lnRef idx="2">
+            <a:schemeClr val="accent1">
+              <a:shade val="50000"/>
+            </a:schemeClr>
+          </a:lnRef>
+          <a:fillRef idx="1">
+            <a:schemeClr val="accent1"/>
+          </a:fillRef>
+          <a:effectRef idx="0">
+            <a:schemeClr val="accent1"/>
+          </a:effectRef>
+          <a:fontRef idx="minor">
+            <a:schemeClr val="lt1"/>
+          </a:fontRef>
+        </p:style>
+        <p:txBody>
+          <a:bodyPr rtlCol="0" anchor="ctr"/>
+          <a:p>
+            <a:pPr algn="ctr"/>
+            <a:r>
+              <a:rPr lang="" altLang="en-US"/>
+              <a:t>进程A</a:t>
+            </a:r>
+            <a:endParaRPr lang="" altLang="en-US"/>
+          </a:p>
+        </p:txBody>
+      </p:sp>
+      <p:sp>
+        <p:nvSpPr>
+          <p:cNvPr id="20" name="Rectangle 19"/>
+          <p:cNvSpPr/>
+          <p:nvPr/>
+        </p:nvSpPr>
+        <p:spPr>
+          <a:xfrm>
+            <a:off x="3935730" y="1318895"/>
+            <a:ext cx="954405" cy="541655"/>
+          </a:xfrm>
+          <a:prstGeom prst="rect">
+            <a:avLst/>
+          </a:prstGeom>
+        </p:spPr>
+        <p:style>
+          <a:lnRef idx="2">
+            <a:schemeClr val="accent1">
+              <a:shade val="50000"/>
+            </a:schemeClr>
+          </a:lnRef>
+          <a:fillRef idx="1">
+            <a:schemeClr val="accent1"/>
+          </a:fillRef>
+          <a:effectRef idx="0">
+            <a:schemeClr val="accent1"/>
+          </a:effectRef>
+          <a:fontRef idx="minor">
+            <a:schemeClr val="lt1"/>
+          </a:fontRef>
+        </p:style>
+        <p:txBody>
+          <a:bodyPr rtlCol="0" anchor="ctr"/>
+          <a:p>
+            <a:pPr algn="ctr"/>
+            <a:r>
+              <a:rPr lang="en-US" altLang="en-US"/>
+              <a:t>进程</a:t>
+            </a:r>
+            <a:r>
+              <a:rPr lang="" altLang="en-US"/>
+              <a:t>B</a:t>
+            </a:r>
+            <a:endParaRPr lang="" altLang="en-US"/>
+          </a:p>
+        </p:txBody>
+      </p:sp>
+      <p:sp>
+        <p:nvSpPr>
+          <p:cNvPr id="22" name="Rectangle 21"/>
+          <p:cNvSpPr/>
+          <p:nvPr/>
+        </p:nvSpPr>
+        <p:spPr>
+          <a:xfrm>
+            <a:off x="5389245" y="1318895"/>
+            <a:ext cx="954405" cy="541655"/>
+          </a:xfrm>
+          <a:prstGeom prst="rect">
+            <a:avLst/>
+          </a:prstGeom>
+        </p:spPr>
+        <p:style>
+          <a:lnRef idx="2">
+            <a:schemeClr val="accent1">
+              <a:shade val="50000"/>
+            </a:schemeClr>
+          </a:lnRef>
+          <a:fillRef idx="1">
+            <a:schemeClr val="accent1"/>
+          </a:fillRef>
+          <a:effectRef idx="0">
+            <a:schemeClr val="accent1"/>
+          </a:effectRef>
+          <a:fontRef idx="minor">
+            <a:schemeClr val="lt1"/>
+          </a:fontRef>
+        </p:style>
+        <p:txBody>
+          <a:bodyPr rtlCol="0" anchor="ctr"/>
+          <a:p>
+            <a:pPr algn="ctr"/>
+            <a:r>
+              <a:rPr lang="en-US" altLang="en-US"/>
+              <a:t>进程</a:t>
+            </a:r>
+            <a:r>
+              <a:rPr lang="" altLang="en-US"/>
+              <a:t>C</a:t>
+            </a:r>
+            <a:endParaRPr lang="" altLang="en-US"/>
+          </a:p>
+        </p:txBody>
+      </p:sp>
+      <p:sp>
+        <p:nvSpPr>
+          <p:cNvPr id="30" name="Rectangle 29"/>
+          <p:cNvSpPr/>
+          <p:nvPr/>
+        </p:nvSpPr>
+        <p:spPr>
+          <a:xfrm>
+            <a:off x="6852920" y="1318895"/>
+            <a:ext cx="954405" cy="541655"/>
+          </a:xfrm>
+          <a:prstGeom prst="rect">
+            <a:avLst/>
+          </a:prstGeom>
+        </p:spPr>
+        <p:style>
+          <a:lnRef idx="2">
+            <a:schemeClr val="accent1">
+              <a:shade val="50000"/>
+            </a:schemeClr>
+          </a:lnRef>
+          <a:fillRef idx="1">
+            <a:schemeClr val="accent1"/>
+          </a:fillRef>
+          <a:effectRef idx="0">
+            <a:schemeClr val="accent1"/>
+          </a:effectRef>
+          <a:fontRef idx="minor">
+            <a:schemeClr val="lt1"/>
+          </a:fontRef>
+        </p:style>
+        <p:txBody>
+          <a:bodyPr rtlCol="0" anchor="ctr"/>
+          <a:p>
+            <a:pPr algn="ctr"/>
+            <a:r>
+              <a:rPr lang="en-US" altLang="en-US"/>
+              <a:t>进程</a:t>
+            </a:r>
+            <a:r>
+              <a:rPr lang="" altLang="en-US"/>
+              <a:t>D</a:t>
+            </a:r>
+            <a:endParaRPr lang="" altLang="en-US"/>
+          </a:p>
+        </p:txBody>
+      </p:sp>
+      <p:sp>
+        <p:nvSpPr>
+          <p:cNvPr id="31" name="Rectangle 30"/>
+          <p:cNvSpPr/>
+          <p:nvPr/>
+        </p:nvSpPr>
+        <p:spPr>
+          <a:xfrm>
+            <a:off x="8316595" y="1318895"/>
+            <a:ext cx="954405" cy="541655"/>
+          </a:xfrm>
+          <a:prstGeom prst="rect">
+            <a:avLst/>
+          </a:prstGeom>
+        </p:spPr>
+        <p:style>
+          <a:lnRef idx="2">
+            <a:schemeClr val="accent1">
+              <a:shade val="50000"/>
+            </a:schemeClr>
+          </a:lnRef>
+          <a:fillRef idx="1">
+            <a:schemeClr val="accent1"/>
+          </a:fillRef>
+          <a:effectRef idx="0">
+            <a:schemeClr val="accent1"/>
+          </a:effectRef>
+          <a:fontRef idx="minor">
+            <a:schemeClr val="lt1"/>
+          </a:fontRef>
+        </p:style>
+        <p:txBody>
+          <a:bodyPr rtlCol="0" anchor="ctr"/>
+          <a:p>
+            <a:pPr algn="ctr"/>
+            <a:r>
+              <a:rPr lang="en-US" altLang="en-US"/>
+              <a:t>进程</a:t>
+            </a:r>
+            <a:r>
+              <a:rPr lang="" altLang="en-US"/>
+              <a:t>E</a:t>
+            </a:r>
+            <a:endParaRPr lang="" altLang="en-US"/>
+          </a:p>
+        </p:txBody>
+      </p:sp>
+      <p:sp>
+        <p:nvSpPr>
+          <p:cNvPr id="32" name="Rectangle 31"/>
+          <p:cNvSpPr/>
+          <p:nvPr/>
+        </p:nvSpPr>
+        <p:spPr>
+          <a:xfrm>
+            <a:off x="3671570" y="2411730"/>
+            <a:ext cx="4848860" cy="541655"/>
+          </a:xfrm>
+          <a:prstGeom prst="rect">
+            <a:avLst/>
+          </a:prstGeom>
+        </p:spPr>
+        <p:style>
+          <a:lnRef idx="1">
+            <a:schemeClr val="accent6"/>
+          </a:lnRef>
+          <a:fillRef idx="2">
+            <a:schemeClr val="accent6"/>
+          </a:fillRef>
+          <a:effectRef idx="1">
+            <a:schemeClr val="accent6"/>
+          </a:effectRef>
+          <a:fontRef idx="minor">
+            <a:schemeClr val="dk1"/>
+          </a:fontRef>
+        </p:style>
+        <p:txBody>
+          <a:bodyPr rtlCol="0" anchor="ctr"/>
+          <a:p>
+            <a:pPr algn="ctr"/>
+            <a:r>
+              <a:rPr lang="" altLang="en-US"/>
+              <a:t>缓存区（内存）</a:t>
+            </a:r>
+            <a:endParaRPr lang="" altLang="en-US"/>
+          </a:p>
+        </p:txBody>
+      </p:sp>
+      <p:sp>
+        <p:nvSpPr>
+          <p:cNvPr id="33" name="Rectangle 32"/>
+          <p:cNvSpPr/>
+          <p:nvPr/>
+        </p:nvSpPr>
+        <p:spPr>
+          <a:xfrm>
+            <a:off x="3671570" y="3387725"/>
+            <a:ext cx="954405" cy="541655"/>
+          </a:xfrm>
+          <a:prstGeom prst="rect">
+            <a:avLst/>
+          </a:prstGeom>
+        </p:spPr>
+        <p:style>
+          <a:lnRef idx="2">
+            <a:schemeClr val="accent4">
+              <a:shade val="50000"/>
+            </a:schemeClr>
+          </a:lnRef>
+          <a:fillRef idx="1">
+            <a:schemeClr val="accent4"/>
+          </a:fillRef>
+          <a:effectRef idx="0">
+            <a:schemeClr val="accent4"/>
+          </a:effectRef>
+          <a:fontRef idx="minor">
+            <a:schemeClr val="lt1"/>
+          </a:fontRef>
+        </p:style>
+        <p:txBody>
+          <a:bodyPr rtlCol="0" anchor="ctr"/>
+          <a:p>
+            <a:pPr algn="ctr"/>
+            <a:r>
+              <a:rPr lang="" altLang="en-US"/>
+              <a:t>块设备</a:t>
+            </a:r>
+            <a:endParaRPr lang="" altLang="en-US"/>
+          </a:p>
+        </p:txBody>
+      </p:sp>
+      <p:sp>
+        <p:nvSpPr>
+          <p:cNvPr id="34" name="Rectangle 33"/>
+          <p:cNvSpPr/>
+          <p:nvPr/>
+        </p:nvSpPr>
+        <p:spPr>
+          <a:xfrm>
+            <a:off x="5619115" y="3387725"/>
+            <a:ext cx="954405" cy="541655"/>
+          </a:xfrm>
+          <a:prstGeom prst="rect">
+            <a:avLst/>
+          </a:prstGeom>
+        </p:spPr>
+        <p:style>
+          <a:lnRef idx="2">
+            <a:schemeClr val="accent4">
+              <a:shade val="50000"/>
+            </a:schemeClr>
+          </a:lnRef>
+          <a:fillRef idx="1">
+            <a:schemeClr val="accent4"/>
+          </a:fillRef>
+          <a:effectRef idx="0">
+            <a:schemeClr val="accent4"/>
+          </a:effectRef>
+          <a:fontRef idx="minor">
+            <a:schemeClr val="lt1"/>
+          </a:fontRef>
+        </p:style>
+        <p:txBody>
+          <a:bodyPr rtlCol="0" anchor="ctr"/>
+          <a:p>
+            <a:pPr algn="ctr"/>
+            <a:r>
+              <a:rPr lang="" altLang="en-US"/>
+              <a:t>块设备</a:t>
+            </a:r>
+            <a:endParaRPr lang="" altLang="en-US"/>
+          </a:p>
+        </p:txBody>
+      </p:sp>
+      <p:sp>
+        <p:nvSpPr>
+          <p:cNvPr id="35" name="Rectangle 34"/>
+          <p:cNvSpPr/>
+          <p:nvPr/>
+        </p:nvSpPr>
+        <p:spPr>
+          <a:xfrm>
+            <a:off x="7566025" y="3387725"/>
+            <a:ext cx="954405" cy="541655"/>
+          </a:xfrm>
+          <a:prstGeom prst="rect">
+            <a:avLst/>
+          </a:prstGeom>
+        </p:spPr>
+        <p:style>
+          <a:lnRef idx="2">
+            <a:schemeClr val="accent4">
+              <a:shade val="50000"/>
+            </a:schemeClr>
+          </a:lnRef>
+          <a:fillRef idx="1">
+            <a:schemeClr val="accent4"/>
+          </a:fillRef>
+          <a:effectRef idx="0">
+            <a:schemeClr val="accent4"/>
+          </a:effectRef>
+          <a:fontRef idx="minor">
+            <a:schemeClr val="lt1"/>
+          </a:fontRef>
+        </p:style>
+        <p:txBody>
+          <a:bodyPr rtlCol="0" anchor="ctr"/>
+          <a:p>
+            <a:pPr algn="ctr"/>
+            <a:r>
+              <a:rPr lang="" altLang="en-US"/>
+              <a:t>块设备</a:t>
+            </a:r>
+            <a:endParaRPr lang="" altLang="en-US"/>
+          </a:p>
+        </p:txBody>
+      </p:sp>
+      <p:cxnSp>
+        <p:nvCxnSpPr>
+          <p:cNvPr id="36" name="Straight Arrow Connector 35"/>
+          <p:cNvCxnSpPr>
+            <a:endCxn id="32" idx="0"/>
+          </p:cNvCxnSpPr>
+          <p:nvPr/>
+        </p:nvCxnSpPr>
+        <p:spPr>
+          <a:xfrm>
+            <a:off x="2921635" y="1849755"/>
+            <a:ext cx="3174365" cy="561975"/>
+          </a:xfrm>
+          <a:prstGeom prst="straightConnector1">
+            <a:avLst/>
+          </a:prstGeom>
+          <a:ln w="22225">
+            <a:tailEnd type="arrow"/>
+          </a:ln>
+        </p:spPr>
+        <p:style>
+          <a:lnRef idx="1">
+            <a:schemeClr val="accent1"/>
+          </a:lnRef>
+          <a:fillRef idx="0">
+            <a:schemeClr val="accent1"/>
+          </a:fillRef>
+          <a:effectRef idx="0">
+            <a:schemeClr val="accent1"/>
+          </a:effectRef>
+          <a:fontRef idx="minor">
+            <a:schemeClr val="tx1"/>
+          </a:fontRef>
+        </p:style>
+      </p:cxnSp>
+      <p:cxnSp>
+        <p:nvCxnSpPr>
+          <p:cNvPr id="37" name="Straight Arrow Connector 36"/>
+          <p:cNvCxnSpPr/>
+          <p:nvPr/>
+        </p:nvCxnSpPr>
+        <p:spPr>
+          <a:xfrm>
+            <a:off x="4413250" y="1860550"/>
+            <a:ext cx="1682750" cy="551180"/>
+          </a:xfrm>
+          <a:prstGeom prst="straightConnector1">
+            <a:avLst/>
+          </a:prstGeom>
+          <a:ln w="22225">
+            <a:tailEnd type="arrow"/>
+          </a:ln>
+        </p:spPr>
+        <p:style>
+          <a:lnRef idx="1">
+            <a:schemeClr val="accent1"/>
+          </a:lnRef>
+          <a:fillRef idx="0">
+            <a:schemeClr val="accent1"/>
+          </a:fillRef>
+          <a:effectRef idx="0">
+            <a:schemeClr val="accent1"/>
+          </a:effectRef>
+          <a:fontRef idx="minor">
+            <a:schemeClr val="tx1"/>
+          </a:fontRef>
+        </p:style>
+      </p:cxnSp>
+      <p:cxnSp>
+        <p:nvCxnSpPr>
+          <p:cNvPr id="38" name="Straight Arrow Connector 37"/>
+          <p:cNvCxnSpPr>
+            <a:stCxn id="22" idx="2"/>
+            <a:endCxn id="32" idx="0"/>
+          </p:cNvCxnSpPr>
+          <p:nvPr/>
+        </p:nvCxnSpPr>
+        <p:spPr>
+          <a:xfrm>
+            <a:off x="5866765" y="1860550"/>
+            <a:ext cx="229235" cy="551180"/>
+          </a:xfrm>
+          <a:prstGeom prst="straightConnector1">
+            <a:avLst/>
+          </a:prstGeom>
+          <a:ln w="22225">
+            <a:tailEnd type="arrow"/>
+          </a:ln>
+        </p:spPr>
+        <p:style>
+          <a:lnRef idx="1">
+            <a:schemeClr val="accent1"/>
+          </a:lnRef>
+          <a:fillRef idx="0">
+            <a:schemeClr val="accent1"/>
+          </a:fillRef>
+          <a:effectRef idx="0">
+            <a:schemeClr val="accent1"/>
+          </a:effectRef>
+          <a:fontRef idx="minor">
+            <a:schemeClr val="tx1"/>
+          </a:fontRef>
+        </p:style>
+      </p:cxnSp>
+      <p:cxnSp>
+        <p:nvCxnSpPr>
+          <p:cNvPr id="39" name="Straight Arrow Connector 38"/>
+          <p:cNvCxnSpPr>
+            <a:stCxn id="30" idx="2"/>
+            <a:endCxn id="32" idx="0"/>
+          </p:cNvCxnSpPr>
+          <p:nvPr/>
+        </p:nvCxnSpPr>
+        <p:spPr>
+          <a:xfrm flipH="1">
+            <a:off x="6096000" y="1860550"/>
+            <a:ext cx="1234440" cy="551180"/>
+          </a:xfrm>
+          <a:prstGeom prst="straightConnector1">
+            <a:avLst/>
+          </a:prstGeom>
+          <a:ln w="22225">
+            <a:tailEnd type="arrow"/>
+          </a:ln>
+        </p:spPr>
+        <p:style>
+          <a:lnRef idx="1">
+            <a:schemeClr val="accent1"/>
+          </a:lnRef>
+          <a:fillRef idx="0">
+            <a:schemeClr val="accent1"/>
+          </a:fillRef>
+          <a:effectRef idx="0">
+            <a:schemeClr val="accent1"/>
+          </a:effectRef>
+          <a:fontRef idx="minor">
+            <a:schemeClr val="tx1"/>
+          </a:fontRef>
+        </p:style>
+      </p:cxnSp>
+      <p:cxnSp>
+        <p:nvCxnSpPr>
+          <p:cNvPr id="40" name="Straight Arrow Connector 39"/>
+          <p:cNvCxnSpPr>
+            <a:endCxn id="32" idx="0"/>
+          </p:cNvCxnSpPr>
+          <p:nvPr/>
+        </p:nvCxnSpPr>
+        <p:spPr>
+          <a:xfrm flipH="1">
+            <a:off x="6096000" y="1849755"/>
+            <a:ext cx="2757170" cy="561975"/>
+          </a:xfrm>
+          <a:prstGeom prst="straightConnector1">
+            <a:avLst/>
+          </a:prstGeom>
+          <a:ln w="22225">
+            <a:tailEnd type="arrow"/>
+          </a:ln>
+        </p:spPr>
+        <p:style>
+          <a:lnRef idx="1">
+            <a:schemeClr val="accent1"/>
+          </a:lnRef>
+          <a:fillRef idx="0">
+            <a:schemeClr val="accent1"/>
+          </a:fillRef>
+          <a:effectRef idx="0">
+            <a:schemeClr val="accent1"/>
+          </a:effectRef>
+          <a:fontRef idx="minor">
+            <a:schemeClr val="tx1"/>
+          </a:fontRef>
+        </p:style>
+      </p:cxnSp>
+      <p:cxnSp>
+        <p:nvCxnSpPr>
+          <p:cNvPr id="41" name="Straight Arrow Connector 40"/>
+          <p:cNvCxnSpPr>
+            <a:stCxn id="32" idx="2"/>
+            <a:endCxn id="33" idx="0"/>
+          </p:cNvCxnSpPr>
+          <p:nvPr/>
+        </p:nvCxnSpPr>
+        <p:spPr>
+          <a:xfrm flipH="1">
+            <a:off x="4149090" y="2953385"/>
+            <a:ext cx="1946910" cy="434340"/>
+          </a:xfrm>
+          <a:prstGeom prst="straightConnector1">
+            <a:avLst/>
+          </a:prstGeom>
+          <a:ln w="25400">
+            <a:tailEnd type="arrow"/>
+          </a:ln>
+        </p:spPr>
+        <p:style>
+          <a:lnRef idx="1">
+            <a:schemeClr val="accent1"/>
+          </a:lnRef>
+          <a:fillRef idx="0">
+            <a:schemeClr val="accent1"/>
+          </a:fillRef>
+          <a:effectRef idx="0">
+            <a:schemeClr val="accent1"/>
+          </a:effectRef>
+          <a:fontRef idx="minor">
+            <a:schemeClr val="tx1"/>
+          </a:fontRef>
+        </p:style>
+      </p:cxnSp>
+      <p:cxnSp>
+        <p:nvCxnSpPr>
+          <p:cNvPr id="42" name="Straight Arrow Connector 41"/>
+          <p:cNvCxnSpPr>
+            <a:stCxn id="32" idx="2"/>
+            <a:endCxn id="34" idx="0"/>
+          </p:cNvCxnSpPr>
+          <p:nvPr/>
+        </p:nvCxnSpPr>
+        <p:spPr>
+          <a:xfrm>
+            <a:off x="6096000" y="2953385"/>
+            <a:ext cx="635" cy="434340"/>
+          </a:xfrm>
+          <a:prstGeom prst="straightConnector1">
+            <a:avLst/>
+          </a:prstGeom>
+          <a:ln w="25400">
+            <a:tailEnd type="arrow"/>
+          </a:ln>
+        </p:spPr>
+        <p:style>
+          <a:lnRef idx="1">
+            <a:schemeClr val="accent1"/>
+          </a:lnRef>
+          <a:fillRef idx="0">
+            <a:schemeClr val="accent1"/>
+          </a:fillRef>
+          <a:effectRef idx="0">
+            <a:schemeClr val="accent1"/>
+          </a:effectRef>
+          <a:fontRef idx="minor">
+            <a:schemeClr val="tx1"/>
+          </a:fontRef>
+        </p:style>
+      </p:cxnSp>
+      <p:cxnSp>
+        <p:nvCxnSpPr>
+          <p:cNvPr id="43" name="Straight Arrow Connector 42"/>
+          <p:cNvCxnSpPr>
+            <a:stCxn id="32" idx="2"/>
+            <a:endCxn id="35" idx="0"/>
+          </p:cNvCxnSpPr>
+          <p:nvPr/>
+        </p:nvCxnSpPr>
+        <p:spPr>
+          <a:xfrm>
+            <a:off x="6096000" y="2953385"/>
+            <a:ext cx="1947545" cy="434340"/>
+          </a:xfrm>
+          <a:prstGeom prst="straightConnector1">
+            <a:avLst/>
+          </a:prstGeom>
+          <a:ln w="25400">
+            <a:tailEnd type="arrow"/>
+          </a:ln>
+        </p:spPr>
+        <p:style>
+          <a:lnRef idx="1">
+            <a:schemeClr val="accent1"/>
+          </a:lnRef>
+          <a:fillRef idx="0">
+            <a:schemeClr val="accent1"/>
+          </a:fillRef>
+          <a:effectRef idx="0">
+            <a:schemeClr val="accent1"/>
+          </a:effectRef>
+          <a:fontRef idx="minor">
+            <a:schemeClr val="tx1"/>
+          </a:fontRef>
+        </p:style>
+      </p:cxnSp>
+    </p:spTree>
+  </p:cSld>
+  <p:clrMapOvr>
+    <a:masterClrMapping/>
+  </p:clrMapOvr>
+  <mc:AlternateContent xmlns:mc="http://schemas.openxmlformats.org/markup-compatibility/2006">
+    <mc:Choice xmlns:p14="http://schemas.microsoft.com/office/powerpoint/2010/main" Requires="p14">
+      <p:transition spd="med" p14:dur="750" advTm="2000"/>
+    </mc:Choice>
+    <mc:Fallback>
+      <p:transition spd="med" advTm="2000"/>
+    </mc:Fallback>
+  </mc:AlternateContent>
+</p:sld>
+</file>
+
+<file path=ppt/slides/slide12.xml><?xml version="1.0" encoding="utf-8"?>
+<p:sld xmlns:a="http://schemas.openxmlformats.org/drawingml/2006/main" xmlns:r="http://schemas.openxmlformats.org/officeDocument/2006/relationships" xmlns:p="http://schemas.openxmlformats.org/presentationml/2006/main">
+  <p:cSld>
+    <p:spTree>
+      <p:nvGrpSpPr>
+        <p:cNvPr id="1" name=""/>
+        <p:cNvGrpSpPr/>
+        <p:nvPr/>
+      </p:nvGrpSpPr>
+      <p:grpSpPr/>
+      <p:sp>
+        <p:nvSpPr>
+          <p:cNvPr id="2" name="Title 1"/>
+          <p:cNvSpPr>
+            <a:spLocks noGrp="1"/>
+          </p:cNvSpPr>
+          <p:nvPr>
+            <p:ph type="ctrTitle"/>
+          </p:nvPr>
+        </p:nvSpPr>
+        <p:spPr>
+          <a:xfrm>
             <a:off x="808355" y="260350"/>
             <a:ext cx="9133840" cy="829945"/>
           </a:xfrm>
@@ -3755,7 +5530,7 @@
 </p:sld>
 </file>
 
-<file path=ppt/slides/slide11.xml><?xml version="1.0" encoding="utf-8"?>
+<file path=ppt/slides/slide13.xml><?xml version="1.0" encoding="utf-8"?>
 <p:sld xmlns:a="http://schemas.openxmlformats.org/drawingml/2006/main" xmlns:r="http://schemas.openxmlformats.org/officeDocument/2006/relationships" xmlns:p="http://schemas.openxmlformats.org/presentationml/2006/main">
   <p:cSld>
     <p:spTree>
@@ -4453,13 +6228,9 @@
             <a:pPr algn="ctr"/>
             <a:r>
               <a:rPr lang="en-US" altLang="en-US"/>
-              <a:t>字</a:t>
-            </a:r>
-            <a:r>
-              <a:rPr lang="" altLang="en-US"/>
-              <a:t>符硬件</a:t>
-            </a:r>
-            <a:endParaRPr lang="" altLang="en-US"/>
+              <a:t>字符硬件</a:t>
+            </a:r>
+            <a:endParaRPr lang="en-US" altLang="en-US"/>
           </a:p>
         </p:txBody>
       </p:sp>
@@ -4497,12 +6268,8 @@
           <a:p>
             <a:pPr algn="ctr"/>
             <a:r>
-              <a:rPr lang="" altLang="en-US"/>
-              <a:t>网卡</a:t>
-            </a:r>
-            <a:r>
               <a:rPr lang="en-US" altLang="en-US"/>
-              <a:t>硬件</a:t>
+              <a:t>网卡硬件</a:t>
             </a:r>
             <a:endParaRPr lang="en-US" altLang="en-US"/>
           </a:p>
@@ -4886,7 +6653,7 @@
 </p:sld>
 </file>
 
-<file path=ppt/slides/slide12.xml><?xml version="1.0" encoding="utf-8"?>
+<file path=ppt/slides/slide14.xml><?xml version="1.0" encoding="utf-8"?>
 <p:sld xmlns:a="http://schemas.openxmlformats.org/drawingml/2006/main" xmlns:r="http://schemas.openxmlformats.org/officeDocument/2006/relationships" xmlns:p="http://schemas.openxmlformats.org/presentationml/2006/main">
   <p:cSld>
     <p:spTree>
@@ -4947,13 +6714,9 @@
             <a:pPr algn="l"/>
             <a:r>
               <a:rPr lang="en-US" altLang="en-US" sz="2800"/>
-              <a:t>3.1 VFS虚拟文件系统</a:t>
-            </a:r>
-            <a:r>
-              <a:rPr lang="" altLang="en-US" sz="2800"/>
-              <a:t>-----根文件系统</a:t>
-            </a:r>
-            <a:endParaRPr lang="" altLang="en-US" sz="2800"/>
+              <a:t>3.1 VFS虚拟文件系统-----根文件系统</a:t>
+            </a:r>
+            <a:endParaRPr lang="en-US" altLang="en-US" sz="2800"/>
           </a:p>
         </p:txBody>
       </p:sp>
@@ -4993,10 +6756,10 @@
           <a:p>
             <a:pPr algn="ctr"/>
             <a:r>
-              <a:rPr lang="" altLang="en-US"/>
+              <a:rPr lang="en-US" altLang="en-US"/>
               <a:t>根文件系统</a:t>
             </a:r>
-            <a:endParaRPr lang="" altLang="en-US"/>
+            <a:endParaRPr lang="en-US" altLang="en-US"/>
           </a:p>
         </p:txBody>
       </p:sp>
@@ -5034,10 +6797,10 @@
           <a:p>
             <a:pPr algn="ctr"/>
             <a:r>
-              <a:rPr lang="" altLang="en-US"/>
+              <a:rPr lang="en-US" altLang="en-US"/>
               <a:t>usr</a:t>
             </a:r>
-            <a:endParaRPr lang="" altLang="en-US"/>
+            <a:endParaRPr lang="en-US" altLang="en-US"/>
           </a:p>
         </p:txBody>
       </p:sp>
@@ -5075,10 +6838,10 @@
           <a:p>
             <a:pPr algn="ctr"/>
             <a:r>
-              <a:rPr lang="" altLang="en-US"/>
+              <a:rPr lang="en-US" altLang="en-US"/>
               <a:t>bin</a:t>
             </a:r>
-            <a:endParaRPr lang="" altLang="en-US"/>
+            <a:endParaRPr lang="en-US" altLang="en-US"/>
           </a:p>
         </p:txBody>
       </p:sp>
@@ -5116,10 +6879,10 @@
           <a:p>
             <a:pPr algn="ctr"/>
             <a:r>
-              <a:rPr lang="" altLang="en-US"/>
+              <a:rPr lang="en-US" altLang="en-US"/>
               <a:t>etc</a:t>
             </a:r>
-            <a:endParaRPr lang="" altLang="en-US"/>
+            <a:endParaRPr lang="en-US" altLang="en-US"/>
           </a:p>
         </p:txBody>
       </p:sp>
@@ -5157,10 +6920,10 @@
           <a:p>
             <a:pPr algn="ctr"/>
             <a:r>
-              <a:rPr lang="" altLang="en-US"/>
+              <a:rPr lang="en-US" altLang="en-US"/>
               <a:t>dev</a:t>
             </a:r>
-            <a:endParaRPr lang="" altLang="en-US"/>
+            <a:endParaRPr lang="en-US" altLang="en-US"/>
           </a:p>
         </p:txBody>
       </p:sp>
@@ -5198,10 +6961,10 @@
           <a:p>
             <a:pPr algn="ctr"/>
             <a:r>
-              <a:rPr lang="" altLang="en-US"/>
+              <a:rPr lang="en-US" altLang="en-US"/>
               <a:t>mnt</a:t>
             </a:r>
-            <a:endParaRPr lang="" altLang="en-US"/>
+            <a:endParaRPr lang="en-US" altLang="en-US"/>
           </a:p>
         </p:txBody>
       </p:sp>
@@ -5239,10 +7002,10 @@
           <a:p>
             <a:pPr algn="ctr"/>
             <a:r>
-              <a:rPr lang="" altLang="en-US"/>
+              <a:rPr lang="en-US" altLang="en-US"/>
               <a:t>lib</a:t>
             </a:r>
-            <a:endParaRPr lang="" altLang="en-US"/>
+            <a:endParaRPr lang="en-US" altLang="en-US"/>
           </a:p>
         </p:txBody>
       </p:sp>
@@ -5280,10 +7043,10 @@
           <a:p>
             <a:pPr algn="ctr"/>
             <a:r>
-              <a:rPr lang="" altLang="en-US"/>
+              <a:rPr lang="en-US" altLang="en-US"/>
               <a:t>root</a:t>
             </a:r>
-            <a:endParaRPr lang="" altLang="en-US"/>
+            <a:endParaRPr lang="en-US" altLang="en-US"/>
           </a:p>
         </p:txBody>
       </p:sp>
@@ -5321,10 +7084,10 @@
           <a:p>
             <a:pPr algn="ctr"/>
             <a:r>
-              <a:rPr lang="" altLang="en-US"/>
+              <a:rPr lang="en-US" altLang="en-US"/>
               <a:t>home</a:t>
             </a:r>
-            <a:endParaRPr lang="" altLang="en-US"/>
+            <a:endParaRPr lang="en-US" altLang="en-US"/>
           </a:p>
         </p:txBody>
       </p:sp>
@@ -5362,10 +7125,10 @@
           <a:p>
             <a:pPr algn="ctr"/>
             <a:r>
-              <a:rPr lang="" altLang="en-US"/>
+              <a:rPr lang="en-US" altLang="en-US"/>
               <a:t>proc</a:t>
             </a:r>
-            <a:endParaRPr lang="" altLang="en-US"/>
+            <a:endParaRPr lang="en-US" altLang="en-US"/>
           </a:p>
         </p:txBody>
       </p:sp>
@@ -5403,10 +7166,10 @@
           <a:p>
             <a:pPr algn="ctr"/>
             <a:r>
-              <a:rPr lang="" altLang="en-US"/>
+              <a:rPr lang="en-US" altLang="en-US"/>
               <a:t>var</a:t>
             </a:r>
-            <a:endParaRPr lang="" altLang="en-US"/>
+            <a:endParaRPr lang="en-US" altLang="en-US"/>
           </a:p>
         </p:txBody>
       </p:sp>
@@ -5444,10 +7207,10 @@
           <a:p>
             <a:pPr algn="ctr"/>
             <a:r>
-              <a:rPr lang="" altLang="en-US"/>
+              <a:rPr lang="en-US" altLang="en-US"/>
               <a:t>tmp</a:t>
             </a:r>
-            <a:endParaRPr lang="" altLang="en-US"/>
+            <a:endParaRPr lang="en-US" altLang="en-US"/>
           </a:p>
         </p:txBody>
       </p:sp>
@@ -5485,10 +7248,10 @@
           <a:p>
             <a:pPr algn="ctr"/>
             <a:r>
-              <a:rPr lang="" altLang="en-US"/>
+              <a:rPr lang="en-US" altLang="en-US"/>
               <a:t>opt</a:t>
             </a:r>
-            <a:endParaRPr lang="" altLang="en-US"/>
+            <a:endParaRPr lang="en-US" altLang="en-US"/>
           </a:p>
         </p:txBody>
       </p:sp>
@@ -5526,10 +7289,10 @@
           <a:p>
             <a:pPr algn="ctr"/>
             <a:r>
-              <a:rPr lang="" altLang="en-US"/>
+              <a:rPr lang="en-US" altLang="en-US"/>
               <a:t>sys</a:t>
             </a:r>
-            <a:endParaRPr lang="" altLang="en-US"/>
+            <a:endParaRPr lang="en-US" altLang="en-US"/>
           </a:p>
         </p:txBody>
       </p:sp>
@@ -5567,18 +7330,18 @@
           <a:p>
             <a:pPr algn="ctr"/>
             <a:r>
-              <a:rPr lang="" altLang="en-US"/>
+              <a:rPr lang="en-US" altLang="en-US"/>
               <a:t>用户</a:t>
             </a:r>
-            <a:endParaRPr lang="" altLang="en-US"/>
+            <a:endParaRPr lang="en-US" altLang="en-US"/>
           </a:p>
           <a:p>
             <a:pPr algn="ctr"/>
             <a:r>
-              <a:rPr lang="" altLang="en-US"/>
+              <a:rPr lang="en-US" altLang="en-US"/>
               <a:t>共享库</a:t>
             </a:r>
-            <a:endParaRPr lang="" altLang="en-US"/>
+            <a:endParaRPr lang="en-US" altLang="en-US"/>
           </a:p>
         </p:txBody>
       </p:sp>
@@ -5651,10 +7414,10 @@
           <a:p>
             <a:pPr algn="ctr"/>
             <a:r>
-              <a:rPr lang="" altLang="en-US"/>
+              <a:rPr lang="en-US" altLang="en-US"/>
               <a:t>系统命令</a:t>
             </a:r>
-            <a:endParaRPr lang="" altLang="en-US"/>
+            <a:endParaRPr lang="en-US" altLang="en-US"/>
           </a:p>
         </p:txBody>
       </p:sp>
@@ -5728,13 +7491,9 @@
             <a:pPr algn="ctr"/>
             <a:r>
               <a:rPr lang="en-US" altLang="en-US"/>
-              <a:t>系统</a:t>
-            </a:r>
-            <a:r>
-              <a:rPr lang="" altLang="en-US"/>
-              <a:t>配置</a:t>
-            </a:r>
-            <a:endParaRPr lang="" altLang="en-US"/>
+              <a:t>系统配置</a:t>
+            </a:r>
+            <a:endParaRPr lang="en-US" altLang="en-US"/>
           </a:p>
         </p:txBody>
       </p:sp>
@@ -5772,10 +7531,10 @@
           <a:p>
             <a:pPr algn="ctr"/>
             <a:r>
-              <a:rPr lang="" altLang="en-US"/>
+              <a:rPr lang="en-US" altLang="en-US"/>
               <a:t>设备虚拟文件</a:t>
             </a:r>
-            <a:endParaRPr lang="" altLang="en-US"/>
+            <a:endParaRPr lang="en-US" altLang="en-US"/>
           </a:p>
         </p:txBody>
       </p:sp>
@@ -5813,10 +7572,10 @@
           <a:p>
             <a:pPr algn="ctr"/>
             <a:r>
-              <a:rPr lang="" altLang="en-US"/>
+              <a:rPr lang="en-US" altLang="en-US"/>
               <a:t>usb/sda挂接文件</a:t>
             </a:r>
-            <a:endParaRPr lang="" altLang="en-US"/>
+            <a:endParaRPr lang="en-US" altLang="en-US"/>
           </a:p>
         </p:txBody>
       </p:sp>
@@ -5854,10 +7613,10 @@
           <a:p>
             <a:pPr algn="ctr"/>
             <a:r>
-              <a:rPr lang="" altLang="en-US"/>
+              <a:rPr lang="en-US" altLang="en-US"/>
               <a:t>系统库</a:t>
             </a:r>
-            <a:endParaRPr lang="" altLang="en-US"/>
+            <a:endParaRPr lang="en-US" altLang="en-US"/>
           </a:p>
         </p:txBody>
       </p:sp>
@@ -5895,10 +7654,10 @@
           <a:p>
             <a:pPr algn="ctr"/>
             <a:r>
-              <a:rPr lang="" altLang="en-US"/>
+              <a:rPr lang="en-US" altLang="en-US"/>
               <a:t>root用户目录</a:t>
             </a:r>
-            <a:endParaRPr lang="" altLang="en-US"/>
+            <a:endParaRPr lang="en-US" altLang="en-US"/>
           </a:p>
         </p:txBody>
       </p:sp>
@@ -5936,10 +7695,10 @@
           <a:p>
             <a:pPr algn="ctr"/>
             <a:r>
-              <a:rPr lang="" altLang="en-US"/>
+              <a:rPr lang="en-US" altLang="en-US"/>
               <a:t>其他用户目录</a:t>
             </a:r>
-            <a:endParaRPr lang="" altLang="en-US"/>
+            <a:endParaRPr lang="en-US" altLang="en-US"/>
           </a:p>
         </p:txBody>
       </p:sp>
@@ -5977,10 +7736,10 @@
           <a:p>
             <a:pPr algn="ctr"/>
             <a:r>
-              <a:rPr lang="" altLang="en-US"/>
+              <a:rPr lang="en-US" altLang="en-US"/>
               <a:t>虚拟文件内核交互</a:t>
             </a:r>
-            <a:endParaRPr lang="" altLang="en-US"/>
+            <a:endParaRPr lang="en-US" altLang="en-US"/>
           </a:p>
         </p:txBody>
       </p:sp>
@@ -6018,10 +7777,10 @@
           <a:p>
             <a:pPr algn="ctr"/>
             <a:r>
-              <a:rPr lang="" altLang="en-US"/>
+              <a:rPr lang="en-US" altLang="en-US"/>
               <a:t>日志</a:t>
             </a:r>
-            <a:endParaRPr lang="" altLang="en-US"/>
+            <a:endParaRPr lang="en-US" altLang="en-US"/>
           </a:p>
         </p:txBody>
       </p:sp>
@@ -6059,10 +7818,10 @@
           <a:p>
             <a:pPr algn="ctr"/>
             <a:r>
-              <a:rPr lang="" altLang="en-US"/>
+              <a:rPr lang="en-US" altLang="en-US"/>
               <a:t>临时文件</a:t>
             </a:r>
-            <a:endParaRPr lang="" altLang="en-US"/>
+            <a:endParaRPr lang="en-US" altLang="en-US"/>
           </a:p>
         </p:txBody>
       </p:sp>
@@ -6100,10 +7859,10 @@
           <a:p>
             <a:pPr algn="ctr"/>
             <a:r>
-              <a:rPr lang="" altLang="en-US"/>
+              <a:rPr lang="en-US" altLang="en-US"/>
               <a:t>可选的</a:t>
             </a:r>
-            <a:endParaRPr lang="" altLang="en-US"/>
+            <a:endParaRPr lang="en-US" altLang="en-US"/>
           </a:p>
         </p:txBody>
       </p:sp>
@@ -6141,10 +7900,10 @@
           <a:p>
             <a:pPr algn="ctr"/>
             <a:r>
-              <a:rPr lang="" altLang="en-US" b="1"/>
+              <a:rPr lang="en-US" altLang="en-US" b="1"/>
               <a:t>系统设备</a:t>
             </a:r>
-            <a:endParaRPr lang="" altLang="en-US" b="1"/>
+            <a:endParaRPr lang="en-US" altLang="en-US" b="1"/>
           </a:p>
         </p:txBody>
       </p:sp>
@@ -7025,34 +8784,26 @@
           <a:p>
             <a:pPr algn="l"/>
             <a:r>
-              <a:rPr lang="" altLang="en-US" sz="2800"/>
-              <a:t>（1）</a:t>
-            </a:r>
-            <a:r>
               <a:rPr lang="en-US" altLang="en-US" sz="2800"/>
-              <a:t>根文件系统</a:t>
-            </a:r>
-            <a:r>
-              <a:rPr lang="" altLang="en-US" sz="2800"/>
-              <a:t>也是一个文件系统，是操作系统挂载的第一个文件系统</a:t>
-            </a:r>
-            <a:endParaRPr lang="" altLang="en-US" sz="2800"/>
+              <a:t>（1）根文件系统也是一个文件系统，是操作系统挂载的第一个文件系统</a:t>
+            </a:r>
+            <a:endParaRPr lang="en-US" altLang="en-US" sz="2800"/>
           </a:p>
           <a:p>
             <a:pPr algn="l"/>
             <a:r>
-              <a:rPr lang="" altLang="en-US" sz="2800"/>
+              <a:rPr lang="en-US" altLang="en-US" sz="2800"/>
               <a:t>（2）其他的文件系统、各类的设备，都是挂载的根文件系统上面。</a:t>
             </a:r>
-            <a:endParaRPr lang="" altLang="en-US" sz="2800"/>
+            <a:endParaRPr lang="en-US" altLang="en-US" sz="2800"/>
           </a:p>
           <a:p>
             <a:pPr algn="l"/>
             <a:r>
-              <a:rPr lang="" altLang="en-US" sz="2800"/>
+              <a:rPr lang="en-US" altLang="en-US" sz="2800"/>
               <a:t>（3）用户以访问文件形式去访问各种设备。</a:t>
             </a:r>
-            <a:endParaRPr lang="" altLang="en-US" sz="2800"/>
+            <a:endParaRPr lang="en-US" altLang="en-US" sz="2800"/>
           </a:p>
         </p:txBody>
       </p:sp>
@@ -7064,7 +8815,7 @@
 </p:sld>
 </file>
 
-<file path=ppt/slides/slide13.xml><?xml version="1.0" encoding="utf-8"?>
+<file path=ppt/slides/slide15.xml><?xml version="1.0" encoding="utf-8"?>
 <p:sld xmlns:a="http://schemas.openxmlformats.org/drawingml/2006/main" xmlns:r="http://schemas.openxmlformats.org/officeDocument/2006/relationships" xmlns:p="http://schemas.openxmlformats.org/presentationml/2006/main">
   <p:cSld>
     <p:spTree>
@@ -7097,8 +8848,1493 @@
           <a:p>
             <a:pPr algn="l"/>
             <a:r>
+              <a:rPr lang="" sz="2800"/>
+              <a:t>3.1 </a:t>
+            </a:r>
+            <a:r>
               <a:rPr lang="en-US" altLang="en-US" sz="2800"/>
-              <a:t>四、Linux设备驱动</a:t>
+              <a:t>Linux</a:t>
+            </a:r>
+            <a:r>
+              <a:rPr lang="" altLang="en-US" sz="2800"/>
+              <a:t>虚拟文件系统</a:t>
+            </a:r>
+            <a:r>
+              <a:rPr lang="en-US" altLang="en-US" sz="2800"/>
+              <a:t>--文件的分类</a:t>
+            </a:r>
+            <a:endParaRPr lang="en-US" altLang="en-US" sz="2800"/>
+          </a:p>
+        </p:txBody>
+      </p:sp>
+      <p:sp>
+        <p:nvSpPr>
+          <p:cNvPr id="6" name="Title 1"/>
+          <p:cNvSpPr>
+            <a:spLocks noGrp="1"/>
+          </p:cNvSpPr>
+          <p:nvPr/>
+        </p:nvSpPr>
+        <p:spPr>
+          <a:xfrm>
+            <a:off x="808355" y="1186815"/>
+            <a:ext cx="4178300" cy="1816735"/>
+          </a:xfrm>
+          <a:prstGeom prst="rect">
+            <a:avLst/>
+          </a:prstGeom>
+        </p:spPr>
+        <p:txBody>
+          <a:bodyPr vert="horz" lIns="91440" tIns="45720" rIns="91440" bIns="45720" rtlCol="0" anchor="b"/>
+          <a:lstStyle>
+            <a:lvl1pPr algn="ctr" defTabSz="914400" rtl="0" eaLnBrk="1" latinLnBrk="0" hangingPunct="1">
+              <a:lnSpc>
+                <a:spcPct val="130000"/>
+              </a:lnSpc>
+              <a:spcBef>
+                <a:spcPct val="0"/>
+              </a:spcBef>
+              <a:buNone/>
+              <a:defRPr sz="6000" kern="1200">
+                <a:solidFill>
+                  <a:schemeClr val="tx1"/>
+                </a:solidFill>
+                <a:effectLst>
+                  <a:outerShdw blurRad="38100" dist="38100" dir="2700000" algn="tl">
+                    <a:srgbClr val="000000">
+                      <a:alpha val="43137"/>
+                    </a:srgbClr>
+                  </a:outerShdw>
+                </a:effectLst>
+                <a:latin typeface="+mj-lt"/>
+                <a:ea typeface="+mj-ea"/>
+                <a:cs typeface="+mj-cs"/>
+              </a:defRPr>
+            </a:lvl1pPr>
+          </a:lstStyle>
+          <a:p>
+            <a:pPr algn="l"/>
+            <a:r>
+              <a:rPr lang="en-US" altLang="en-US" sz="1800"/>
+              <a:t>（1）</a:t>
+            </a:r>
+            <a:r>
+              <a:rPr lang="en-US" altLang="en-US" sz="1800">
+                <a:sym typeface="+mn-ea"/>
+              </a:rPr>
+              <a:t>普通文件</a:t>
+            </a:r>
+            <a:r>
+              <a:rPr lang="en-US" altLang="en-US" sz="1800"/>
+              <a:t>；</a:t>
+            </a:r>
+            <a:endParaRPr lang="en-US" altLang="en-US" sz="1800"/>
+          </a:p>
+          <a:p>
+            <a:pPr algn="l"/>
+            <a:r>
+              <a:rPr lang="en-US" altLang="en-US" sz="1800"/>
+              <a:t>（2）</a:t>
+            </a:r>
+            <a:r>
+              <a:rPr lang="en-US" altLang="en-US" sz="1800">
+                <a:sym typeface="+mn-ea"/>
+              </a:rPr>
+              <a:t>目录文件</a:t>
+            </a:r>
+            <a:r>
+              <a:rPr lang="en-US" altLang="en-US" sz="1800"/>
+              <a:t>； </a:t>
+            </a:r>
+            <a:endParaRPr lang="en-US" altLang="en-US" sz="1800"/>
+          </a:p>
+          <a:p>
+            <a:pPr algn="l"/>
+            <a:r>
+              <a:rPr lang="en-US" altLang="en-US" sz="1800"/>
+              <a:t>（3）链接（软链接、硬链接）； </a:t>
+            </a:r>
+            <a:endParaRPr lang="en-US" altLang="en-US" sz="1800"/>
+          </a:p>
+          <a:p>
+            <a:pPr algn="l"/>
+            <a:r>
+              <a:rPr lang="en-US" altLang="en-US" sz="1800"/>
+              <a:t>（4）块设备文件; </a:t>
+            </a:r>
+            <a:endParaRPr lang="en-US" altLang="en-US" sz="1800"/>
+          </a:p>
+          <a:p>
+            <a:pPr algn="l"/>
+            <a:r>
+              <a:rPr lang="en-US" altLang="en-US" sz="1800"/>
+              <a:t>（5）字符设备文件</a:t>
+            </a:r>
+            <a:endParaRPr lang="en-US" altLang="en-US" sz="1800"/>
+          </a:p>
+        </p:txBody>
+      </p:sp>
+      <p:sp>
+        <p:nvSpPr>
+          <p:cNvPr id="43" name="Rectangle 42"/>
+          <p:cNvSpPr/>
+          <p:nvPr/>
+        </p:nvSpPr>
+        <p:spPr>
+          <a:xfrm>
+            <a:off x="907415" y="3270250"/>
+            <a:ext cx="1539875" cy="387350"/>
+          </a:xfrm>
+          <a:prstGeom prst="rect">
+            <a:avLst/>
+          </a:prstGeom>
+        </p:spPr>
+        <p:style>
+          <a:lnRef idx="2">
+            <a:schemeClr val="accent1">
+              <a:shade val="50000"/>
+            </a:schemeClr>
+          </a:lnRef>
+          <a:fillRef idx="1">
+            <a:schemeClr val="accent1"/>
+          </a:fillRef>
+          <a:effectRef idx="0">
+            <a:schemeClr val="accent1"/>
+          </a:effectRef>
+          <a:fontRef idx="minor">
+            <a:schemeClr val="lt1"/>
+          </a:fontRef>
+        </p:style>
+        <p:txBody>
+          <a:bodyPr rtlCol="0" anchor="ctr"/>
+          <a:p>
+            <a:pPr algn="ctr"/>
+            <a:r>
+              <a:rPr lang="en-US" altLang="en-US"/>
+              <a:t>普通文件</a:t>
+            </a:r>
+            <a:endParaRPr lang="en-US" altLang="en-US"/>
+          </a:p>
+        </p:txBody>
+      </p:sp>
+      <p:sp>
+        <p:nvSpPr>
+          <p:cNvPr id="44" name="Rectangle 43"/>
+          <p:cNvSpPr/>
+          <p:nvPr/>
+        </p:nvSpPr>
+        <p:spPr>
+          <a:xfrm>
+            <a:off x="907415" y="4022725"/>
+            <a:ext cx="1539875" cy="387985"/>
+          </a:xfrm>
+          <a:prstGeom prst="rect">
+            <a:avLst/>
+          </a:prstGeom>
+          <a:ln w="15875"/>
+        </p:spPr>
+        <p:style>
+          <a:lnRef idx="2">
+            <a:schemeClr val="accent1">
+              <a:shade val="50000"/>
+            </a:schemeClr>
+          </a:lnRef>
+          <a:fillRef idx="1">
+            <a:schemeClr val="accent1"/>
+          </a:fillRef>
+          <a:effectRef idx="0">
+            <a:schemeClr val="accent1"/>
+          </a:effectRef>
+          <a:fontRef idx="minor">
+            <a:schemeClr val="lt1"/>
+          </a:fontRef>
+        </p:style>
+        <p:txBody>
+          <a:bodyPr rtlCol="0" anchor="ctr"/>
+          <a:p>
+            <a:pPr algn="ctr"/>
+            <a:r>
+              <a:rPr lang="en-US" altLang="en-US"/>
+              <a:t>inode</a:t>
+            </a:r>
+            <a:endParaRPr lang="en-US" altLang="en-US"/>
+          </a:p>
+        </p:txBody>
+      </p:sp>
+      <p:sp>
+        <p:nvSpPr>
+          <p:cNvPr id="46" name="Rectangle 45"/>
+          <p:cNvSpPr/>
+          <p:nvPr/>
+        </p:nvSpPr>
+        <p:spPr>
+          <a:xfrm>
+            <a:off x="907415" y="4807585"/>
+            <a:ext cx="1539875" cy="387985"/>
+          </a:xfrm>
+          <a:prstGeom prst="rect">
+            <a:avLst/>
+          </a:prstGeom>
+          <a:ln w="15875"/>
+        </p:spPr>
+        <p:style>
+          <a:lnRef idx="2">
+            <a:schemeClr val="accent1">
+              <a:shade val="50000"/>
+            </a:schemeClr>
+          </a:lnRef>
+          <a:fillRef idx="1">
+            <a:schemeClr val="accent1"/>
+          </a:fillRef>
+          <a:effectRef idx="0">
+            <a:schemeClr val="accent1"/>
+          </a:effectRef>
+          <a:fontRef idx="minor">
+            <a:schemeClr val="lt1"/>
+          </a:fontRef>
+        </p:style>
+        <p:txBody>
+          <a:bodyPr rtlCol="0" anchor="ctr"/>
+          <a:p>
+            <a:pPr algn="ctr"/>
+            <a:r>
+              <a:rPr lang="en-US" altLang="en-US"/>
+              <a:t>存盘block</a:t>
+            </a:r>
+            <a:endParaRPr lang="en-US" altLang="en-US"/>
+          </a:p>
+        </p:txBody>
+      </p:sp>
+      <p:sp>
+        <p:nvSpPr>
+          <p:cNvPr id="47" name="Rectangle 46"/>
+          <p:cNvSpPr/>
+          <p:nvPr/>
+        </p:nvSpPr>
+        <p:spPr>
+          <a:xfrm>
+            <a:off x="907415" y="5581650"/>
+            <a:ext cx="1539875" cy="387985"/>
+          </a:xfrm>
+          <a:prstGeom prst="rect">
+            <a:avLst/>
+          </a:prstGeom>
+        </p:spPr>
+        <p:style>
+          <a:lnRef idx="2">
+            <a:schemeClr val="accent1">
+              <a:shade val="50000"/>
+            </a:schemeClr>
+          </a:lnRef>
+          <a:fillRef idx="1">
+            <a:schemeClr val="accent1"/>
+          </a:fillRef>
+          <a:effectRef idx="0">
+            <a:schemeClr val="accent1"/>
+          </a:effectRef>
+          <a:fontRef idx="minor">
+            <a:schemeClr val="lt1"/>
+          </a:fontRef>
+        </p:style>
+        <p:txBody>
+          <a:bodyPr rtlCol="0" anchor="ctr"/>
+          <a:p>
+            <a:pPr algn="ctr"/>
+            <a:r>
+              <a:rPr lang="en-US" altLang="en-US"/>
+              <a:t>文件内容</a:t>
+            </a:r>
+            <a:endParaRPr lang="en-US" altLang="en-US"/>
+          </a:p>
+        </p:txBody>
+      </p:sp>
+      <p:cxnSp>
+        <p:nvCxnSpPr>
+          <p:cNvPr id="48" name="Straight Arrow Connector 47"/>
+          <p:cNvCxnSpPr>
+            <a:stCxn id="43" idx="2"/>
+            <a:endCxn id="44" idx="0"/>
+          </p:cNvCxnSpPr>
+          <p:nvPr/>
+        </p:nvCxnSpPr>
+        <p:spPr>
+          <a:xfrm>
+            <a:off x="1677670" y="3667760"/>
+            <a:ext cx="0" cy="365125"/>
+          </a:xfrm>
+          <a:prstGeom prst="straightConnector1">
+            <a:avLst/>
+          </a:prstGeom>
+          <a:ln w="31750">
+            <a:tailEnd type="arrow"/>
+          </a:ln>
+        </p:spPr>
+        <p:style>
+          <a:lnRef idx="1">
+            <a:schemeClr val="accent1"/>
+          </a:lnRef>
+          <a:fillRef idx="0">
+            <a:schemeClr val="accent1"/>
+          </a:fillRef>
+          <a:effectRef idx="0">
+            <a:schemeClr val="accent1"/>
+          </a:effectRef>
+          <a:fontRef idx="minor">
+            <a:schemeClr val="tx1"/>
+          </a:fontRef>
+        </p:style>
+      </p:cxnSp>
+      <p:cxnSp>
+        <p:nvCxnSpPr>
+          <p:cNvPr id="51" name="Straight Arrow Connector 50"/>
+          <p:cNvCxnSpPr/>
+          <p:nvPr/>
+        </p:nvCxnSpPr>
+        <p:spPr>
+          <a:xfrm>
+            <a:off x="1677670" y="4410710"/>
+            <a:ext cx="0" cy="365125"/>
+          </a:xfrm>
+          <a:prstGeom prst="straightConnector1">
+            <a:avLst/>
+          </a:prstGeom>
+          <a:ln w="31750">
+            <a:tailEnd type="arrow"/>
+          </a:ln>
+        </p:spPr>
+        <p:style>
+          <a:lnRef idx="1">
+            <a:schemeClr val="accent1"/>
+          </a:lnRef>
+          <a:fillRef idx="0">
+            <a:schemeClr val="accent1"/>
+          </a:fillRef>
+          <a:effectRef idx="0">
+            <a:schemeClr val="accent1"/>
+          </a:effectRef>
+          <a:fontRef idx="minor">
+            <a:schemeClr val="tx1"/>
+          </a:fontRef>
+        </p:style>
+      </p:cxnSp>
+      <p:cxnSp>
+        <p:nvCxnSpPr>
+          <p:cNvPr id="52" name="Straight Arrow Connector 51"/>
+          <p:cNvCxnSpPr/>
+          <p:nvPr/>
+        </p:nvCxnSpPr>
+        <p:spPr>
+          <a:xfrm>
+            <a:off x="1677035" y="5216525"/>
+            <a:ext cx="0" cy="365125"/>
+          </a:xfrm>
+          <a:prstGeom prst="straightConnector1">
+            <a:avLst/>
+          </a:prstGeom>
+          <a:ln w="31750">
+            <a:tailEnd type="arrow"/>
+          </a:ln>
+        </p:spPr>
+        <p:style>
+          <a:lnRef idx="1">
+            <a:schemeClr val="accent1"/>
+          </a:lnRef>
+          <a:fillRef idx="0">
+            <a:schemeClr val="accent1"/>
+          </a:fillRef>
+          <a:effectRef idx="0">
+            <a:schemeClr val="accent1"/>
+          </a:effectRef>
+          <a:fontRef idx="minor">
+            <a:schemeClr val="tx1"/>
+          </a:fontRef>
+        </p:style>
+      </p:cxnSp>
+      <p:sp>
+        <p:nvSpPr>
+          <p:cNvPr id="53" name="Rectangle 52"/>
+          <p:cNvSpPr/>
+          <p:nvPr/>
+        </p:nvSpPr>
+        <p:spPr>
+          <a:xfrm>
+            <a:off x="3103245" y="3270250"/>
+            <a:ext cx="1539875" cy="387350"/>
+          </a:xfrm>
+          <a:prstGeom prst="rect">
+            <a:avLst/>
+          </a:prstGeom>
+        </p:spPr>
+        <p:style>
+          <a:lnRef idx="2">
+            <a:schemeClr val="accent1">
+              <a:shade val="50000"/>
+            </a:schemeClr>
+          </a:lnRef>
+          <a:fillRef idx="1">
+            <a:schemeClr val="accent1"/>
+          </a:fillRef>
+          <a:effectRef idx="0">
+            <a:schemeClr val="accent1"/>
+          </a:effectRef>
+          <a:fontRef idx="minor">
+            <a:schemeClr val="lt1"/>
+          </a:fontRef>
+        </p:style>
+        <p:txBody>
+          <a:bodyPr rtlCol="0" anchor="ctr"/>
+          <a:p>
+            <a:pPr algn="ctr"/>
+            <a:r>
+              <a:rPr lang="en-US" altLang="en-US"/>
+              <a:t>目录文件</a:t>
+            </a:r>
+            <a:endParaRPr lang="en-US" altLang="en-US"/>
+          </a:p>
+        </p:txBody>
+      </p:sp>
+      <p:sp>
+        <p:nvSpPr>
+          <p:cNvPr id="54" name="Rectangle 53"/>
+          <p:cNvSpPr/>
+          <p:nvPr/>
+        </p:nvSpPr>
+        <p:spPr>
+          <a:xfrm>
+            <a:off x="3103245" y="4022725"/>
+            <a:ext cx="1539875" cy="387985"/>
+          </a:xfrm>
+          <a:prstGeom prst="rect">
+            <a:avLst/>
+          </a:prstGeom>
+          <a:ln w="15875"/>
+        </p:spPr>
+        <p:style>
+          <a:lnRef idx="2">
+            <a:schemeClr val="accent1">
+              <a:shade val="50000"/>
+            </a:schemeClr>
+          </a:lnRef>
+          <a:fillRef idx="1">
+            <a:schemeClr val="accent1"/>
+          </a:fillRef>
+          <a:effectRef idx="0">
+            <a:schemeClr val="accent1"/>
+          </a:effectRef>
+          <a:fontRef idx="minor">
+            <a:schemeClr val="lt1"/>
+          </a:fontRef>
+        </p:style>
+        <p:txBody>
+          <a:bodyPr rtlCol="0" anchor="ctr"/>
+          <a:p>
+            <a:pPr algn="ctr"/>
+            <a:r>
+              <a:rPr lang="en-US" altLang="en-US"/>
+              <a:t>inode</a:t>
+            </a:r>
+            <a:endParaRPr lang="en-US" altLang="en-US"/>
+          </a:p>
+        </p:txBody>
+      </p:sp>
+      <p:sp>
+        <p:nvSpPr>
+          <p:cNvPr id="55" name="Rectangle 54"/>
+          <p:cNvSpPr/>
+          <p:nvPr/>
+        </p:nvSpPr>
+        <p:spPr>
+          <a:xfrm>
+            <a:off x="3103245" y="4807585"/>
+            <a:ext cx="1539875" cy="387985"/>
+          </a:xfrm>
+          <a:prstGeom prst="rect">
+            <a:avLst/>
+          </a:prstGeom>
+          <a:ln w="15875"/>
+        </p:spPr>
+        <p:style>
+          <a:lnRef idx="2">
+            <a:schemeClr val="accent1">
+              <a:shade val="50000"/>
+            </a:schemeClr>
+          </a:lnRef>
+          <a:fillRef idx="1">
+            <a:schemeClr val="accent1"/>
+          </a:fillRef>
+          <a:effectRef idx="0">
+            <a:schemeClr val="accent1"/>
+          </a:effectRef>
+          <a:fontRef idx="minor">
+            <a:schemeClr val="lt1"/>
+          </a:fontRef>
+        </p:style>
+        <p:txBody>
+          <a:bodyPr rtlCol="0" anchor="ctr"/>
+          <a:p>
+            <a:pPr algn="ctr"/>
+            <a:r>
+              <a:rPr lang="en-US" altLang="en-US"/>
+              <a:t>存盘block</a:t>
+            </a:r>
+            <a:endParaRPr lang="en-US" altLang="en-US"/>
+          </a:p>
+        </p:txBody>
+      </p:sp>
+      <p:sp>
+        <p:nvSpPr>
+          <p:cNvPr id="56" name="Rectangle 55"/>
+          <p:cNvSpPr/>
+          <p:nvPr/>
+        </p:nvSpPr>
+        <p:spPr>
+          <a:xfrm>
+            <a:off x="3103245" y="5581650"/>
+            <a:ext cx="1539875" cy="896620"/>
+          </a:xfrm>
+          <a:prstGeom prst="rect">
+            <a:avLst/>
+          </a:prstGeom>
+        </p:spPr>
+        <p:style>
+          <a:lnRef idx="2">
+            <a:schemeClr val="accent1">
+              <a:shade val="50000"/>
+            </a:schemeClr>
+          </a:lnRef>
+          <a:fillRef idx="1">
+            <a:schemeClr val="accent1"/>
+          </a:fillRef>
+          <a:effectRef idx="0">
+            <a:schemeClr val="accent1"/>
+          </a:effectRef>
+          <a:fontRef idx="minor">
+            <a:schemeClr val="lt1"/>
+          </a:fontRef>
+        </p:style>
+        <p:txBody>
+          <a:bodyPr rtlCol="0" anchor="ctr"/>
+          <a:p>
+            <a:pPr algn="ctr"/>
+            <a:r>
+              <a:rPr lang="en-US" altLang="en-US" sz="1400"/>
+              <a:t>当前目录</a:t>
+            </a:r>
+            <a:endParaRPr lang="en-US" altLang="en-US" sz="1400"/>
+          </a:p>
+          <a:p>
+            <a:pPr algn="ctr"/>
+            <a:r>
+              <a:rPr lang="en-US" altLang="en-US" sz="1400"/>
+              <a:t>上级目录</a:t>
+            </a:r>
+            <a:endParaRPr lang="en-US" altLang="en-US" sz="1400"/>
+          </a:p>
+          <a:p>
+            <a:pPr algn="ctr"/>
+            <a:r>
+              <a:rPr lang="en-US" altLang="en-US" sz="1400"/>
+              <a:t>下级目录</a:t>
+            </a:r>
+            <a:endParaRPr lang="en-US" altLang="en-US" sz="1400"/>
+          </a:p>
+          <a:p>
+            <a:pPr algn="ctr"/>
+            <a:r>
+              <a:rPr lang="en-US" altLang="en-US" sz="1400"/>
+              <a:t>文件列表</a:t>
+            </a:r>
+            <a:endParaRPr lang="en-US" altLang="en-US" sz="1400"/>
+          </a:p>
+        </p:txBody>
+      </p:sp>
+      <p:cxnSp>
+        <p:nvCxnSpPr>
+          <p:cNvPr id="57" name="Straight Arrow Connector 56"/>
+          <p:cNvCxnSpPr>
+            <a:stCxn id="53" idx="2"/>
+            <a:endCxn id="54" idx="0"/>
+          </p:cNvCxnSpPr>
+          <p:nvPr/>
+        </p:nvCxnSpPr>
+        <p:spPr>
+          <a:xfrm>
+            <a:off x="3873500" y="3667760"/>
+            <a:ext cx="0" cy="365125"/>
+          </a:xfrm>
+          <a:prstGeom prst="straightConnector1">
+            <a:avLst/>
+          </a:prstGeom>
+          <a:ln w="31750">
+            <a:tailEnd type="arrow"/>
+          </a:ln>
+        </p:spPr>
+        <p:style>
+          <a:lnRef idx="1">
+            <a:schemeClr val="accent1"/>
+          </a:lnRef>
+          <a:fillRef idx="0">
+            <a:schemeClr val="accent1"/>
+          </a:fillRef>
+          <a:effectRef idx="0">
+            <a:schemeClr val="accent1"/>
+          </a:effectRef>
+          <a:fontRef idx="minor">
+            <a:schemeClr val="tx1"/>
+          </a:fontRef>
+        </p:style>
+      </p:cxnSp>
+      <p:cxnSp>
+        <p:nvCxnSpPr>
+          <p:cNvPr id="58" name="Straight Arrow Connector 57"/>
+          <p:cNvCxnSpPr/>
+          <p:nvPr/>
+        </p:nvCxnSpPr>
+        <p:spPr>
+          <a:xfrm>
+            <a:off x="3873500" y="4410710"/>
+            <a:ext cx="0" cy="365125"/>
+          </a:xfrm>
+          <a:prstGeom prst="straightConnector1">
+            <a:avLst/>
+          </a:prstGeom>
+          <a:ln w="31750">
+            <a:tailEnd type="arrow"/>
+          </a:ln>
+        </p:spPr>
+        <p:style>
+          <a:lnRef idx="1">
+            <a:schemeClr val="accent1"/>
+          </a:lnRef>
+          <a:fillRef idx="0">
+            <a:schemeClr val="accent1"/>
+          </a:fillRef>
+          <a:effectRef idx="0">
+            <a:schemeClr val="accent1"/>
+          </a:effectRef>
+          <a:fontRef idx="minor">
+            <a:schemeClr val="tx1"/>
+          </a:fontRef>
+        </p:style>
+      </p:cxnSp>
+      <p:cxnSp>
+        <p:nvCxnSpPr>
+          <p:cNvPr id="59" name="Straight Arrow Connector 58"/>
+          <p:cNvCxnSpPr/>
+          <p:nvPr/>
+        </p:nvCxnSpPr>
+        <p:spPr>
+          <a:xfrm>
+            <a:off x="3872865" y="5216525"/>
+            <a:ext cx="0" cy="365125"/>
+          </a:xfrm>
+          <a:prstGeom prst="straightConnector1">
+            <a:avLst/>
+          </a:prstGeom>
+          <a:ln w="31750">
+            <a:tailEnd type="arrow"/>
+          </a:ln>
+        </p:spPr>
+        <p:style>
+          <a:lnRef idx="1">
+            <a:schemeClr val="accent1"/>
+          </a:lnRef>
+          <a:fillRef idx="0">
+            <a:schemeClr val="accent1"/>
+          </a:fillRef>
+          <a:effectRef idx="0">
+            <a:schemeClr val="accent1"/>
+          </a:effectRef>
+          <a:fontRef idx="minor">
+            <a:schemeClr val="tx1"/>
+          </a:fontRef>
+        </p:style>
+      </p:cxnSp>
+      <p:sp>
+        <p:nvSpPr>
+          <p:cNvPr id="63" name="Rectangle 62"/>
+          <p:cNvSpPr/>
+          <p:nvPr/>
+        </p:nvSpPr>
+        <p:spPr>
+          <a:xfrm>
+            <a:off x="4828540" y="3270250"/>
+            <a:ext cx="1539875" cy="387350"/>
+          </a:xfrm>
+          <a:prstGeom prst="rect">
+            <a:avLst/>
+          </a:prstGeom>
+        </p:spPr>
+        <p:style>
+          <a:lnRef idx="2">
+            <a:schemeClr val="accent1">
+              <a:shade val="50000"/>
+            </a:schemeClr>
+          </a:lnRef>
+          <a:fillRef idx="1">
+            <a:schemeClr val="accent1"/>
+          </a:fillRef>
+          <a:effectRef idx="0">
+            <a:schemeClr val="accent1"/>
+          </a:effectRef>
+          <a:fontRef idx="minor">
+            <a:schemeClr val="lt1"/>
+          </a:fontRef>
+        </p:style>
+        <p:txBody>
+          <a:bodyPr rtlCol="0" anchor="ctr"/>
+          <a:p>
+            <a:pPr algn="ctr"/>
+            <a:r>
+              <a:rPr lang="en-US" altLang="en-US"/>
+              <a:t>硬链接</a:t>
+            </a:r>
+            <a:endParaRPr lang="en-US" altLang="en-US"/>
+          </a:p>
+        </p:txBody>
+      </p:sp>
+      <p:sp>
+        <p:nvSpPr>
+          <p:cNvPr id="64" name="Rectangle 63"/>
+          <p:cNvSpPr/>
+          <p:nvPr/>
+        </p:nvSpPr>
+        <p:spPr>
+          <a:xfrm>
+            <a:off x="5326380" y="4022725"/>
+            <a:ext cx="1539875" cy="387985"/>
+          </a:xfrm>
+          <a:prstGeom prst="rect">
+            <a:avLst/>
+          </a:prstGeom>
+          <a:ln w="15875"/>
+        </p:spPr>
+        <p:style>
+          <a:lnRef idx="2">
+            <a:schemeClr val="accent1">
+              <a:shade val="50000"/>
+            </a:schemeClr>
+          </a:lnRef>
+          <a:fillRef idx="1">
+            <a:schemeClr val="accent1"/>
+          </a:fillRef>
+          <a:effectRef idx="0">
+            <a:schemeClr val="accent1"/>
+          </a:effectRef>
+          <a:fontRef idx="minor">
+            <a:schemeClr val="lt1"/>
+          </a:fontRef>
+        </p:style>
+        <p:txBody>
+          <a:bodyPr rtlCol="0" anchor="ctr"/>
+          <a:p>
+            <a:pPr algn="ctr"/>
+            <a:r>
+              <a:rPr lang="en-US" altLang="en-US"/>
+              <a:t>inode</a:t>
+            </a:r>
+            <a:endParaRPr lang="en-US" altLang="en-US"/>
+          </a:p>
+        </p:txBody>
+      </p:sp>
+      <p:sp>
+        <p:nvSpPr>
+          <p:cNvPr id="65" name="Rectangle 64"/>
+          <p:cNvSpPr/>
+          <p:nvPr/>
+        </p:nvSpPr>
+        <p:spPr>
+          <a:xfrm>
+            <a:off x="5326380" y="4807585"/>
+            <a:ext cx="1539875" cy="387985"/>
+          </a:xfrm>
+          <a:prstGeom prst="rect">
+            <a:avLst/>
+          </a:prstGeom>
+          <a:ln w="15875"/>
+        </p:spPr>
+        <p:style>
+          <a:lnRef idx="2">
+            <a:schemeClr val="accent1">
+              <a:shade val="50000"/>
+            </a:schemeClr>
+          </a:lnRef>
+          <a:fillRef idx="1">
+            <a:schemeClr val="accent1"/>
+          </a:fillRef>
+          <a:effectRef idx="0">
+            <a:schemeClr val="accent1"/>
+          </a:effectRef>
+          <a:fontRef idx="minor">
+            <a:schemeClr val="lt1"/>
+          </a:fontRef>
+        </p:style>
+        <p:txBody>
+          <a:bodyPr rtlCol="0" anchor="ctr"/>
+          <a:p>
+            <a:pPr algn="ctr"/>
+            <a:r>
+              <a:rPr lang="en-US" altLang="en-US"/>
+              <a:t>存盘block</a:t>
+            </a:r>
+            <a:endParaRPr lang="en-US" altLang="en-US"/>
+          </a:p>
+        </p:txBody>
+      </p:sp>
+      <p:sp>
+        <p:nvSpPr>
+          <p:cNvPr id="66" name="Rectangle 65"/>
+          <p:cNvSpPr/>
+          <p:nvPr/>
+        </p:nvSpPr>
+        <p:spPr>
+          <a:xfrm>
+            <a:off x="5326380" y="5581650"/>
+            <a:ext cx="1539875" cy="387985"/>
+          </a:xfrm>
+          <a:prstGeom prst="rect">
+            <a:avLst/>
+          </a:prstGeom>
+        </p:spPr>
+        <p:style>
+          <a:lnRef idx="2">
+            <a:schemeClr val="accent1">
+              <a:shade val="50000"/>
+            </a:schemeClr>
+          </a:lnRef>
+          <a:fillRef idx="1">
+            <a:schemeClr val="accent1"/>
+          </a:fillRef>
+          <a:effectRef idx="0">
+            <a:schemeClr val="accent1"/>
+          </a:effectRef>
+          <a:fontRef idx="minor">
+            <a:schemeClr val="lt1"/>
+          </a:fontRef>
+        </p:style>
+        <p:txBody>
+          <a:bodyPr rtlCol="0" anchor="ctr"/>
+          <a:p>
+            <a:pPr algn="ctr"/>
+            <a:r>
+              <a:rPr lang="en-US" altLang="en-US"/>
+              <a:t>文件内容</a:t>
+            </a:r>
+            <a:endParaRPr lang="en-US" altLang="en-US"/>
+          </a:p>
+        </p:txBody>
+      </p:sp>
+      <p:cxnSp>
+        <p:nvCxnSpPr>
+          <p:cNvPr id="67" name="Straight Arrow Connector 66"/>
+          <p:cNvCxnSpPr>
+            <a:stCxn id="63" idx="2"/>
+            <a:endCxn id="64" idx="0"/>
+          </p:cNvCxnSpPr>
+          <p:nvPr/>
+        </p:nvCxnSpPr>
+        <p:spPr>
+          <a:xfrm>
+            <a:off x="5608955" y="3657600"/>
+            <a:ext cx="497840" cy="365125"/>
+          </a:xfrm>
+          <a:prstGeom prst="straightConnector1">
+            <a:avLst/>
+          </a:prstGeom>
+          <a:ln w="31750">
+            <a:tailEnd type="arrow"/>
+          </a:ln>
+        </p:spPr>
+        <p:style>
+          <a:lnRef idx="1">
+            <a:schemeClr val="accent1"/>
+          </a:lnRef>
+          <a:fillRef idx="0">
+            <a:schemeClr val="accent1"/>
+          </a:fillRef>
+          <a:effectRef idx="0">
+            <a:schemeClr val="accent1"/>
+          </a:effectRef>
+          <a:fontRef idx="minor">
+            <a:schemeClr val="tx1"/>
+          </a:fontRef>
+        </p:style>
+      </p:cxnSp>
+      <p:cxnSp>
+        <p:nvCxnSpPr>
+          <p:cNvPr id="68" name="Straight Arrow Connector 67"/>
+          <p:cNvCxnSpPr/>
+          <p:nvPr/>
+        </p:nvCxnSpPr>
+        <p:spPr>
+          <a:xfrm>
+            <a:off x="6096635" y="4410710"/>
+            <a:ext cx="0" cy="365125"/>
+          </a:xfrm>
+          <a:prstGeom prst="straightConnector1">
+            <a:avLst/>
+          </a:prstGeom>
+          <a:ln w="31750">
+            <a:tailEnd type="arrow"/>
+          </a:ln>
+        </p:spPr>
+        <p:style>
+          <a:lnRef idx="1">
+            <a:schemeClr val="accent1"/>
+          </a:lnRef>
+          <a:fillRef idx="0">
+            <a:schemeClr val="accent1"/>
+          </a:fillRef>
+          <a:effectRef idx="0">
+            <a:schemeClr val="accent1"/>
+          </a:effectRef>
+          <a:fontRef idx="minor">
+            <a:schemeClr val="tx1"/>
+          </a:fontRef>
+        </p:style>
+      </p:cxnSp>
+      <p:cxnSp>
+        <p:nvCxnSpPr>
+          <p:cNvPr id="69" name="Straight Arrow Connector 68"/>
+          <p:cNvCxnSpPr/>
+          <p:nvPr/>
+        </p:nvCxnSpPr>
+        <p:spPr>
+          <a:xfrm>
+            <a:off x="6096000" y="5216525"/>
+            <a:ext cx="0" cy="365125"/>
+          </a:xfrm>
+          <a:prstGeom prst="straightConnector1">
+            <a:avLst/>
+          </a:prstGeom>
+          <a:ln w="31750">
+            <a:tailEnd type="arrow"/>
+          </a:ln>
+        </p:spPr>
+        <p:style>
+          <a:lnRef idx="1">
+            <a:schemeClr val="accent1"/>
+          </a:lnRef>
+          <a:fillRef idx="0">
+            <a:schemeClr val="accent1"/>
+          </a:fillRef>
+          <a:effectRef idx="0">
+            <a:schemeClr val="accent1"/>
+          </a:effectRef>
+          <a:fontRef idx="minor">
+            <a:schemeClr val="tx1"/>
+          </a:fontRef>
+        </p:style>
+      </p:cxnSp>
+      <p:sp>
+        <p:nvSpPr>
+          <p:cNvPr id="70" name="Rectangle 69"/>
+          <p:cNvSpPr/>
+          <p:nvPr/>
+        </p:nvSpPr>
+        <p:spPr>
+          <a:xfrm>
+            <a:off x="8184515" y="3280410"/>
+            <a:ext cx="1539875" cy="387350"/>
+          </a:xfrm>
+          <a:prstGeom prst="rect">
+            <a:avLst/>
+          </a:prstGeom>
+        </p:spPr>
+        <p:style>
+          <a:lnRef idx="2">
+            <a:schemeClr val="accent1">
+              <a:shade val="50000"/>
+            </a:schemeClr>
+          </a:lnRef>
+          <a:fillRef idx="1">
+            <a:schemeClr val="accent1"/>
+          </a:fillRef>
+          <a:effectRef idx="0">
+            <a:schemeClr val="accent1"/>
+          </a:effectRef>
+          <a:fontRef idx="minor">
+            <a:schemeClr val="lt1"/>
+          </a:fontRef>
+        </p:style>
+        <p:txBody>
+          <a:bodyPr rtlCol="0" anchor="ctr"/>
+          <a:p>
+            <a:pPr algn="ctr"/>
+            <a:r>
+              <a:rPr lang="en-US" altLang="en-US"/>
+              <a:t>软链接</a:t>
+            </a:r>
+            <a:endParaRPr lang="en-US" altLang="en-US"/>
+          </a:p>
+        </p:txBody>
+      </p:sp>
+      <p:sp>
+        <p:nvSpPr>
+          <p:cNvPr id="71" name="Rectangle 70"/>
+          <p:cNvSpPr/>
+          <p:nvPr/>
+        </p:nvSpPr>
+        <p:spPr>
+          <a:xfrm>
+            <a:off x="8184515" y="4032885"/>
+            <a:ext cx="1539875" cy="387985"/>
+          </a:xfrm>
+          <a:prstGeom prst="rect">
+            <a:avLst/>
+          </a:prstGeom>
+          <a:ln w="15875"/>
+        </p:spPr>
+        <p:style>
+          <a:lnRef idx="2">
+            <a:schemeClr val="accent1">
+              <a:shade val="50000"/>
+            </a:schemeClr>
+          </a:lnRef>
+          <a:fillRef idx="1">
+            <a:schemeClr val="accent1"/>
+          </a:fillRef>
+          <a:effectRef idx="0">
+            <a:schemeClr val="accent1"/>
+          </a:effectRef>
+          <a:fontRef idx="minor">
+            <a:schemeClr val="lt1"/>
+          </a:fontRef>
+        </p:style>
+        <p:txBody>
+          <a:bodyPr rtlCol="0" anchor="ctr"/>
+          <a:p>
+            <a:pPr algn="ctr"/>
+            <a:r>
+              <a:rPr lang="en-US" altLang="en-US"/>
+              <a:t>inode</a:t>
+            </a:r>
+            <a:endParaRPr lang="en-US" altLang="en-US"/>
+          </a:p>
+        </p:txBody>
+      </p:sp>
+      <p:sp>
+        <p:nvSpPr>
+          <p:cNvPr id="72" name="Rectangle 71"/>
+          <p:cNvSpPr/>
+          <p:nvPr/>
+        </p:nvSpPr>
+        <p:spPr>
+          <a:xfrm>
+            <a:off x="8184515" y="4817745"/>
+            <a:ext cx="1539875" cy="387985"/>
+          </a:xfrm>
+          <a:prstGeom prst="rect">
+            <a:avLst/>
+          </a:prstGeom>
+          <a:ln w="15875"/>
+        </p:spPr>
+        <p:style>
+          <a:lnRef idx="2">
+            <a:schemeClr val="accent1">
+              <a:shade val="50000"/>
+            </a:schemeClr>
+          </a:lnRef>
+          <a:fillRef idx="1">
+            <a:schemeClr val="accent1"/>
+          </a:fillRef>
+          <a:effectRef idx="0">
+            <a:schemeClr val="accent1"/>
+          </a:effectRef>
+          <a:fontRef idx="minor">
+            <a:schemeClr val="lt1"/>
+          </a:fontRef>
+        </p:style>
+        <p:txBody>
+          <a:bodyPr rtlCol="0" anchor="ctr"/>
+          <a:p>
+            <a:pPr algn="ctr"/>
+            <a:r>
+              <a:rPr lang="en-US" altLang="en-US"/>
+              <a:t>存盘block</a:t>
+            </a:r>
+            <a:endParaRPr lang="en-US" altLang="en-US"/>
+          </a:p>
+        </p:txBody>
+      </p:sp>
+      <p:sp>
+        <p:nvSpPr>
+          <p:cNvPr id="73" name="Rectangle 72"/>
+          <p:cNvSpPr/>
+          <p:nvPr/>
+        </p:nvSpPr>
+        <p:spPr>
+          <a:xfrm>
+            <a:off x="8184515" y="5591810"/>
+            <a:ext cx="1539875" cy="387985"/>
+          </a:xfrm>
+          <a:prstGeom prst="rect">
+            <a:avLst/>
+          </a:prstGeom>
+        </p:spPr>
+        <p:style>
+          <a:lnRef idx="2">
+            <a:schemeClr val="accent1">
+              <a:shade val="50000"/>
+            </a:schemeClr>
+          </a:lnRef>
+          <a:fillRef idx="1">
+            <a:schemeClr val="accent1"/>
+          </a:fillRef>
+          <a:effectRef idx="0">
+            <a:schemeClr val="accent1"/>
+          </a:effectRef>
+          <a:fontRef idx="minor">
+            <a:schemeClr val="lt1"/>
+          </a:fontRef>
+        </p:style>
+        <p:txBody>
+          <a:bodyPr rtlCol="0" anchor="ctr"/>
+          <a:p>
+            <a:pPr algn="ctr"/>
+            <a:r>
+              <a:rPr lang="en-US" altLang="en-US"/>
+              <a:t>文件目录</a:t>
+            </a:r>
+            <a:endParaRPr lang="en-US" altLang="en-US"/>
+          </a:p>
+        </p:txBody>
+      </p:sp>
+      <p:cxnSp>
+        <p:nvCxnSpPr>
+          <p:cNvPr id="74" name="Straight Arrow Connector 73"/>
+          <p:cNvCxnSpPr>
+            <a:stCxn id="70" idx="2"/>
+            <a:endCxn id="71" idx="0"/>
+          </p:cNvCxnSpPr>
+          <p:nvPr/>
+        </p:nvCxnSpPr>
+        <p:spPr>
+          <a:xfrm>
+            <a:off x="8964930" y="3667760"/>
+            <a:ext cx="0" cy="365125"/>
+          </a:xfrm>
+          <a:prstGeom prst="straightConnector1">
+            <a:avLst/>
+          </a:prstGeom>
+          <a:ln w="31750">
+            <a:tailEnd type="arrow"/>
+          </a:ln>
+        </p:spPr>
+        <p:style>
+          <a:lnRef idx="1">
+            <a:schemeClr val="accent1"/>
+          </a:lnRef>
+          <a:fillRef idx="0">
+            <a:schemeClr val="accent1"/>
+          </a:fillRef>
+          <a:effectRef idx="0">
+            <a:schemeClr val="accent1"/>
+          </a:effectRef>
+          <a:fontRef idx="minor">
+            <a:schemeClr val="tx1"/>
+          </a:fontRef>
+        </p:style>
+      </p:cxnSp>
+      <p:cxnSp>
+        <p:nvCxnSpPr>
+          <p:cNvPr id="75" name="Straight Arrow Connector 74"/>
+          <p:cNvCxnSpPr/>
+          <p:nvPr/>
+        </p:nvCxnSpPr>
+        <p:spPr>
+          <a:xfrm>
+            <a:off x="8954770" y="4420870"/>
+            <a:ext cx="0" cy="365125"/>
+          </a:xfrm>
+          <a:prstGeom prst="straightConnector1">
+            <a:avLst/>
+          </a:prstGeom>
+          <a:ln w="31750">
+            <a:tailEnd type="arrow"/>
+          </a:ln>
+        </p:spPr>
+        <p:style>
+          <a:lnRef idx="1">
+            <a:schemeClr val="accent1"/>
+          </a:lnRef>
+          <a:fillRef idx="0">
+            <a:schemeClr val="accent1"/>
+          </a:fillRef>
+          <a:effectRef idx="0">
+            <a:schemeClr val="accent1"/>
+          </a:effectRef>
+          <a:fontRef idx="minor">
+            <a:schemeClr val="tx1"/>
+          </a:fontRef>
+        </p:style>
+      </p:cxnSp>
+      <p:cxnSp>
+        <p:nvCxnSpPr>
+          <p:cNvPr id="76" name="Straight Arrow Connector 75"/>
+          <p:cNvCxnSpPr/>
+          <p:nvPr/>
+        </p:nvCxnSpPr>
+        <p:spPr>
+          <a:xfrm>
+            <a:off x="8954135" y="5226685"/>
+            <a:ext cx="0" cy="365125"/>
+          </a:xfrm>
+          <a:prstGeom prst="straightConnector1">
+            <a:avLst/>
+          </a:prstGeom>
+          <a:ln w="31750">
+            <a:tailEnd type="arrow"/>
+          </a:ln>
+        </p:spPr>
+        <p:style>
+          <a:lnRef idx="1">
+            <a:schemeClr val="accent1"/>
+          </a:lnRef>
+          <a:fillRef idx="0">
+            <a:schemeClr val="accent1"/>
+          </a:fillRef>
+          <a:effectRef idx="0">
+            <a:schemeClr val="accent1"/>
+          </a:effectRef>
+          <a:fontRef idx="minor">
+            <a:schemeClr val="tx1"/>
+          </a:fontRef>
+        </p:style>
+      </p:cxnSp>
+      <p:cxnSp>
+        <p:nvCxnSpPr>
+          <p:cNvPr id="78" name="Straight Arrow Connector 77"/>
+          <p:cNvCxnSpPr>
+            <a:stCxn id="73" idx="1"/>
+            <a:endCxn id="79" idx="2"/>
+          </p:cNvCxnSpPr>
+          <p:nvPr/>
+        </p:nvCxnSpPr>
+        <p:spPr>
+          <a:xfrm flipH="1" flipV="1">
+            <a:off x="7272655" y="3657600"/>
+            <a:ext cx="911860" cy="2128520"/>
+          </a:xfrm>
+          <a:prstGeom prst="straightConnector1">
+            <a:avLst/>
+          </a:prstGeom>
+          <a:ln w="31750">
+            <a:tailEnd type="arrow"/>
+          </a:ln>
+        </p:spPr>
+        <p:style>
+          <a:lnRef idx="1">
+            <a:schemeClr val="accent1"/>
+          </a:lnRef>
+          <a:fillRef idx="0">
+            <a:schemeClr val="accent1"/>
+          </a:fillRef>
+          <a:effectRef idx="0">
+            <a:schemeClr val="accent1"/>
+          </a:effectRef>
+          <a:fontRef idx="minor">
+            <a:schemeClr val="tx1"/>
+          </a:fontRef>
+        </p:style>
+      </p:cxnSp>
+      <p:sp>
+        <p:nvSpPr>
+          <p:cNvPr id="79" name="Rectangle 78"/>
+          <p:cNvSpPr/>
+          <p:nvPr/>
+        </p:nvSpPr>
+        <p:spPr>
+          <a:xfrm>
+            <a:off x="6502400" y="3270250"/>
+            <a:ext cx="1539875" cy="387350"/>
+          </a:xfrm>
+          <a:prstGeom prst="rect">
+            <a:avLst/>
+          </a:prstGeom>
+        </p:spPr>
+        <p:style>
+          <a:lnRef idx="2">
+            <a:schemeClr val="accent4">
+              <a:shade val="50000"/>
+            </a:schemeClr>
+          </a:lnRef>
+          <a:fillRef idx="1">
+            <a:schemeClr val="accent4"/>
+          </a:fillRef>
+          <a:effectRef idx="0">
+            <a:schemeClr val="accent4"/>
+          </a:effectRef>
+          <a:fontRef idx="minor">
+            <a:schemeClr val="lt1"/>
+          </a:fontRef>
+        </p:style>
+        <p:txBody>
+          <a:bodyPr rtlCol="0" anchor="ctr"/>
+          <a:p>
+            <a:pPr algn="ctr"/>
+            <a:r>
+              <a:rPr lang="en-US" altLang="en-US"/>
+              <a:t>文件名</a:t>
+            </a:r>
+            <a:endParaRPr lang="en-US" altLang="en-US"/>
+          </a:p>
+        </p:txBody>
+      </p:sp>
+      <p:cxnSp>
+        <p:nvCxnSpPr>
+          <p:cNvPr id="80" name="Straight Arrow Connector 79"/>
+          <p:cNvCxnSpPr>
+            <a:stCxn id="79" idx="2"/>
+            <a:endCxn id="64" idx="0"/>
+          </p:cNvCxnSpPr>
+          <p:nvPr/>
+        </p:nvCxnSpPr>
+        <p:spPr>
+          <a:xfrm flipH="1">
+            <a:off x="6096635" y="3657600"/>
+            <a:ext cx="1176020" cy="365125"/>
+          </a:xfrm>
+          <a:prstGeom prst="straightConnector1">
+            <a:avLst/>
+          </a:prstGeom>
+          <a:ln w="31750">
+            <a:tailEnd type="arrow"/>
+          </a:ln>
+        </p:spPr>
+        <p:style>
+          <a:lnRef idx="1">
+            <a:schemeClr val="accent1"/>
+          </a:lnRef>
+          <a:fillRef idx="0">
+            <a:schemeClr val="accent1"/>
+          </a:fillRef>
+          <a:effectRef idx="0">
+            <a:schemeClr val="accent1"/>
+          </a:effectRef>
+          <a:fontRef idx="minor">
+            <a:schemeClr val="tx1"/>
+          </a:fontRef>
+        </p:style>
+      </p:cxnSp>
+      <p:sp>
+        <p:nvSpPr>
+          <p:cNvPr id="81" name="Title 1"/>
+          <p:cNvSpPr>
+            <a:spLocks noGrp="1"/>
+          </p:cNvSpPr>
+          <p:nvPr/>
+        </p:nvSpPr>
+        <p:spPr>
+          <a:xfrm>
+            <a:off x="5445125" y="2492375"/>
+            <a:ext cx="3519170" cy="596265"/>
+          </a:xfrm>
+          <a:prstGeom prst="rect">
+            <a:avLst/>
+          </a:prstGeom>
+        </p:spPr>
+        <p:txBody>
+          <a:bodyPr vert="horz" lIns="91440" tIns="45720" rIns="91440" bIns="45720" rtlCol="0" anchor="b"/>
+          <a:lstStyle>
+            <a:lvl1pPr algn="ctr" defTabSz="914400" rtl="0" eaLnBrk="1" latinLnBrk="0" hangingPunct="1">
+              <a:lnSpc>
+                <a:spcPct val="130000"/>
+              </a:lnSpc>
+              <a:spcBef>
+                <a:spcPct val="0"/>
+              </a:spcBef>
+              <a:buNone/>
+              <a:defRPr sz="6000" kern="1200">
+                <a:solidFill>
+                  <a:schemeClr val="tx1"/>
+                </a:solidFill>
+                <a:effectLst>
+                  <a:outerShdw blurRad="38100" dist="38100" dir="2700000" algn="tl">
+                    <a:srgbClr val="000000">
+                      <a:alpha val="43137"/>
+                    </a:srgbClr>
+                  </a:outerShdw>
+                </a:effectLst>
+                <a:latin typeface="+mj-lt"/>
+                <a:ea typeface="+mj-ea"/>
+                <a:cs typeface="+mj-cs"/>
+              </a:defRPr>
+            </a:lvl1pPr>
+          </a:lstStyle>
+          <a:p>
+            <a:pPr algn="l"/>
+            <a:r>
+              <a:rPr lang="en-US" altLang="en-US" sz="1800" b="1">
+                <a:solidFill>
+                  <a:srgbClr val="FF0000"/>
+                </a:solidFill>
+              </a:rPr>
+              <a:t>硬链接相当于给文件取别名！！</a:t>
+            </a:r>
+            <a:endParaRPr lang="en-US" altLang="en-US" sz="1800" b="1">
+              <a:solidFill>
+                <a:srgbClr val="FF0000"/>
+              </a:solidFill>
+            </a:endParaRPr>
+          </a:p>
+        </p:txBody>
+      </p:sp>
+    </p:spTree>
+  </p:cSld>
+  <p:clrMapOvr>
+    <a:masterClrMapping/>
+  </p:clrMapOvr>
+</p:sld>
+</file>
+
+<file path=ppt/slides/slide16.xml><?xml version="1.0" encoding="utf-8"?>
+<p:sld xmlns:a="http://schemas.openxmlformats.org/drawingml/2006/main" xmlns:r="http://schemas.openxmlformats.org/officeDocument/2006/relationships" xmlns:p="http://schemas.openxmlformats.org/presentationml/2006/main">
+  <p:cSld>
+    <p:spTree>
+      <p:nvGrpSpPr>
+        <p:cNvPr id="1" name=""/>
+        <p:cNvGrpSpPr/>
+        <p:nvPr/>
+      </p:nvGrpSpPr>
+      <p:grpSpPr/>
+      <p:sp>
+        <p:nvSpPr>
+          <p:cNvPr id="2" name="Title 1"/>
+          <p:cNvSpPr>
+            <a:spLocks noGrp="1"/>
+          </p:cNvSpPr>
+          <p:nvPr>
+            <p:ph type="ctrTitle"/>
+          </p:nvPr>
+        </p:nvSpPr>
+        <p:spPr>
+          <a:xfrm>
+            <a:off x="808355" y="260350"/>
+            <a:ext cx="9133840" cy="829945"/>
+          </a:xfrm>
+        </p:spPr>
+        <p:txBody>
+          <a:bodyPr>
+            <a:normAutofit/>
+          </a:bodyPr>
+          <a:p>
+            <a:pPr algn="l"/>
+            <a:r>
+              <a:rPr lang="" altLang="en-US" sz="2800"/>
+              <a:t>3.2 </a:t>
+            </a:r>
+            <a:r>
+              <a:rPr lang="en-US" altLang="en-US" sz="2800"/>
+              <a:t>Linux</a:t>
+            </a:r>
+            <a:r>
+              <a:rPr lang="" altLang="en-US" sz="2800"/>
+              <a:t>文件系统</a:t>
+            </a:r>
+            <a:r>
+              <a:rPr lang="en-US" altLang="en-US" sz="2800"/>
+              <a:t>---文件的存储</a:t>
             </a:r>
             <a:endParaRPr lang="en-US" altLang="en-US" sz="2800"/>
           </a:p>
@@ -7179,18 +10415,18 @@
           <a:p>
             <a:pPr algn="ctr"/>
             <a:r>
-              <a:rPr lang="" altLang="en-US"/>
+              <a:rPr lang="en-US" altLang="en-US"/>
               <a:t>boot</a:t>
             </a:r>
-            <a:endParaRPr lang="" altLang="en-US"/>
+            <a:endParaRPr lang="en-US" altLang="en-US"/>
           </a:p>
           <a:p>
             <a:pPr algn="ctr"/>
             <a:r>
-              <a:rPr lang="" altLang="en-US"/>
+              <a:rPr lang="en-US" altLang="en-US"/>
               <a:t>block</a:t>
             </a:r>
-            <a:endParaRPr lang="" altLang="en-US"/>
+            <a:endParaRPr lang="en-US" altLang="en-US"/>
           </a:p>
         </p:txBody>
       </p:sp>
@@ -7231,13 +10467,9 @@
             <a:pPr algn="ctr"/>
             <a:r>
               <a:rPr lang="en-US" altLang="en-US"/>
-              <a:t>block </a:t>
-            </a:r>
-            <a:r>
-              <a:rPr lang="" altLang="en-US"/>
-              <a:t>0</a:t>
-            </a:r>
-            <a:endParaRPr lang="" altLang="en-US"/>
+              <a:t>block 0</a:t>
+            </a:r>
+            <a:endParaRPr lang="en-US" altLang="en-US"/>
           </a:p>
         </p:txBody>
       </p:sp>
@@ -7278,13 +10510,9 @@
             <a:pPr algn="ctr"/>
             <a:r>
               <a:rPr lang="en-US" altLang="en-US"/>
-              <a:t>block </a:t>
-            </a:r>
-            <a:r>
-              <a:rPr lang="" altLang="en-US"/>
-              <a:t>1</a:t>
-            </a:r>
-            <a:endParaRPr lang="" altLang="en-US"/>
+              <a:t>block 1</a:t>
+            </a:r>
+            <a:endParaRPr lang="en-US" altLang="en-US"/>
           </a:p>
         </p:txBody>
       </p:sp>
@@ -7325,13 +10553,9 @@
             <a:pPr algn="ctr"/>
             <a:r>
               <a:rPr lang="en-US" altLang="en-US"/>
-              <a:t>block </a:t>
-            </a:r>
-            <a:r>
-              <a:rPr lang="" altLang="en-US"/>
-              <a:t>2</a:t>
-            </a:r>
-            <a:endParaRPr lang="" altLang="en-US"/>
+              <a:t>block 2</a:t>
+            </a:r>
+            <a:endParaRPr lang="en-US" altLang="en-US"/>
           </a:p>
         </p:txBody>
       </p:sp>
@@ -7372,13 +10596,9 @@
             <a:pPr algn="ctr"/>
             <a:r>
               <a:rPr lang="en-US" altLang="en-US"/>
-              <a:t>block </a:t>
-            </a:r>
-            <a:r>
-              <a:rPr lang="" altLang="en-US"/>
-              <a:t>n</a:t>
-            </a:r>
-            <a:endParaRPr lang="" altLang="en-US"/>
+              <a:t>block n</a:t>
+            </a:r>
+            <a:endParaRPr lang="en-US" altLang="en-US"/>
           </a:p>
         </p:txBody>
       </p:sp>
@@ -7419,13 +10639,9 @@
             <a:pPr algn="ctr"/>
             <a:r>
               <a:rPr lang="en-US" altLang="en-US"/>
-              <a:t>block </a:t>
-            </a:r>
-            <a:r>
-              <a:rPr lang="" altLang="en-US"/>
-              <a:t>...</a:t>
-            </a:r>
-            <a:endParaRPr lang="" altLang="en-US"/>
+              <a:t>block ...</a:t>
+            </a:r>
+            <a:endParaRPr lang="en-US" altLang="en-US"/>
           </a:p>
         </p:txBody>
       </p:sp>
@@ -7566,18 +10782,18 @@
           <a:p>
             <a:pPr algn="ctr"/>
             <a:r>
-              <a:rPr lang="" altLang="en-US"/>
+              <a:rPr lang="en-US" altLang="en-US"/>
               <a:t>super</a:t>
             </a:r>
-            <a:endParaRPr lang="" altLang="en-US"/>
+            <a:endParaRPr lang="en-US" altLang="en-US"/>
           </a:p>
           <a:p>
             <a:pPr algn="ctr"/>
             <a:r>
-              <a:rPr lang="" altLang="en-US"/>
+              <a:rPr lang="en-US" altLang="en-US"/>
               <a:t>block</a:t>
             </a:r>
-            <a:endParaRPr lang="" altLang="en-US"/>
+            <a:endParaRPr lang="en-US" altLang="en-US"/>
           </a:p>
         </p:txBody>
       </p:sp>
@@ -7631,65 +10847,53 @@
           <a:p>
             <a:pPr algn="l"/>
             <a:r>
-              <a:rPr lang="" altLang="en-US" sz="2800"/>
+              <a:rPr lang="en-US" altLang="en-US" sz="2800"/>
               <a:t>block:格式化时确定block大小，一个block只能放一个文件</a:t>
             </a:r>
-            <a:endParaRPr lang="" altLang="en-US" sz="2800"/>
+            <a:endParaRPr lang="en-US" altLang="en-US" sz="2800"/>
           </a:p>
           <a:p>
             <a:pPr algn="l"/>
             <a:r>
-              <a:rPr lang="" altLang="en-US" sz="2800"/>
+              <a:rPr lang="en-US" altLang="en-US" sz="2800"/>
               <a:t>super block:记录block与inode大小，使用、未使用情况，挂接硬盘时被读入linux系统中； linux根据使用情况来计算磁盘的使用率；</a:t>
             </a:r>
-            <a:endParaRPr lang="" altLang="en-US" sz="2800"/>
+            <a:endParaRPr lang="en-US" altLang="en-US" sz="2800"/>
           </a:p>
           <a:p>
             <a:pPr algn="l"/>
             <a:r>
-              <a:rPr lang="" altLang="en-US" sz="2800"/>
+              <a:rPr lang="en-US" altLang="en-US" sz="2800"/>
               <a:t>GDT:global discreption table，用于描述各块的起始结束位置； </a:t>
             </a:r>
-            <a:endParaRPr lang="" altLang="en-US" sz="2800"/>
+            <a:endParaRPr lang="en-US" altLang="en-US" sz="2800"/>
           </a:p>
           <a:p>
             <a:pPr algn="l"/>
             <a:r>
-              <a:rPr lang="" altLang="en-US" sz="2800"/>
+              <a:rPr lang="en-US" altLang="en-US" sz="2800"/>
               <a:t>block bitmap:确定哪些block是空的，此时系统就可以快速地找到可使用的空间来放置文件。</a:t>
             </a:r>
-            <a:endParaRPr lang="" altLang="en-US" sz="2800"/>
+            <a:endParaRPr lang="en-US" altLang="en-US" sz="2800"/>
           </a:p>
           <a:p>
             <a:pPr algn="l"/>
             <a:r>
-              <a:rPr lang="" altLang="en-US" sz="2800"/>
+              <a:rPr lang="en-US" altLang="en-US" sz="2800"/>
               <a:t>inode bitmap:</a:t>
             </a:r>
             <a:r>
               <a:rPr lang="en-US" altLang="en-US" sz="2800">
                 <a:sym typeface="+mn-ea"/>
               </a:rPr>
-              <a:t>知道哪些</a:t>
-            </a:r>
-            <a:r>
-              <a:rPr lang="" altLang="en-US" sz="2800">
-                <a:sym typeface="+mn-ea"/>
-              </a:rPr>
-              <a:t>inode table</a:t>
-            </a:r>
-            <a:r>
-              <a:rPr lang="en-US" altLang="en-US" sz="2800">
-                <a:sym typeface="+mn-ea"/>
-              </a:rPr>
-              <a:t>是空的</a:t>
-            </a:r>
-            <a:endParaRPr lang="" altLang="en-US" sz="2800"/>
+              <a:t>知道哪些inode table是空的</a:t>
+            </a:r>
+            <a:endParaRPr lang="en-US" altLang="en-US" sz="2800"/>
           </a:p>
           <a:p>
             <a:pPr algn="l"/>
             <a:r>
-              <a:rPr lang="" altLang="en-US" sz="2800" b="1">
+              <a:rPr lang="en-US" altLang="en-US" sz="2800" b="1">
                 <a:solidFill>
                   <a:srgbClr val="FF0000"/>
                 </a:solidFill>
@@ -7697,30 +10901,38 @@
               <a:t>inode table</a:t>
             </a:r>
             <a:r>
-              <a:rPr lang="" altLang="en-US" sz="2800"/>
-              <a:t>:文件数据block的位置, 大小，所有者，权限，创建时间，连接数； </a:t>
-            </a:r>
-            <a:endParaRPr lang="" altLang="en-US" sz="2800"/>
+              <a:rPr lang="en-US" altLang="en-US" sz="2800"/>
+              <a:t>:</a:t>
+            </a:r>
+            <a:r>
+              <a:rPr lang="en-US" altLang="en-US" sz="2800" b="1"/>
+              <a:t>文件数据block的位置</a:t>
+            </a:r>
+            <a:r>
+              <a:rPr lang="en-US" altLang="en-US" sz="2800"/>
+              <a:t>, 大小，所有者，权限，创建时间，连接数； </a:t>
+            </a:r>
+            <a:endParaRPr lang="en-US" altLang="en-US" sz="2800"/>
           </a:p>
           <a:p>
             <a:pPr algn="l"/>
             <a:r>
-              <a:rPr lang="" altLang="en-US" sz="2800" b="1">
+              <a:rPr lang="en-US" altLang="en-US" sz="2800" b="1">
                 <a:solidFill>
                   <a:srgbClr val="FF0000"/>
                 </a:solidFill>
               </a:rPr>
               <a:t>inode与文件个数一一对应，多少个inode理论上可以支持创建多少个文件</a:t>
             </a:r>
-            <a:endParaRPr lang="" altLang="en-US" sz="2800"/>
+            <a:endParaRPr lang="en-US" altLang="en-US" sz="2800"/>
           </a:p>
           <a:p>
             <a:pPr algn="l"/>
             <a:r>
-              <a:rPr lang="" altLang="en-US" sz="2800"/>
+              <a:rPr lang="en-US" altLang="en-US" sz="2800"/>
               <a:t>data block:存放数据</a:t>
             </a:r>
-            <a:endParaRPr lang="" altLang="en-US" sz="2800"/>
+            <a:endParaRPr lang="en-US" altLang="en-US" sz="2800"/>
           </a:p>
         </p:txBody>
       </p:sp>
@@ -7760,10 +10972,10 @@
           <a:p>
             <a:pPr algn="ctr"/>
             <a:r>
-              <a:rPr lang="" altLang="en-US"/>
+              <a:rPr lang="en-US" altLang="en-US"/>
               <a:t>GDT</a:t>
             </a:r>
-            <a:endParaRPr lang="" altLang="en-US"/>
+            <a:endParaRPr lang="en-US" altLang="en-US"/>
           </a:p>
         </p:txBody>
       </p:sp>
@@ -7803,18 +11015,18 @@
           <a:p>
             <a:pPr algn="ctr"/>
             <a:r>
-              <a:rPr lang="" altLang="en-US"/>
+              <a:rPr lang="en-US" altLang="en-US"/>
               <a:t>block</a:t>
             </a:r>
-            <a:endParaRPr lang="" altLang="en-US"/>
+            <a:endParaRPr lang="en-US" altLang="en-US"/>
           </a:p>
           <a:p>
             <a:pPr algn="ctr"/>
             <a:r>
-              <a:rPr lang="" altLang="en-US"/>
+              <a:rPr lang="en-US" altLang="en-US"/>
               <a:t>bitmap</a:t>
             </a:r>
-            <a:endParaRPr lang="" altLang="en-US"/>
+            <a:endParaRPr lang="en-US" altLang="en-US"/>
           </a:p>
         </p:txBody>
       </p:sp>
@@ -7854,7 +11066,7 @@
           <a:p>
             <a:pPr algn="ctr"/>
             <a:r>
-              <a:rPr lang="" altLang="en-US"/>
+              <a:rPr lang="en-US" altLang="en-US"/>
               <a:t>inode</a:t>
             </a:r>
             <a:endParaRPr lang="en-US" altLang="en-US"/>
@@ -7913,10 +11125,10 @@
           <a:p>
             <a:pPr algn="ctr"/>
             <a:r>
-              <a:rPr lang="" altLang="en-US"/>
+              <a:rPr lang="en-US" altLang="en-US"/>
               <a:t>table</a:t>
             </a:r>
-            <a:endParaRPr lang="" altLang="en-US"/>
+            <a:endParaRPr lang="en-US" altLang="en-US"/>
           </a:p>
         </p:txBody>
       </p:sp>
@@ -7956,18 +11168,18 @@
           <a:p>
             <a:pPr algn="ctr"/>
             <a:r>
-              <a:rPr lang="" altLang="en-US"/>
+              <a:rPr lang="en-US" altLang="en-US"/>
               <a:t>data</a:t>
             </a:r>
-            <a:endParaRPr lang="" altLang="en-US"/>
+            <a:endParaRPr lang="en-US" altLang="en-US"/>
           </a:p>
           <a:p>
             <a:pPr algn="ctr"/>
             <a:r>
-              <a:rPr lang="" altLang="en-US"/>
+              <a:rPr lang="en-US" altLang="en-US"/>
               <a:t>block</a:t>
             </a:r>
-            <a:endParaRPr lang="" altLang="en-US"/>
+            <a:endParaRPr lang="en-US" altLang="en-US"/>
           </a:p>
         </p:txBody>
       </p:sp>
@@ -8174,7 +11386,7 @@
 </p:sld>
 </file>
 
-<file path=ppt/slides/slide14.xml><?xml version="1.0" encoding="utf-8"?>
+<file path=ppt/slides/slide17.xml><?xml version="1.0" encoding="utf-8"?>
 <p:sld xmlns:a="http://schemas.openxmlformats.org/drawingml/2006/main" xmlns:r="http://schemas.openxmlformats.org/officeDocument/2006/relationships" xmlns:p="http://schemas.openxmlformats.org/presentationml/2006/main">
   <p:cSld>
     <p:spTree>
@@ -8207,13 +11419,321 @@
           <a:p>
             <a:pPr algn="l"/>
             <a:r>
+              <a:rPr lang="" altLang="en-US" sz="2800"/>
+              <a:t>3.2 </a:t>
+            </a:r>
+            <a:r>
               <a:rPr lang="en-US" altLang="en-US" sz="2800"/>
-              <a:t>四、Linux设备驱动</a:t>
+              <a:t>Linux</a:t>
+            </a:r>
+            <a:r>
+              <a:rPr lang="" altLang="en-US" sz="2800"/>
+              <a:t>块设备</a:t>
+            </a:r>
+            <a:r>
+              <a:rPr lang="en-US" altLang="en-US" sz="2800"/>
+              <a:t>--寻找文件过程</a:t>
             </a:r>
             <a:endParaRPr lang="en-US" altLang="en-US" sz="2800"/>
           </a:p>
         </p:txBody>
       </p:sp>
+      <p:sp>
+        <p:nvSpPr>
+          <p:cNvPr id="6" name="Title 1"/>
+          <p:cNvSpPr>
+            <a:spLocks noGrp="1"/>
+          </p:cNvSpPr>
+          <p:nvPr/>
+        </p:nvSpPr>
+        <p:spPr>
+          <a:xfrm>
+            <a:off x="808355" y="1281430"/>
+            <a:ext cx="10363835" cy="2188210"/>
+          </a:xfrm>
+          <a:prstGeom prst="rect">
+            <a:avLst/>
+          </a:prstGeom>
+        </p:spPr>
+        <p:txBody>
+          <a:bodyPr vert="horz" lIns="91440" tIns="45720" rIns="91440" bIns="45720" rtlCol="0" anchor="b"/>
+          <a:lstStyle>
+            <a:lvl1pPr algn="ctr" defTabSz="914400" rtl="0" eaLnBrk="1" latinLnBrk="0" hangingPunct="1">
+              <a:lnSpc>
+                <a:spcPct val="130000"/>
+              </a:lnSpc>
+              <a:spcBef>
+                <a:spcPct val="0"/>
+              </a:spcBef>
+              <a:buNone/>
+              <a:defRPr sz="6000" kern="1200">
+                <a:solidFill>
+                  <a:schemeClr val="tx1"/>
+                </a:solidFill>
+                <a:effectLst>
+                  <a:outerShdw blurRad="38100" dist="38100" dir="2700000" algn="tl">
+                    <a:srgbClr val="000000">
+                      <a:alpha val="43137"/>
+                    </a:srgbClr>
+                  </a:outerShdw>
+                </a:effectLst>
+                <a:latin typeface="+mj-lt"/>
+                <a:ea typeface="+mj-ea"/>
+                <a:cs typeface="+mj-cs"/>
+              </a:defRPr>
+            </a:lvl1pPr>
+          </a:lstStyle>
+          <a:p>
+            <a:pPr algn="l"/>
+            <a:r>
+              <a:rPr lang="en-US" altLang="en-US" sz="1800"/>
+              <a:t>例如：寻到位于/home/abig/test/hello.txt文件流程</a:t>
+            </a:r>
+            <a:endParaRPr lang="en-US" altLang="en-US" sz="1800"/>
+          </a:p>
+          <a:p>
+            <a:pPr algn="l"/>
+            <a:r>
+              <a:rPr lang="en-US" altLang="en-US" sz="1800"/>
+              <a:t>（1）从/目录的inode节点开始寻找，找到home目录项；</a:t>
+            </a:r>
+            <a:endParaRPr lang="en-US" altLang="en-US" sz="1800"/>
+          </a:p>
+          <a:p>
+            <a:pPr algn="l"/>
+            <a:r>
+              <a:rPr lang="en-US" altLang="en-US" sz="1800"/>
+              <a:t>（2）查询home的inode，找到abig的目录项； </a:t>
+            </a:r>
+            <a:endParaRPr lang="en-US" altLang="en-US" sz="1800"/>
+          </a:p>
+          <a:p>
+            <a:pPr algn="l"/>
+            <a:r>
+              <a:rPr lang="en-US" altLang="en-US" sz="1800"/>
+              <a:t>（3）查询abig的inode找到test的目录项； </a:t>
+            </a:r>
+            <a:endParaRPr lang="en-US" altLang="en-US" sz="1800"/>
+          </a:p>
+          <a:p>
+            <a:pPr algn="l"/>
+            <a:r>
+              <a:rPr lang="en-US" altLang="en-US" sz="1800"/>
+              <a:t>（4）进入到test的inode，找到hello.txt; </a:t>
+            </a:r>
+            <a:endParaRPr lang="en-US" altLang="en-US" sz="1800"/>
+          </a:p>
+          <a:p>
+            <a:pPr algn="l"/>
+            <a:r>
+              <a:rPr lang="en-US" altLang="en-US" sz="1800"/>
+              <a:t>（5）进入hello.txt的inode，找到对应文件存盘的位置</a:t>
+            </a:r>
+            <a:endParaRPr lang="en-US" altLang="en-US" sz="1800"/>
+          </a:p>
+        </p:txBody>
+      </p:sp>
+      <p:sp>
+        <p:nvSpPr>
+          <p:cNvPr id="12" name="Rectangle 11"/>
+          <p:cNvSpPr/>
+          <p:nvPr/>
+        </p:nvSpPr>
+        <p:spPr>
+          <a:xfrm>
+            <a:off x="1261745" y="3842385"/>
+            <a:ext cx="1188720" cy="307975"/>
+          </a:xfrm>
+          <a:prstGeom prst="rect">
+            <a:avLst/>
+          </a:prstGeom>
+        </p:spPr>
+        <p:style>
+          <a:lnRef idx="2">
+            <a:schemeClr val="accent4">
+              <a:shade val="50000"/>
+            </a:schemeClr>
+          </a:lnRef>
+          <a:fillRef idx="1">
+            <a:schemeClr val="accent4"/>
+          </a:fillRef>
+          <a:effectRef idx="0">
+            <a:schemeClr val="accent4"/>
+          </a:effectRef>
+          <a:fontRef idx="minor">
+            <a:schemeClr val="lt1"/>
+          </a:fontRef>
+        </p:style>
+        <p:txBody>
+          <a:bodyPr rtlCol="0" anchor="ctr"/>
+          <a:p>
+            <a:pPr algn="ctr"/>
+            <a:r>
+              <a:rPr lang="en-US" altLang="en-US" sz="1200"/>
+              <a:t>/ inode</a:t>
+            </a:r>
+            <a:endParaRPr lang="en-US" altLang="en-US" sz="1200"/>
+          </a:p>
+        </p:txBody>
+      </p:sp>
+      <p:cxnSp>
+        <p:nvCxnSpPr>
+          <p:cNvPr id="13" name="Straight Connector 12"/>
+          <p:cNvCxnSpPr>
+            <a:stCxn id="12" idx="2"/>
+          </p:cNvCxnSpPr>
+          <p:nvPr/>
+        </p:nvCxnSpPr>
+        <p:spPr>
+          <a:xfrm>
+            <a:off x="1856105" y="4150360"/>
+            <a:ext cx="0" cy="2419350"/>
+          </a:xfrm>
+          <a:prstGeom prst="line">
+            <a:avLst/>
+          </a:prstGeom>
+          <a:ln w="19050">
+            <a:solidFill>
+              <a:srgbClr val="FF8D41"/>
+            </a:solidFill>
+          </a:ln>
+        </p:spPr>
+        <p:style>
+          <a:lnRef idx="1">
+            <a:schemeClr val="accent1"/>
+          </a:lnRef>
+          <a:fillRef idx="0">
+            <a:schemeClr val="accent1"/>
+          </a:fillRef>
+          <a:effectRef idx="0">
+            <a:schemeClr val="accent1"/>
+          </a:effectRef>
+          <a:fontRef idx="minor">
+            <a:schemeClr val="tx1"/>
+          </a:fontRef>
+        </p:style>
+      </p:cxnSp>
+      <p:sp>
+        <p:nvSpPr>
+          <p:cNvPr id="14" name="Rectangle 13"/>
+          <p:cNvSpPr/>
+          <p:nvPr/>
+        </p:nvSpPr>
+        <p:spPr>
+          <a:xfrm>
+            <a:off x="1856105" y="5114925"/>
+            <a:ext cx="1188720" cy="307975"/>
+          </a:xfrm>
+          <a:prstGeom prst="rect">
+            <a:avLst/>
+          </a:prstGeom>
+        </p:spPr>
+        <p:style>
+          <a:lnRef idx="2">
+            <a:schemeClr val="accent4">
+              <a:shade val="50000"/>
+            </a:schemeClr>
+          </a:lnRef>
+          <a:fillRef idx="1">
+            <a:schemeClr val="accent4"/>
+          </a:fillRef>
+          <a:effectRef idx="0">
+            <a:schemeClr val="accent4"/>
+          </a:effectRef>
+          <a:fontRef idx="minor">
+            <a:schemeClr val="lt1"/>
+          </a:fontRef>
+        </p:style>
+        <p:txBody>
+          <a:bodyPr rtlCol="0" anchor="ctr"/>
+          <a:p>
+            <a:pPr algn="ctr"/>
+            <a:r>
+              <a:rPr lang="en-US" altLang="en-US" sz="1400"/>
+              <a:t>home目录</a:t>
+            </a:r>
+            <a:endParaRPr lang="en-US" altLang="en-US" sz="1400"/>
+          </a:p>
+        </p:txBody>
+      </p:sp>
+      <p:sp>
+        <p:nvSpPr>
+          <p:cNvPr id="15" name="Rectangle 14"/>
+          <p:cNvSpPr/>
+          <p:nvPr/>
+        </p:nvSpPr>
+        <p:spPr>
+          <a:xfrm>
+            <a:off x="3397250" y="3842385"/>
+            <a:ext cx="1188720" cy="307975"/>
+          </a:xfrm>
+          <a:prstGeom prst="rect">
+            <a:avLst/>
+          </a:prstGeom>
+        </p:spPr>
+        <p:style>
+          <a:lnRef idx="2">
+            <a:schemeClr val="accent4">
+              <a:shade val="50000"/>
+            </a:schemeClr>
+          </a:lnRef>
+          <a:fillRef idx="1">
+            <a:schemeClr val="accent4"/>
+          </a:fillRef>
+          <a:effectRef idx="0">
+            <a:schemeClr val="accent4"/>
+          </a:effectRef>
+          <a:fontRef idx="minor">
+            <a:schemeClr val="lt1"/>
+          </a:fontRef>
+        </p:style>
+        <p:txBody>
+          <a:bodyPr rtlCol="0" anchor="ctr"/>
+          <a:p>
+            <a:pPr algn="ctr"/>
+            <a:r>
+              <a:rPr lang="en-US" altLang="en-US" sz="1200"/>
+              <a:t>home inode</a:t>
+            </a:r>
+            <a:endParaRPr lang="en-US" altLang="en-US" sz="1200"/>
+          </a:p>
+        </p:txBody>
+      </p:sp>
+      <p:cxnSp>
+        <p:nvCxnSpPr>
+          <p:cNvPr id="16" name="Straight Connector 15"/>
+          <p:cNvCxnSpPr/>
+          <p:nvPr/>
+        </p:nvCxnSpPr>
+        <p:spPr>
+          <a:xfrm>
+            <a:off x="4013200" y="4150360"/>
+            <a:ext cx="0" cy="2419350"/>
+          </a:xfrm>
+          <a:prstGeom prst="line">
+            <a:avLst/>
+          </a:prstGeom>
+          <a:ln w="19050">
+            <a:solidFill>
+              <a:srgbClr val="FF8D41"/>
+            </a:solidFill>
+          </a:ln>
+        </p:spPr>
+        <p:style>
+          <a:lnRef idx="1">
+            <a:schemeClr val="accent1"/>
+          </a:lnRef>
+          <a:fillRef idx="0">
+            <a:schemeClr val="accent1"/>
+          </a:fillRef>
+          <a:effectRef idx="0">
+            <a:schemeClr val="accent1"/>
+          </a:effectRef>
+          <a:fontRef idx="minor">
+            <a:schemeClr val="tx1"/>
+          </a:fontRef>
+        </p:style>
+      </p:cxnSp>
       <p:sp>
         <p:nvSpPr>
           <p:cNvPr id="17" name="Rectangle 16"/>
@@ -8222,8 +11742,8 @@
         </p:nvSpPr>
         <p:spPr>
           <a:xfrm>
-            <a:off x="1229995" y="1450975"/>
-            <a:ext cx="8520430" cy="557530"/>
+            <a:off x="4013200" y="5114925"/>
+            <a:ext cx="1188720" cy="307975"/>
           </a:xfrm>
           <a:prstGeom prst="rect">
             <a:avLst/>
@@ -8231,15 +11751,15 @@
         </p:spPr>
         <p:style>
           <a:lnRef idx="2">
-            <a:schemeClr val="accent1">
+            <a:schemeClr val="accent4">
               <a:shade val="50000"/>
             </a:schemeClr>
           </a:lnRef>
           <a:fillRef idx="1">
-            <a:schemeClr val="accent1"/>
-          </a:fillRef>
-          <a:effectRef idx="0">
-            <a:schemeClr val="accent1"/>
+            <a:schemeClr val="accent4"/>
+          </a:fillRef>
+          <a:effectRef idx="0">
+            <a:schemeClr val="accent4"/>
           </a:effectRef>
           <a:fontRef idx="minor">
             <a:schemeClr val="lt1"/>
@@ -8248,25 +11768,25 @@
         <p:txBody>
           <a:bodyPr rtlCol="0" anchor="ctr"/>
           <a:p>
-            <a:pPr algn="l"/>
-            <a:r>
-              <a:rPr lang="en-US" altLang="en-US"/>
-              <a:t>1、字符设备</a:t>
-            </a:r>
-            <a:endParaRPr lang="en-US" altLang="en-US"/>
-          </a:p>
-        </p:txBody>
-      </p:sp>
-      <p:sp>
-        <p:nvSpPr>
-          <p:cNvPr id="18" name="Rectangle 17"/>
+            <a:pPr algn="ctr"/>
+            <a:r>
+              <a:rPr lang="en-US" altLang="en-US" sz="1400"/>
+              <a:t>abig目录</a:t>
+            </a:r>
+            <a:endParaRPr lang="en-US" altLang="en-US" sz="1400"/>
+          </a:p>
+        </p:txBody>
+      </p:sp>
+      <p:sp>
+        <p:nvSpPr>
+          <p:cNvPr id="34" name="Rectangle 33"/>
           <p:cNvSpPr/>
           <p:nvPr/>
         </p:nvSpPr>
         <p:spPr>
           <a:xfrm>
-            <a:off x="1229995" y="2167255"/>
-            <a:ext cx="8520430" cy="557530"/>
+            <a:off x="5664200" y="3842385"/>
+            <a:ext cx="1188720" cy="307975"/>
           </a:xfrm>
           <a:prstGeom prst="rect">
             <a:avLst/>
@@ -8274,15 +11794,15 @@
         </p:spPr>
         <p:style>
           <a:lnRef idx="2">
-            <a:schemeClr val="accent1">
+            <a:schemeClr val="accent4">
               <a:shade val="50000"/>
             </a:schemeClr>
           </a:lnRef>
           <a:fillRef idx="1">
-            <a:schemeClr val="accent1"/>
-          </a:fillRef>
-          <a:effectRef idx="0">
-            <a:schemeClr val="accent1"/>
+            <a:schemeClr val="accent4"/>
+          </a:fillRef>
+          <a:effectRef idx="0">
+            <a:schemeClr val="accent4"/>
           </a:effectRef>
           <a:fontRef idx="minor">
             <a:schemeClr val="lt1"/>
@@ -8291,15 +11811,335 @@
         <p:txBody>
           <a:bodyPr rtlCol="0" anchor="ctr"/>
           <a:p>
-            <a:pPr algn="l"/>
-            <a:r>
-              <a:rPr lang="en-US" altLang="en-US"/>
-              <a:t>2、块设备</a:t>
-            </a:r>
-            <a:endParaRPr lang="en-US" altLang="en-US"/>
-          </a:p>
-        </p:txBody>
-      </p:sp>
+            <a:pPr algn="ctr"/>
+            <a:r>
+              <a:rPr lang="en-US" altLang="en-US" sz="1200"/>
+              <a:t>abig inode</a:t>
+            </a:r>
+            <a:endParaRPr lang="en-US" altLang="en-US" sz="1200"/>
+          </a:p>
+        </p:txBody>
+      </p:sp>
+      <p:cxnSp>
+        <p:nvCxnSpPr>
+          <p:cNvPr id="35" name="Straight Connector 34"/>
+          <p:cNvCxnSpPr/>
+          <p:nvPr/>
+        </p:nvCxnSpPr>
+        <p:spPr>
+          <a:xfrm>
+            <a:off x="6280150" y="4150360"/>
+            <a:ext cx="0" cy="2419350"/>
+          </a:xfrm>
+          <a:prstGeom prst="line">
+            <a:avLst/>
+          </a:prstGeom>
+          <a:ln w="19050">
+            <a:solidFill>
+              <a:srgbClr val="FF8D41"/>
+            </a:solidFill>
+          </a:ln>
+        </p:spPr>
+        <p:style>
+          <a:lnRef idx="1">
+            <a:schemeClr val="accent1"/>
+          </a:lnRef>
+          <a:fillRef idx="0">
+            <a:schemeClr val="accent1"/>
+          </a:fillRef>
+          <a:effectRef idx="0">
+            <a:schemeClr val="accent1"/>
+          </a:effectRef>
+          <a:fontRef idx="minor">
+            <a:schemeClr val="tx1"/>
+          </a:fontRef>
+        </p:style>
+      </p:cxnSp>
+      <p:sp>
+        <p:nvSpPr>
+          <p:cNvPr id="36" name="Rectangle 35"/>
+          <p:cNvSpPr/>
+          <p:nvPr/>
+        </p:nvSpPr>
+        <p:spPr>
+          <a:xfrm>
+            <a:off x="6280150" y="5114925"/>
+            <a:ext cx="1188720" cy="307975"/>
+          </a:xfrm>
+          <a:prstGeom prst="rect">
+            <a:avLst/>
+          </a:prstGeom>
+        </p:spPr>
+        <p:style>
+          <a:lnRef idx="2">
+            <a:schemeClr val="accent4">
+              <a:shade val="50000"/>
+            </a:schemeClr>
+          </a:lnRef>
+          <a:fillRef idx="1">
+            <a:schemeClr val="accent4"/>
+          </a:fillRef>
+          <a:effectRef idx="0">
+            <a:schemeClr val="accent4"/>
+          </a:effectRef>
+          <a:fontRef idx="minor">
+            <a:schemeClr val="lt1"/>
+          </a:fontRef>
+        </p:style>
+        <p:txBody>
+          <a:bodyPr rtlCol="0" anchor="ctr"/>
+          <a:p>
+            <a:pPr algn="ctr"/>
+            <a:r>
+              <a:rPr lang="en-US" altLang="en-US" sz="1400"/>
+              <a:t>test目录</a:t>
+            </a:r>
+            <a:endParaRPr lang="en-US" altLang="en-US" sz="1400"/>
+          </a:p>
+        </p:txBody>
+      </p:sp>
+      <p:sp>
+        <p:nvSpPr>
+          <p:cNvPr id="37" name="Rectangle 36"/>
+          <p:cNvSpPr/>
+          <p:nvPr/>
+        </p:nvSpPr>
+        <p:spPr>
+          <a:xfrm>
+            <a:off x="8104505" y="3842385"/>
+            <a:ext cx="1188720" cy="307975"/>
+          </a:xfrm>
+          <a:prstGeom prst="rect">
+            <a:avLst/>
+          </a:prstGeom>
+        </p:spPr>
+        <p:style>
+          <a:lnRef idx="2">
+            <a:schemeClr val="accent4">
+              <a:shade val="50000"/>
+            </a:schemeClr>
+          </a:lnRef>
+          <a:fillRef idx="1">
+            <a:schemeClr val="accent4"/>
+          </a:fillRef>
+          <a:effectRef idx="0">
+            <a:schemeClr val="accent4"/>
+          </a:effectRef>
+          <a:fontRef idx="minor">
+            <a:schemeClr val="lt1"/>
+          </a:fontRef>
+        </p:style>
+        <p:txBody>
+          <a:bodyPr rtlCol="0" anchor="ctr"/>
+          <a:p>
+            <a:pPr algn="ctr"/>
+            <a:r>
+              <a:rPr lang="en-US" altLang="en-US" sz="1200"/>
+              <a:t>hello inode</a:t>
+            </a:r>
+            <a:endParaRPr lang="en-US" altLang="en-US" sz="1200"/>
+          </a:p>
+        </p:txBody>
+      </p:sp>
+      <p:cxnSp>
+        <p:nvCxnSpPr>
+          <p:cNvPr id="38" name="Straight Connector 37"/>
+          <p:cNvCxnSpPr/>
+          <p:nvPr/>
+        </p:nvCxnSpPr>
+        <p:spPr>
+          <a:xfrm>
+            <a:off x="8720455" y="4150360"/>
+            <a:ext cx="0" cy="2419350"/>
+          </a:xfrm>
+          <a:prstGeom prst="line">
+            <a:avLst/>
+          </a:prstGeom>
+          <a:ln w="19050">
+            <a:solidFill>
+              <a:srgbClr val="FF8D41"/>
+            </a:solidFill>
+          </a:ln>
+        </p:spPr>
+        <p:style>
+          <a:lnRef idx="1">
+            <a:schemeClr val="accent1"/>
+          </a:lnRef>
+          <a:fillRef idx="0">
+            <a:schemeClr val="accent1"/>
+          </a:fillRef>
+          <a:effectRef idx="0">
+            <a:schemeClr val="accent1"/>
+          </a:effectRef>
+          <a:fontRef idx="minor">
+            <a:schemeClr val="tx1"/>
+          </a:fontRef>
+        </p:style>
+      </p:cxnSp>
+      <p:sp>
+        <p:nvSpPr>
+          <p:cNvPr id="39" name="Rectangle 38"/>
+          <p:cNvSpPr/>
+          <p:nvPr/>
+        </p:nvSpPr>
+        <p:spPr>
+          <a:xfrm>
+            <a:off x="8720455" y="4478655"/>
+            <a:ext cx="1188720" cy="1898650"/>
+          </a:xfrm>
+          <a:prstGeom prst="rect">
+            <a:avLst/>
+          </a:prstGeom>
+        </p:spPr>
+        <p:style>
+          <a:lnRef idx="1">
+            <a:schemeClr val="accent6"/>
+          </a:lnRef>
+          <a:fillRef idx="2">
+            <a:schemeClr val="accent6"/>
+          </a:fillRef>
+          <a:effectRef idx="1">
+            <a:schemeClr val="accent6"/>
+          </a:effectRef>
+          <a:fontRef idx="minor">
+            <a:schemeClr val="dk1"/>
+          </a:fontRef>
+        </p:style>
+        <p:txBody>
+          <a:bodyPr rtlCol="0" anchor="ctr"/>
+          <a:p>
+            <a:pPr algn="ctr"/>
+            <a:r>
+              <a:rPr lang="en-US" altLang="en-US" sz="1400"/>
+              <a:t>hello内容</a:t>
+            </a:r>
+            <a:endParaRPr lang="en-US" altLang="en-US" sz="1400"/>
+          </a:p>
+        </p:txBody>
+      </p:sp>
+      <p:cxnSp>
+        <p:nvCxnSpPr>
+          <p:cNvPr id="40" name="Elbow Connector 39"/>
+          <p:cNvCxnSpPr>
+            <a:stCxn id="14" idx="3"/>
+            <a:endCxn id="15" idx="1"/>
+          </p:cNvCxnSpPr>
+          <p:nvPr/>
+        </p:nvCxnSpPr>
+        <p:spPr>
+          <a:xfrm flipV="1">
+            <a:off x="3054985" y="3996690"/>
+            <a:ext cx="352425" cy="1272540"/>
+          </a:xfrm>
+          <a:prstGeom prst="bentConnector3">
+            <a:avLst>
+              <a:gd name="adj1" fmla="val 50090"/>
+            </a:avLst>
+          </a:prstGeom>
+          <a:ln w="25400">
+            <a:solidFill>
+              <a:srgbClr val="FF8D41"/>
+            </a:solidFill>
+            <a:tailEnd type="arrow"/>
+          </a:ln>
+        </p:spPr>
+        <p:style>
+          <a:lnRef idx="1">
+            <a:schemeClr val="accent1"/>
+          </a:lnRef>
+          <a:fillRef idx="0">
+            <a:schemeClr val="accent1"/>
+          </a:fillRef>
+          <a:effectRef idx="0">
+            <a:schemeClr val="accent1"/>
+          </a:effectRef>
+          <a:fontRef idx="minor">
+            <a:schemeClr val="tx1"/>
+          </a:fontRef>
+        </p:style>
+      </p:cxnSp>
+      <p:cxnSp>
+        <p:nvCxnSpPr>
+          <p:cNvPr id="41" name="Elbow Connector 40"/>
+          <p:cNvCxnSpPr>
+            <a:stCxn id="17" idx="3"/>
+            <a:endCxn id="34" idx="1"/>
+          </p:cNvCxnSpPr>
+          <p:nvPr/>
+        </p:nvCxnSpPr>
+        <p:spPr>
+          <a:xfrm flipV="1">
+            <a:off x="5212080" y="3996690"/>
+            <a:ext cx="462280" cy="1272540"/>
+          </a:xfrm>
+          <a:prstGeom prst="bentConnector3">
+            <a:avLst>
+              <a:gd name="adj1" fmla="val 50000"/>
+            </a:avLst>
+          </a:prstGeom>
+          <a:ln w="25400">
+            <a:solidFill>
+              <a:srgbClr val="FF8D41"/>
+            </a:solidFill>
+            <a:tailEnd type="arrow"/>
+          </a:ln>
+        </p:spPr>
+        <p:style>
+          <a:lnRef idx="1">
+            <a:schemeClr val="accent1"/>
+          </a:lnRef>
+          <a:fillRef idx="0">
+            <a:schemeClr val="accent1"/>
+          </a:fillRef>
+          <a:effectRef idx="0">
+            <a:schemeClr val="accent1"/>
+          </a:effectRef>
+          <a:fontRef idx="minor">
+            <a:schemeClr val="tx1"/>
+          </a:fontRef>
+        </p:style>
+      </p:cxnSp>
+      <p:cxnSp>
+        <p:nvCxnSpPr>
+          <p:cNvPr id="42" name="Elbow Connector 41"/>
+          <p:cNvCxnSpPr>
+            <a:stCxn id="36" idx="3"/>
+            <a:endCxn id="37" idx="1"/>
+          </p:cNvCxnSpPr>
+          <p:nvPr/>
+        </p:nvCxnSpPr>
+        <p:spPr>
+          <a:xfrm flipV="1">
+            <a:off x="7479030" y="3996690"/>
+            <a:ext cx="635635" cy="1272540"/>
+          </a:xfrm>
+          <a:prstGeom prst="bentConnector3">
+            <a:avLst>
+              <a:gd name="adj1" fmla="val 50050"/>
+            </a:avLst>
+          </a:prstGeom>
+          <a:ln w="25400">
+            <a:solidFill>
+              <a:srgbClr val="FF8D41"/>
+            </a:solidFill>
+            <a:tailEnd type="arrow"/>
+          </a:ln>
+        </p:spPr>
+        <p:style>
+          <a:lnRef idx="1">
+            <a:schemeClr val="accent1"/>
+          </a:lnRef>
+          <a:fillRef idx="0">
+            <a:schemeClr val="accent1"/>
+          </a:fillRef>
+          <a:effectRef idx="0">
+            <a:schemeClr val="accent1"/>
+          </a:effectRef>
+          <a:fontRef idx="minor">
+            <a:schemeClr val="tx1"/>
+          </a:fontRef>
+        </p:style>
+      </p:cxnSp>
     </p:spTree>
   </p:cSld>
   <p:clrMapOvr>
@@ -8308,7 +12148,7 @@
 </p:sld>
 </file>
 
-<file path=ppt/slides/slide15.xml><?xml version="1.0" encoding="utf-8"?>
+<file path=ppt/slides/slide18.xml><?xml version="1.0" encoding="utf-8"?>
 <p:sld xmlns:a="http://schemas.openxmlformats.org/drawingml/2006/main" xmlns:r="http://schemas.openxmlformats.org/officeDocument/2006/relationships" xmlns:p="http://schemas.openxmlformats.org/presentationml/2006/main">
   <p:cSld>
     <p:spTree>
@@ -8341,8 +12181,20 @@
           <a:p>
             <a:pPr algn="l"/>
             <a:r>
+              <a:rPr lang="" altLang="en-US" sz="2800"/>
+              <a:t>3.3 </a:t>
+            </a:r>
+            <a:r>
               <a:rPr lang="en-US" altLang="en-US" sz="2800"/>
-              <a:t>五、Linux网络通信</a:t>
+              <a:t>Linux</a:t>
+            </a:r>
+            <a:r>
+              <a:rPr lang="" altLang="en-US" sz="2800"/>
+              <a:t>字符设备</a:t>
+            </a:r>
+            <a:r>
+              <a:rPr lang="en-US" altLang="en-US" sz="2800"/>
+              <a:t>----字符设备</a:t>
             </a:r>
             <a:endParaRPr lang="en-US" altLang="en-US" sz="2800"/>
           </a:p>
@@ -8350,14 +12202,14 @@
       </p:sp>
       <p:sp>
         <p:nvSpPr>
-          <p:cNvPr id="17" name="Rectangle 16"/>
+          <p:cNvPr id="4" name="Rectangle 3"/>
           <p:cNvSpPr/>
           <p:nvPr/>
         </p:nvSpPr>
         <p:spPr>
           <a:xfrm>
-            <a:off x="1229995" y="1450975"/>
-            <a:ext cx="8520430" cy="557530"/>
+            <a:off x="2752090" y="1393190"/>
+            <a:ext cx="1995170" cy="955040"/>
           </a:xfrm>
           <a:prstGeom prst="rect">
             <a:avLst/>
@@ -8382,10 +12234,10 @@
         <p:txBody>
           <a:bodyPr rtlCol="0" anchor="ctr"/>
           <a:p>
-            <a:pPr algn="l"/>
+            <a:pPr algn="ctr"/>
             <a:r>
               <a:rPr lang="en-US" altLang="en-US"/>
-              <a:t>1、进程创建</a:t>
+              <a:t>CPU</a:t>
             </a:r>
             <a:endParaRPr lang="en-US" altLang="en-US"/>
           </a:p>
@@ -8393,14 +12245,14 @@
       </p:sp>
       <p:sp>
         <p:nvSpPr>
-          <p:cNvPr id="18" name="Rectangle 17"/>
+          <p:cNvPr id="6" name="Rectangle 5"/>
           <p:cNvSpPr/>
           <p:nvPr/>
         </p:nvSpPr>
         <p:spPr>
           <a:xfrm>
-            <a:off x="1229995" y="2167255"/>
-            <a:ext cx="8520430" cy="557530"/>
+            <a:off x="6835775" y="1393190"/>
+            <a:ext cx="1995170" cy="955040"/>
           </a:xfrm>
           <a:prstGeom prst="rect">
             <a:avLst/>
@@ -8425,29 +12277,114 @@
         <p:txBody>
           <a:bodyPr rtlCol="0" anchor="ctr"/>
           <a:p>
-            <a:pPr algn="l"/>
+            <a:pPr algn="ctr"/>
             <a:r>
               <a:rPr lang="en-US" altLang="en-US"/>
-              <a:t>2、进程调度</a:t>
+              <a:t>键盘</a:t>
             </a:r>
             <a:endParaRPr lang="en-US" altLang="en-US"/>
           </a:p>
-        </p:txBody>
-      </p:sp>
-      <p:sp>
-        <p:nvSpPr>
-          <p:cNvPr id="19" name="Rectangle 18"/>
+          <a:p>
+            <a:pPr algn="ctr"/>
+            <a:r>
+              <a:rPr lang="en-US" altLang="en-US"/>
+              <a:t>鼠标</a:t>
+            </a:r>
+            <a:endParaRPr lang="en-US" altLang="en-US"/>
+          </a:p>
+        </p:txBody>
+      </p:sp>
+      <p:cxnSp>
+        <p:nvCxnSpPr>
+          <p:cNvPr id="7" name="Straight Connector 6"/>
+          <p:cNvCxnSpPr>
+            <a:stCxn id="4" idx="3"/>
+            <a:endCxn id="6" idx="1"/>
+          </p:cNvCxnSpPr>
+          <p:nvPr/>
+        </p:nvCxnSpPr>
+        <p:spPr>
+          <a:xfrm>
+            <a:off x="4757420" y="1870710"/>
+            <a:ext cx="2088515" cy="0"/>
+          </a:xfrm>
+          <a:prstGeom prst="line">
+            <a:avLst/>
+          </a:prstGeom>
+          <a:ln w="28575">
+            <a:solidFill>
+              <a:schemeClr val="accent1">
+                <a:alpha val="99000"/>
+              </a:schemeClr>
+            </a:solidFill>
+            <a:headEnd type="triangle"/>
+            <a:tailEnd type="triangle"/>
+          </a:ln>
+        </p:spPr>
+        <p:style>
+          <a:lnRef idx="1">
+            <a:schemeClr val="accent1"/>
+          </a:lnRef>
+          <a:fillRef idx="0">
+            <a:schemeClr val="accent1"/>
+          </a:fillRef>
+          <a:effectRef idx="0">
+            <a:schemeClr val="accent1"/>
+          </a:effectRef>
+          <a:fontRef idx="minor">
+            <a:schemeClr val="tx1"/>
+          </a:fontRef>
+        </p:style>
+      </p:cxnSp>
+      <p:sp>
+        <p:nvSpPr>
+          <p:cNvPr id="8" name="Text Box 7"/>
+          <p:cNvSpPr txBox="1"/>
+          <p:nvPr/>
+        </p:nvSpPr>
+        <p:spPr>
+          <a:xfrm>
+            <a:off x="5145405" y="1502410"/>
+            <a:ext cx="1452880" cy="368300"/>
+          </a:xfrm>
+          <a:prstGeom prst="rect">
+            <a:avLst/>
+          </a:prstGeom>
+          <a:noFill/>
+        </p:spPr>
+        <p:txBody>
+          <a:bodyPr wrap="square" rtlCol="0">
+            <a:spAutoFit/>
+          </a:bodyPr>
+          <a:p>
+            <a:r>
+              <a:rPr lang="en-US" altLang="en-US"/>
+              <a:t>io/pci/usb</a:t>
+            </a:r>
+            <a:endParaRPr lang="en-US" altLang="en-US"/>
+          </a:p>
+        </p:txBody>
+      </p:sp>
+      <p:sp>
+        <p:nvSpPr>
+          <p:cNvPr id="9" name="Rectangle 8"/>
           <p:cNvSpPr/>
           <p:nvPr/>
         </p:nvSpPr>
         <p:spPr>
           <a:xfrm>
-            <a:off x="1229995" y="2872105"/>
-            <a:ext cx="8520430" cy="557530"/>
-          </a:xfrm>
-          <a:prstGeom prst="rect">
-            <a:avLst/>
-          </a:prstGeom>
+            <a:off x="1705610" y="2771775"/>
+            <a:ext cx="5146675" cy="572770"/>
+          </a:xfrm>
+          <a:prstGeom prst="rect">
+            <a:avLst/>
+          </a:prstGeom>
+          <a:solidFill>
+            <a:schemeClr val="accent6">
+              <a:lumMod val="60000"/>
+              <a:lumOff val="40000"/>
+            </a:schemeClr>
+          </a:solidFill>
         </p:spPr>
         <p:style>
           <a:lnRef idx="2">
@@ -8468,10 +12405,10 @@
         <p:txBody>
           <a:bodyPr rtlCol="0" anchor="ctr"/>
           <a:p>
-            <a:pPr algn="l"/>
+            <a:pPr algn="ctr"/>
             <a:r>
               <a:rPr lang="en-US" altLang="en-US"/>
-              <a:t>3、进程地址空间管理</a:t>
+              <a:t>User</a:t>
             </a:r>
             <a:endParaRPr lang="en-US" altLang="en-US"/>
           </a:p>
@@ -8479,14 +12416,14 @@
       </p:sp>
       <p:sp>
         <p:nvSpPr>
-          <p:cNvPr id="20" name="Rectangle 19"/>
+          <p:cNvPr id="10" name="Rectangle 9"/>
           <p:cNvSpPr/>
           <p:nvPr/>
         </p:nvSpPr>
         <p:spPr>
           <a:xfrm>
-            <a:off x="1229995" y="3577590"/>
-            <a:ext cx="8520430" cy="557530"/>
+            <a:off x="1705610" y="3853815"/>
+            <a:ext cx="5146675" cy="572770"/>
           </a:xfrm>
           <a:prstGeom prst="rect">
             <a:avLst/>
@@ -8511,25 +12448,214 @@
         <p:txBody>
           <a:bodyPr rtlCol="0" anchor="ctr"/>
           <a:p>
-            <a:pPr algn="l"/>
+            <a:pPr algn="ctr"/>
             <a:r>
               <a:rPr lang="en-US" altLang="en-US"/>
-              <a:t>4、进程间通信</a:t>
+              <a:t>/dev/xxx</a:t>
             </a:r>
             <a:endParaRPr lang="en-US" altLang="en-US"/>
           </a:p>
         </p:txBody>
       </p:sp>
-      <p:sp>
-        <p:nvSpPr>
-          <p:cNvPr id="21" name="Rectangle 20"/>
+      <p:cxnSp>
+        <p:nvCxnSpPr>
+          <p:cNvPr id="11" name="Straight Connector 10"/>
+          <p:cNvCxnSpPr/>
+          <p:nvPr/>
+        </p:nvCxnSpPr>
+        <p:spPr>
+          <a:xfrm>
+            <a:off x="2571750" y="3364865"/>
+            <a:ext cx="10160" cy="488315"/>
+          </a:xfrm>
+          <a:prstGeom prst="line">
+            <a:avLst/>
+          </a:prstGeom>
+          <a:ln w="25400">
+            <a:headEnd type="triangle"/>
+            <a:tailEnd type="triangle"/>
+          </a:ln>
+        </p:spPr>
+        <p:style>
+          <a:lnRef idx="1">
+            <a:schemeClr val="accent1"/>
+          </a:lnRef>
+          <a:fillRef idx="0">
+            <a:schemeClr val="accent1"/>
+          </a:fillRef>
+          <a:effectRef idx="0">
+            <a:schemeClr val="accent1"/>
+          </a:effectRef>
+          <a:fontRef idx="minor">
+            <a:schemeClr val="tx1"/>
+          </a:fontRef>
+        </p:style>
+      </p:cxnSp>
+      <p:cxnSp>
+        <p:nvCxnSpPr>
+          <p:cNvPr id="12" name="Straight Connector 11"/>
+          <p:cNvCxnSpPr/>
+          <p:nvPr/>
+        </p:nvCxnSpPr>
+        <p:spPr>
+          <a:xfrm>
+            <a:off x="4313555" y="3344545"/>
+            <a:ext cx="10160" cy="488315"/>
+          </a:xfrm>
+          <a:prstGeom prst="line">
+            <a:avLst/>
+          </a:prstGeom>
+          <a:ln w="25400">
+            <a:headEnd type="triangle"/>
+            <a:tailEnd type="triangle"/>
+          </a:ln>
+        </p:spPr>
+        <p:style>
+          <a:lnRef idx="1">
+            <a:schemeClr val="accent1"/>
+          </a:lnRef>
+          <a:fillRef idx="0">
+            <a:schemeClr val="accent1"/>
+          </a:fillRef>
+          <a:effectRef idx="0">
+            <a:schemeClr val="accent1"/>
+          </a:effectRef>
+          <a:fontRef idx="minor">
+            <a:schemeClr val="tx1"/>
+          </a:fontRef>
+        </p:style>
+      </p:cxnSp>
+      <p:cxnSp>
+        <p:nvCxnSpPr>
+          <p:cNvPr id="13" name="Straight Connector 12"/>
+          <p:cNvCxnSpPr/>
+          <p:nvPr/>
+        </p:nvCxnSpPr>
+        <p:spPr>
+          <a:xfrm>
+            <a:off x="6233795" y="3344545"/>
+            <a:ext cx="10160" cy="488315"/>
+          </a:xfrm>
+          <a:prstGeom prst="line">
+            <a:avLst/>
+          </a:prstGeom>
+          <a:ln w="25400">
+            <a:headEnd type="triangle"/>
+            <a:tailEnd type="triangle"/>
+          </a:ln>
+        </p:spPr>
+        <p:style>
+          <a:lnRef idx="1">
+            <a:schemeClr val="accent1"/>
+          </a:lnRef>
+          <a:fillRef idx="0">
+            <a:schemeClr val="accent1"/>
+          </a:fillRef>
+          <a:effectRef idx="0">
+            <a:schemeClr val="accent1"/>
+          </a:effectRef>
+          <a:fontRef idx="minor">
+            <a:schemeClr val="tx1"/>
+          </a:fontRef>
+        </p:style>
+      </p:cxnSp>
+      <p:sp>
+        <p:nvSpPr>
+          <p:cNvPr id="14" name="Text Box 13"/>
+          <p:cNvSpPr txBox="1"/>
+          <p:nvPr/>
+        </p:nvSpPr>
+        <p:spPr>
+          <a:xfrm>
+            <a:off x="1870710" y="3404870"/>
+            <a:ext cx="784225" cy="368300"/>
+          </a:xfrm>
+          <a:prstGeom prst="rect">
+            <a:avLst/>
+          </a:prstGeom>
+          <a:noFill/>
+        </p:spPr>
+        <p:txBody>
+          <a:bodyPr wrap="square" rtlCol="0">
+            <a:spAutoFit/>
+          </a:bodyPr>
+          <a:p>
+            <a:r>
+              <a:rPr lang="en-US" altLang="en-US"/>
+              <a:t>read</a:t>
+            </a:r>
+            <a:endParaRPr lang="en-US" altLang="en-US"/>
+          </a:p>
+        </p:txBody>
+      </p:sp>
+      <p:sp>
+        <p:nvSpPr>
+          <p:cNvPr id="15" name="Text Box 14"/>
+          <p:cNvSpPr txBox="1"/>
+          <p:nvPr/>
+        </p:nvSpPr>
+        <p:spPr>
+          <a:xfrm>
+            <a:off x="3609340" y="3413760"/>
+            <a:ext cx="784225" cy="368300"/>
+          </a:xfrm>
+          <a:prstGeom prst="rect">
+            <a:avLst/>
+          </a:prstGeom>
+          <a:noFill/>
+        </p:spPr>
+        <p:txBody>
+          <a:bodyPr wrap="square" rtlCol="0">
+            <a:spAutoFit/>
+          </a:bodyPr>
+          <a:p>
+            <a:r>
+              <a:rPr lang="en-US" altLang="en-US"/>
+              <a:t>ioctl</a:t>
+            </a:r>
+            <a:endParaRPr lang="en-US" altLang="en-US"/>
+          </a:p>
+        </p:txBody>
+      </p:sp>
+      <p:sp>
+        <p:nvSpPr>
+          <p:cNvPr id="16" name="Text Box 15"/>
+          <p:cNvSpPr txBox="1"/>
+          <p:nvPr/>
+        </p:nvSpPr>
+        <p:spPr>
+          <a:xfrm>
+            <a:off x="5541645" y="3404235"/>
+            <a:ext cx="784225" cy="368300"/>
+          </a:xfrm>
+          <a:prstGeom prst="rect">
+            <a:avLst/>
+          </a:prstGeom>
+          <a:noFill/>
+        </p:spPr>
+        <p:txBody>
+          <a:bodyPr wrap="square" rtlCol="0">
+            <a:spAutoFit/>
+          </a:bodyPr>
+          <a:p>
+            <a:r>
+              <a:rPr lang="en-US" altLang="en-US"/>
+              <a:t>write</a:t>
+            </a:r>
+            <a:endParaRPr lang="en-US" altLang="en-US"/>
+          </a:p>
+        </p:txBody>
+      </p:sp>
+      <p:sp>
+        <p:nvSpPr>
+          <p:cNvPr id="19" name="Rectangle 18"/>
           <p:cNvSpPr/>
           <p:nvPr/>
         </p:nvSpPr>
         <p:spPr>
           <a:xfrm>
-            <a:off x="1229995" y="4304030"/>
-            <a:ext cx="8520430" cy="557530"/>
+            <a:off x="1705610" y="4754880"/>
+            <a:ext cx="5146675" cy="572770"/>
           </a:xfrm>
           <a:prstGeom prst="rect">
             <a:avLst/>
@@ -8554,15 +12680,427 @@
         <p:txBody>
           <a:bodyPr rtlCol="0" anchor="ctr"/>
           <a:p>
+            <a:pPr algn="ctr"/>
+            <a:r>
+              <a:rPr lang="en-US" altLang="en-US"/>
+              <a:t>设备driver</a:t>
+            </a:r>
+            <a:endParaRPr lang="en-US" altLang="en-US"/>
+          </a:p>
+        </p:txBody>
+      </p:sp>
+      <p:sp>
+        <p:nvSpPr>
+          <p:cNvPr id="20" name="Rectangle 19"/>
+          <p:cNvSpPr/>
+          <p:nvPr/>
+        </p:nvSpPr>
+        <p:spPr>
+          <a:xfrm>
+            <a:off x="1705610" y="5666740"/>
+            <a:ext cx="5146675" cy="572770"/>
+          </a:xfrm>
+          <a:prstGeom prst="rect">
+            <a:avLst/>
+          </a:prstGeom>
+          <a:solidFill>
+            <a:schemeClr val="bg1">
+              <a:lumMod val="65000"/>
+            </a:schemeClr>
+          </a:solidFill>
+        </p:spPr>
+        <p:style>
+          <a:lnRef idx="2">
+            <a:schemeClr val="accent1">
+              <a:shade val="50000"/>
+            </a:schemeClr>
+          </a:lnRef>
+          <a:fillRef idx="1">
+            <a:schemeClr val="accent1"/>
+          </a:fillRef>
+          <a:effectRef idx="0">
+            <a:schemeClr val="accent1"/>
+          </a:effectRef>
+          <a:fontRef idx="minor">
+            <a:schemeClr val="lt1"/>
+          </a:fontRef>
+        </p:style>
+        <p:txBody>
+          <a:bodyPr rtlCol="0" anchor="ctr"/>
+          <a:p>
+            <a:pPr algn="ctr"/>
+            <a:r>
+              <a:rPr lang="en-US" altLang="en-US"/>
+              <a:t>设备硬件</a:t>
+            </a:r>
+            <a:endParaRPr lang="en-US" altLang="en-US"/>
+          </a:p>
+        </p:txBody>
+      </p:sp>
+      <p:cxnSp>
+        <p:nvCxnSpPr>
+          <p:cNvPr id="21" name="Straight Arrow Connector 20"/>
+          <p:cNvCxnSpPr>
+            <a:stCxn id="10" idx="2"/>
+            <a:endCxn id="19" idx="0"/>
+          </p:cNvCxnSpPr>
+          <p:nvPr/>
+        </p:nvCxnSpPr>
+        <p:spPr>
+          <a:xfrm>
+            <a:off x="4289425" y="4426585"/>
+            <a:ext cx="0" cy="328295"/>
+          </a:xfrm>
+          <a:prstGeom prst="straightConnector1">
+            <a:avLst/>
+          </a:prstGeom>
+          <a:ln w="25400">
+            <a:tailEnd type="arrow"/>
+          </a:ln>
+        </p:spPr>
+        <p:style>
+          <a:lnRef idx="1">
+            <a:schemeClr val="accent1"/>
+          </a:lnRef>
+          <a:fillRef idx="0">
+            <a:schemeClr val="accent1"/>
+          </a:fillRef>
+          <a:effectRef idx="0">
+            <a:schemeClr val="accent1"/>
+          </a:effectRef>
+          <a:fontRef idx="minor">
+            <a:schemeClr val="tx1"/>
+          </a:fontRef>
+        </p:style>
+      </p:cxnSp>
+      <p:cxnSp>
+        <p:nvCxnSpPr>
+          <p:cNvPr id="22" name="Straight Arrow Connector 21"/>
+          <p:cNvCxnSpPr>
+            <a:stCxn id="19" idx="2"/>
+            <a:endCxn id="20" idx="0"/>
+          </p:cNvCxnSpPr>
+          <p:nvPr/>
+        </p:nvCxnSpPr>
+        <p:spPr>
+          <a:xfrm>
+            <a:off x="4289425" y="5327650"/>
+            <a:ext cx="0" cy="339090"/>
+          </a:xfrm>
+          <a:prstGeom prst="straightConnector1">
+            <a:avLst/>
+          </a:prstGeom>
+          <a:ln w="25400">
+            <a:tailEnd type="arrow"/>
+          </a:ln>
+        </p:spPr>
+        <p:style>
+          <a:lnRef idx="1">
+            <a:schemeClr val="accent1"/>
+          </a:lnRef>
+          <a:fillRef idx="0">
+            <a:schemeClr val="accent1"/>
+          </a:fillRef>
+          <a:effectRef idx="0">
+            <a:schemeClr val="accent1"/>
+          </a:effectRef>
+          <a:fontRef idx="minor">
+            <a:schemeClr val="tx1"/>
+          </a:fontRef>
+        </p:style>
+      </p:cxnSp>
+      <p:cxnSp>
+        <p:nvCxnSpPr>
+          <p:cNvPr id="23" name="Straight Connector 22"/>
+          <p:cNvCxnSpPr/>
+          <p:nvPr/>
+        </p:nvCxnSpPr>
+        <p:spPr>
+          <a:xfrm flipV="1">
+            <a:off x="1141730" y="3714750"/>
+            <a:ext cx="6082665" cy="10795"/>
+          </a:xfrm>
+          <a:prstGeom prst="line">
+            <a:avLst/>
+          </a:prstGeom>
+          <a:ln w="22225">
+            <a:solidFill>
+              <a:srgbClr val="FF3300"/>
+            </a:solidFill>
+            <a:prstDash val="dash"/>
+          </a:ln>
+        </p:spPr>
+        <p:style>
+          <a:lnRef idx="1">
+            <a:schemeClr val="accent1"/>
+          </a:lnRef>
+          <a:fillRef idx="0">
+            <a:schemeClr val="accent1"/>
+          </a:fillRef>
+          <a:effectRef idx="0">
+            <a:schemeClr val="accent1"/>
+          </a:effectRef>
+          <a:fontRef idx="minor">
+            <a:schemeClr val="tx1"/>
+          </a:fontRef>
+        </p:style>
+      </p:cxnSp>
+      <p:sp>
+        <p:nvSpPr>
+          <p:cNvPr id="24" name="Text Box 23"/>
+          <p:cNvSpPr txBox="1"/>
+          <p:nvPr/>
+        </p:nvSpPr>
+        <p:spPr>
+          <a:xfrm>
+            <a:off x="753110" y="3244850"/>
+            <a:ext cx="932180" cy="368300"/>
+          </a:xfrm>
+          <a:prstGeom prst="rect">
+            <a:avLst/>
+          </a:prstGeom>
+          <a:noFill/>
+        </p:spPr>
+        <p:txBody>
+          <a:bodyPr wrap="square" rtlCol="0">
+            <a:spAutoFit/>
+          </a:bodyPr>
+          <a:p>
+            <a:r>
+              <a:rPr lang="en-US" altLang="en-US"/>
+              <a:t>用户态</a:t>
+            </a:r>
+            <a:endParaRPr lang="en-US" altLang="en-US"/>
+          </a:p>
+        </p:txBody>
+      </p:sp>
+      <p:sp>
+        <p:nvSpPr>
+          <p:cNvPr id="25" name="Text Box 24"/>
+          <p:cNvSpPr txBox="1"/>
+          <p:nvPr/>
+        </p:nvSpPr>
+        <p:spPr>
+          <a:xfrm>
+            <a:off x="753110" y="3853815"/>
+            <a:ext cx="932180" cy="368300"/>
+          </a:xfrm>
+          <a:prstGeom prst="rect">
+            <a:avLst/>
+          </a:prstGeom>
+          <a:noFill/>
+        </p:spPr>
+        <p:txBody>
+          <a:bodyPr wrap="square" rtlCol="0">
+            <a:spAutoFit/>
+          </a:bodyPr>
+          <a:p>
+            <a:r>
+              <a:rPr lang="en-US" altLang="en-US"/>
+              <a:t>内核态</a:t>
+            </a:r>
+            <a:endParaRPr lang="en-US" altLang="en-US"/>
+          </a:p>
+        </p:txBody>
+      </p:sp>
+      <p:sp>
+        <p:nvSpPr>
+          <p:cNvPr id="26" name="Rectangle 25"/>
+          <p:cNvSpPr/>
+          <p:nvPr/>
+        </p:nvSpPr>
+        <p:spPr>
+          <a:xfrm>
+            <a:off x="7787005" y="2924175"/>
+            <a:ext cx="3776980" cy="1397000"/>
+          </a:xfrm>
+          <a:prstGeom prst="rect">
+            <a:avLst/>
+          </a:prstGeom>
+        </p:spPr>
+        <p:style>
+          <a:lnRef idx="2">
+            <a:schemeClr val="accent4">
+              <a:shade val="50000"/>
+            </a:schemeClr>
+          </a:lnRef>
+          <a:fillRef idx="1">
+            <a:schemeClr val="accent4"/>
+          </a:fillRef>
+          <a:effectRef idx="0">
+            <a:schemeClr val="accent4"/>
+          </a:effectRef>
+          <a:fontRef idx="minor">
+            <a:schemeClr val="lt1"/>
+          </a:fontRef>
+        </p:style>
+        <p:txBody>
+          <a:bodyPr rtlCol="0" anchor="ctr"/>
+          <a:p>
             <a:pPr algn="l"/>
             <a:r>
               <a:rPr lang="en-US" altLang="en-US"/>
-              <a:t>5、进程销毁</a:t>
+              <a:t>module_init() 插入ko</a:t>
             </a:r>
             <a:endParaRPr lang="en-US" altLang="en-US"/>
           </a:p>
-        </p:txBody>
-      </p:sp>
+          <a:p>
+            <a:pPr algn="l"/>
+            <a:r>
+              <a:rPr lang="en-US" altLang="en-US"/>
+              <a:t>(1)cdev_init设备初始化</a:t>
+            </a:r>
+            <a:endParaRPr lang="en-US" altLang="en-US"/>
+          </a:p>
+          <a:p>
+            <a:pPr algn="l"/>
+            <a:r>
+              <a:rPr lang="en-US" altLang="en-US"/>
+              <a:t>(2) alloc_chrdev_region</a:t>
+            </a:r>
+            <a:endParaRPr lang="en-US" altLang="en-US"/>
+          </a:p>
+          <a:p>
+            <a:pPr algn="l"/>
+            <a:r>
+              <a:rPr lang="en-US" altLang="en-US"/>
+              <a:t>(3)cdev_add添加设备</a:t>
+            </a:r>
+            <a:endParaRPr lang="en-US" altLang="en-US"/>
+          </a:p>
+        </p:txBody>
+      </p:sp>
+      <p:sp>
+        <p:nvSpPr>
+          <p:cNvPr id="27" name="Rectangle 26"/>
+          <p:cNvSpPr/>
+          <p:nvPr/>
+        </p:nvSpPr>
+        <p:spPr>
+          <a:xfrm>
+            <a:off x="7787005" y="4504690"/>
+            <a:ext cx="3937635" cy="1162050"/>
+          </a:xfrm>
+          <a:prstGeom prst="rect">
+            <a:avLst/>
+          </a:prstGeom>
+        </p:spPr>
+        <p:style>
+          <a:lnRef idx="2">
+            <a:schemeClr val="accent4">
+              <a:shade val="50000"/>
+            </a:schemeClr>
+          </a:lnRef>
+          <a:fillRef idx="1">
+            <a:schemeClr val="accent4"/>
+          </a:fillRef>
+          <a:effectRef idx="0">
+            <a:schemeClr val="accent4"/>
+          </a:effectRef>
+          <a:fontRef idx="minor">
+            <a:schemeClr val="lt1"/>
+          </a:fontRef>
+        </p:style>
+        <p:txBody>
+          <a:bodyPr rtlCol="0" anchor="ctr"/>
+          <a:p>
+            <a:pPr algn="l"/>
+            <a:r>
+              <a:rPr lang="en-US" altLang="en-US"/>
+              <a:t>module_exit() 删除Ko</a:t>
+            </a:r>
+            <a:endParaRPr lang="en-US" altLang="en-US"/>
+          </a:p>
+          <a:p>
+            <a:pPr algn="l"/>
+            <a:r>
+              <a:rPr lang="en-US" altLang="en-US"/>
+              <a:t>(1)cdev_del注销设备</a:t>
+            </a:r>
+            <a:endParaRPr lang="en-US" altLang="en-US"/>
+          </a:p>
+          <a:p>
+            <a:pPr algn="l"/>
+            <a:r>
+              <a:rPr lang="en-US" altLang="en-US"/>
+              <a:t>(2)unregister_chrdev_register</a:t>
+            </a:r>
+            <a:endParaRPr lang="en-US" altLang="en-US"/>
+          </a:p>
+        </p:txBody>
+      </p:sp>
+      <p:cxnSp>
+        <p:nvCxnSpPr>
+          <p:cNvPr id="29" name="Straight Arrow Connector 28"/>
+          <p:cNvCxnSpPr>
+            <a:stCxn id="10" idx="3"/>
+            <a:endCxn id="26" idx="1"/>
+          </p:cNvCxnSpPr>
+          <p:nvPr/>
+        </p:nvCxnSpPr>
+        <p:spPr>
+          <a:xfrm flipV="1">
+            <a:off x="6852285" y="3622675"/>
+            <a:ext cx="934720" cy="517525"/>
+          </a:xfrm>
+          <a:prstGeom prst="straightConnector1">
+            <a:avLst/>
+          </a:prstGeom>
+          <a:ln w="25400">
+            <a:tailEnd type="arrow"/>
+          </a:ln>
+        </p:spPr>
+        <p:style>
+          <a:lnRef idx="1">
+            <a:schemeClr val="accent1"/>
+          </a:lnRef>
+          <a:fillRef idx="0">
+            <a:schemeClr val="accent1"/>
+          </a:fillRef>
+          <a:effectRef idx="0">
+            <a:schemeClr val="accent1"/>
+          </a:effectRef>
+          <a:fontRef idx="minor">
+            <a:schemeClr val="tx1"/>
+          </a:fontRef>
+        </p:style>
+      </p:cxnSp>
+      <p:cxnSp>
+        <p:nvCxnSpPr>
+          <p:cNvPr id="30" name="Straight Arrow Connector 29"/>
+          <p:cNvCxnSpPr>
+            <a:stCxn id="10" idx="3"/>
+            <a:endCxn id="27" idx="1"/>
+          </p:cNvCxnSpPr>
+          <p:nvPr/>
+        </p:nvCxnSpPr>
+        <p:spPr>
+          <a:xfrm>
+            <a:off x="6852285" y="4140200"/>
+            <a:ext cx="934720" cy="945515"/>
+          </a:xfrm>
+          <a:prstGeom prst="straightConnector1">
+            <a:avLst/>
+          </a:prstGeom>
+          <a:ln w="25400">
+            <a:tailEnd type="arrow"/>
+          </a:ln>
+        </p:spPr>
+        <p:style>
+          <a:lnRef idx="1">
+            <a:schemeClr val="accent1"/>
+          </a:lnRef>
+          <a:fillRef idx="0">
+            <a:schemeClr val="accent1"/>
+          </a:fillRef>
+          <a:effectRef idx="0">
+            <a:schemeClr val="accent1"/>
+          </a:effectRef>
+          <a:fontRef idx="minor">
+            <a:schemeClr val="tx1"/>
+          </a:fontRef>
+        </p:style>
+      </p:cxnSp>
     </p:spTree>
   </p:cSld>
   <p:clrMapOvr>
@@ -13565,13 +18103,13 @@
       </p:sp>
       <p:sp>
         <p:nvSpPr>
-          <p:cNvPr id="18" name="Rectangle 17"/>
+          <p:cNvPr id="20" name="Rectangle 19"/>
           <p:cNvSpPr/>
           <p:nvPr/>
         </p:nvSpPr>
         <p:spPr>
           <a:xfrm>
-            <a:off x="1229995" y="2167255"/>
+            <a:off x="1229995" y="2346960"/>
             <a:ext cx="8520430" cy="557530"/>
           </a:xfrm>
           <a:prstGeom prst="rect">
@@ -13599,94 +18137,12 @@
           <a:p>
             <a:pPr algn="l"/>
             <a:r>
+              <a:rPr lang="" altLang="en-US"/>
+              <a:t>2</a:t>
+            </a:r>
+            <a:r>
               <a:rPr lang="en-US" altLang="en-US"/>
-              <a:t>2、页框管理</a:t>
-            </a:r>
-            <a:endParaRPr lang="en-US" altLang="en-US"/>
-          </a:p>
-        </p:txBody>
-      </p:sp>
-      <p:sp>
-        <p:nvSpPr>
-          <p:cNvPr id="19" name="Rectangle 18"/>
-          <p:cNvSpPr/>
-          <p:nvPr/>
-        </p:nvSpPr>
-        <p:spPr>
-          <a:xfrm>
-            <a:off x="1229995" y="2872105"/>
-            <a:ext cx="8520430" cy="557530"/>
-          </a:xfrm>
-          <a:prstGeom prst="rect">
-            <a:avLst/>
-          </a:prstGeom>
-        </p:spPr>
-        <p:style>
-          <a:lnRef idx="2">
-            <a:schemeClr val="accent1">
-              <a:shade val="50000"/>
-            </a:schemeClr>
-          </a:lnRef>
-          <a:fillRef idx="1">
-            <a:schemeClr val="accent1"/>
-          </a:fillRef>
-          <a:effectRef idx="0">
-            <a:schemeClr val="accent1"/>
-          </a:effectRef>
-          <a:fontRef idx="minor">
-            <a:schemeClr val="lt1"/>
-          </a:fontRef>
-        </p:style>
-        <p:txBody>
-          <a:bodyPr rtlCol="0" anchor="ctr"/>
-          <a:p>
-            <a:pPr algn="l"/>
-            <a:r>
-              <a:rPr lang="en-US" altLang="en-US"/>
-              <a:t>3、缺页异常</a:t>
-            </a:r>
-            <a:endParaRPr lang="en-US" altLang="en-US"/>
-          </a:p>
-        </p:txBody>
-      </p:sp>
-      <p:sp>
-        <p:nvSpPr>
-          <p:cNvPr id="20" name="Rectangle 19"/>
-          <p:cNvSpPr/>
-          <p:nvPr/>
-        </p:nvSpPr>
-        <p:spPr>
-          <a:xfrm>
-            <a:off x="1229995" y="3577590"/>
-            <a:ext cx="8520430" cy="557530"/>
-          </a:xfrm>
-          <a:prstGeom prst="rect">
-            <a:avLst/>
-          </a:prstGeom>
-        </p:spPr>
-        <p:style>
-          <a:lnRef idx="2">
-            <a:schemeClr val="accent1">
-              <a:shade val="50000"/>
-            </a:schemeClr>
-          </a:lnRef>
-          <a:fillRef idx="1">
-            <a:schemeClr val="accent1"/>
-          </a:fillRef>
-          <a:effectRef idx="0">
-            <a:schemeClr val="accent1"/>
-          </a:effectRef>
-          <a:fontRef idx="minor">
-            <a:schemeClr val="lt1"/>
-          </a:fontRef>
-        </p:style>
-        <p:txBody>
-          <a:bodyPr rtlCol="0" anchor="ctr"/>
-          <a:p>
-            <a:pPr algn="l"/>
-            <a:r>
-              <a:rPr lang="en-US" altLang="en-US"/>
-              <a:t>4、缓存</a:t>
+              <a:t>、缓存</a:t>
             </a:r>
             <a:endParaRPr lang="en-US" altLang="en-US"/>
           </a:p>

--- a/note_of_linux/linux.pptx
+++ b/note_of_linux/linux.pptx
@@ -5,10 +5,10 @@
     <p:sldMasterId id="2147483648" r:id="rId1"/>
   </p:sldMasterIdLst>
   <p:notesMasterIdLst>
-    <p:notesMasterId r:id="rId18"/>
+    <p:notesMasterId r:id="rId21"/>
   </p:notesMasterIdLst>
   <p:handoutMasterIdLst>
-    <p:handoutMasterId r:id="rId19"/>
+    <p:handoutMasterId r:id="rId22"/>
   </p:handoutMasterIdLst>
   <p:sldIdLst>
     <p:sldId id="256" r:id="rId3"/>
@@ -20,12 +20,15 @@
     <p:sldId id="268" r:id="rId9"/>
     <p:sldId id="275" r:id="rId10"/>
     <p:sldId id="260" r:id="rId11"/>
-    <p:sldId id="261" r:id="rId12"/>
-    <p:sldId id="276" r:id="rId13"/>
-    <p:sldId id="262" r:id="rId14"/>
-    <p:sldId id="281" r:id="rId15"/>
-    <p:sldId id="282" r:id="rId16"/>
-    <p:sldId id="263" r:id="rId17"/>
+    <p:sldId id="286" r:id="rId12"/>
+    <p:sldId id="261" r:id="rId13"/>
+    <p:sldId id="276" r:id="rId14"/>
+    <p:sldId id="262" r:id="rId15"/>
+    <p:sldId id="281" r:id="rId16"/>
+    <p:sldId id="284" r:id="rId17"/>
+    <p:sldId id="285" r:id="rId18"/>
+    <p:sldId id="282" r:id="rId19"/>
+    <p:sldId id="263" r:id="rId20"/>
   </p:sldIdLst>
   <p:sldSz cx="12192000" cy="6858000"/>
   <p:notesSz cx="7103745" cy="10234295"/>
@@ -3612,138 +3615,19 @@
             <a:pPr algn="l"/>
             <a:r>
               <a:rPr lang="en-US" altLang="en-US" sz="2800"/>
-              <a:t>三 Linux文件系统</a:t>
-            </a:r>
-            <a:endParaRPr lang="en-US" altLang="en-US" sz="2800"/>
-          </a:p>
-        </p:txBody>
-      </p:sp>
-      <p:sp>
-        <p:nvSpPr>
-          <p:cNvPr id="17" name="Rectangle 16"/>
-          <p:cNvSpPr/>
-          <p:nvPr/>
-        </p:nvSpPr>
-        <p:spPr>
-          <a:xfrm>
-            <a:off x="1229995" y="1450975"/>
-            <a:ext cx="8520430" cy="557530"/>
-          </a:xfrm>
-          <a:prstGeom prst="rect">
-            <a:avLst/>
-          </a:prstGeom>
-        </p:spPr>
-        <p:style>
-          <a:lnRef idx="2">
-            <a:schemeClr val="accent1">
-              <a:shade val="50000"/>
-            </a:schemeClr>
-          </a:lnRef>
-          <a:fillRef idx="1">
-            <a:schemeClr val="accent1"/>
-          </a:fillRef>
-          <a:effectRef idx="0">
-            <a:schemeClr val="accent1"/>
-          </a:effectRef>
-          <a:fontRef idx="minor">
-            <a:schemeClr val="lt1"/>
-          </a:fontRef>
-        </p:style>
-        <p:txBody>
-          <a:bodyPr rtlCol="0" anchor="ctr"/>
-          <a:p>
-            <a:pPr algn="l"/>
-            <a:r>
-              <a:rPr lang="en-US" altLang="en-US"/>
-              <a:t>1、VFS虚拟文件系统</a:t>
-            </a:r>
-            <a:endParaRPr lang="en-US" altLang="en-US"/>
-          </a:p>
-        </p:txBody>
-      </p:sp>
-      <p:sp>
-        <p:nvSpPr>
-          <p:cNvPr id="18" name="Rectangle 17"/>
-          <p:cNvSpPr/>
-          <p:nvPr/>
-        </p:nvSpPr>
-        <p:spPr>
-          <a:xfrm>
-            <a:off x="1229995" y="2167255"/>
-            <a:ext cx="8520430" cy="557530"/>
-          </a:xfrm>
-          <a:prstGeom prst="rect">
-            <a:avLst/>
-          </a:prstGeom>
-        </p:spPr>
-        <p:style>
-          <a:lnRef idx="2">
-            <a:schemeClr val="accent1">
-              <a:shade val="50000"/>
-            </a:schemeClr>
-          </a:lnRef>
-          <a:fillRef idx="1">
-            <a:schemeClr val="accent1"/>
-          </a:fillRef>
-          <a:effectRef idx="0">
-            <a:schemeClr val="accent1"/>
-          </a:effectRef>
-          <a:fontRef idx="minor">
-            <a:schemeClr val="lt1"/>
-          </a:fontRef>
-        </p:style>
-        <p:txBody>
-          <a:bodyPr rtlCol="0" anchor="ctr"/>
-          <a:p>
-            <a:pPr algn="l"/>
-            <a:r>
-              <a:rPr lang="en-US" altLang="en-US"/>
-              <a:t>2、块设备文件</a:t>
-            </a:r>
-            <a:endParaRPr lang="en-US" altLang="en-US"/>
-          </a:p>
-        </p:txBody>
-      </p:sp>
-      <p:sp>
-        <p:nvSpPr>
-          <p:cNvPr id="19" name="Rectangle 18"/>
-          <p:cNvSpPr/>
-          <p:nvPr/>
-        </p:nvSpPr>
-        <p:spPr>
-          <a:xfrm>
-            <a:off x="1229995" y="2872105"/>
-            <a:ext cx="8520430" cy="557530"/>
-          </a:xfrm>
-          <a:prstGeom prst="rect">
-            <a:avLst/>
-          </a:prstGeom>
-        </p:spPr>
-        <p:style>
-          <a:lnRef idx="2">
-            <a:schemeClr val="accent1">
-              <a:shade val="50000"/>
-            </a:schemeClr>
-          </a:lnRef>
-          <a:fillRef idx="1">
-            <a:schemeClr val="accent1"/>
-          </a:fillRef>
-          <a:effectRef idx="0">
-            <a:schemeClr val="accent1"/>
-          </a:effectRef>
-          <a:fontRef idx="minor">
-            <a:schemeClr val="lt1"/>
-          </a:fontRef>
-        </p:style>
-        <p:txBody>
-          <a:bodyPr rtlCol="0" anchor="ctr"/>
-          <a:p>
-            <a:pPr algn="l"/>
-            <a:r>
-              <a:rPr lang="en-US" altLang="en-US"/>
-              <a:t>3、字符设备文件</a:t>
-            </a:r>
-            <a:endParaRPr lang="en-US" altLang="en-US"/>
+              <a:t>二、Linux内存管理</a:t>
+            </a:r>
+            <a:r>
+              <a:rPr lang="" altLang="en-US" sz="2800"/>
+              <a:t>----</a:t>
+            </a:r>
+            <a:r>
+              <a:rPr lang="en-US" altLang="en-US" sz="2800">
+                <a:sym typeface="+mn-ea"/>
+              </a:rPr>
+              <a:t>内存地址映射</a:t>
+            </a:r>
+            <a:endParaRPr lang="" altLang="en-US" sz="2800"/>
           </a:p>
         </p:txBody>
       </p:sp>
@@ -3756,6 +3640,183 @@
 </file>
 
 <file path=ppt/slides/slide11.xml><?xml version="1.0" encoding="utf-8"?>
+<p:sld xmlns:a="http://schemas.openxmlformats.org/drawingml/2006/main" xmlns:r="http://schemas.openxmlformats.org/officeDocument/2006/relationships" xmlns:p="http://schemas.openxmlformats.org/presentationml/2006/main">
+  <p:cSld>
+    <p:spTree>
+      <p:nvGrpSpPr>
+        <p:cNvPr id="1" name=""/>
+        <p:cNvGrpSpPr/>
+        <p:nvPr/>
+      </p:nvGrpSpPr>
+      <p:grpSpPr/>
+      <p:sp>
+        <p:nvSpPr>
+          <p:cNvPr id="2" name="Title 1"/>
+          <p:cNvSpPr>
+            <a:spLocks noGrp="1"/>
+          </p:cNvSpPr>
+          <p:nvPr>
+            <p:ph type="ctrTitle"/>
+          </p:nvPr>
+        </p:nvSpPr>
+        <p:spPr>
+          <a:xfrm>
+            <a:off x="808355" y="260350"/>
+            <a:ext cx="9133840" cy="829945"/>
+          </a:xfrm>
+        </p:spPr>
+        <p:txBody>
+          <a:bodyPr>
+            <a:normAutofit/>
+          </a:bodyPr>
+          <a:p>
+            <a:pPr algn="l"/>
+            <a:r>
+              <a:rPr lang="en-US" altLang="en-US" sz="2800"/>
+              <a:t>三 Linux文件系统</a:t>
+            </a:r>
+            <a:endParaRPr lang="en-US" altLang="en-US" sz="2800"/>
+          </a:p>
+        </p:txBody>
+      </p:sp>
+      <p:sp>
+        <p:nvSpPr>
+          <p:cNvPr id="17" name="Rectangle 16"/>
+          <p:cNvSpPr/>
+          <p:nvPr/>
+        </p:nvSpPr>
+        <p:spPr>
+          <a:xfrm>
+            <a:off x="1229995" y="1450975"/>
+            <a:ext cx="8520430" cy="557530"/>
+          </a:xfrm>
+          <a:prstGeom prst="rect">
+            <a:avLst/>
+          </a:prstGeom>
+        </p:spPr>
+        <p:style>
+          <a:lnRef idx="2">
+            <a:schemeClr val="accent1">
+              <a:shade val="50000"/>
+            </a:schemeClr>
+          </a:lnRef>
+          <a:fillRef idx="1">
+            <a:schemeClr val="accent1"/>
+          </a:fillRef>
+          <a:effectRef idx="0">
+            <a:schemeClr val="accent1"/>
+          </a:effectRef>
+          <a:fontRef idx="minor">
+            <a:schemeClr val="lt1"/>
+          </a:fontRef>
+        </p:style>
+        <p:txBody>
+          <a:bodyPr rtlCol="0" anchor="ctr"/>
+          <a:p>
+            <a:pPr algn="l"/>
+            <a:r>
+              <a:rPr lang="en-US" altLang="en-US"/>
+              <a:t>1、VFS虚拟文件系统</a:t>
+            </a:r>
+            <a:endParaRPr lang="en-US" altLang="en-US"/>
+          </a:p>
+        </p:txBody>
+      </p:sp>
+      <p:sp>
+        <p:nvSpPr>
+          <p:cNvPr id="18" name="Rectangle 17"/>
+          <p:cNvSpPr/>
+          <p:nvPr/>
+        </p:nvSpPr>
+        <p:spPr>
+          <a:xfrm>
+            <a:off x="1229995" y="2167255"/>
+            <a:ext cx="8520430" cy="557530"/>
+          </a:xfrm>
+          <a:prstGeom prst="rect">
+            <a:avLst/>
+          </a:prstGeom>
+        </p:spPr>
+        <p:style>
+          <a:lnRef idx="2">
+            <a:schemeClr val="accent1">
+              <a:shade val="50000"/>
+            </a:schemeClr>
+          </a:lnRef>
+          <a:fillRef idx="1">
+            <a:schemeClr val="accent1"/>
+          </a:fillRef>
+          <a:effectRef idx="0">
+            <a:schemeClr val="accent1"/>
+          </a:effectRef>
+          <a:fontRef idx="minor">
+            <a:schemeClr val="lt1"/>
+          </a:fontRef>
+        </p:style>
+        <p:txBody>
+          <a:bodyPr rtlCol="0" anchor="ctr"/>
+          <a:p>
+            <a:pPr algn="l"/>
+            <a:r>
+              <a:rPr lang="en-US" altLang="en-US"/>
+              <a:t>2、块设备文件</a:t>
+            </a:r>
+            <a:endParaRPr lang="en-US" altLang="en-US"/>
+          </a:p>
+        </p:txBody>
+      </p:sp>
+      <p:sp>
+        <p:nvSpPr>
+          <p:cNvPr id="19" name="Rectangle 18"/>
+          <p:cNvSpPr/>
+          <p:nvPr/>
+        </p:nvSpPr>
+        <p:spPr>
+          <a:xfrm>
+            <a:off x="1229995" y="2872105"/>
+            <a:ext cx="8520430" cy="557530"/>
+          </a:xfrm>
+          <a:prstGeom prst="rect">
+            <a:avLst/>
+          </a:prstGeom>
+        </p:spPr>
+        <p:style>
+          <a:lnRef idx="2">
+            <a:schemeClr val="accent1">
+              <a:shade val="50000"/>
+            </a:schemeClr>
+          </a:lnRef>
+          <a:fillRef idx="1">
+            <a:schemeClr val="accent1"/>
+          </a:fillRef>
+          <a:effectRef idx="0">
+            <a:schemeClr val="accent1"/>
+          </a:effectRef>
+          <a:fontRef idx="minor">
+            <a:schemeClr val="lt1"/>
+          </a:fontRef>
+        </p:style>
+        <p:txBody>
+          <a:bodyPr rtlCol="0" anchor="ctr"/>
+          <a:p>
+            <a:pPr algn="l"/>
+            <a:r>
+              <a:rPr lang="en-US" altLang="en-US"/>
+              <a:t>3、字符设备文件</a:t>
+            </a:r>
+            <a:endParaRPr lang="en-US" altLang="en-US"/>
+          </a:p>
+        </p:txBody>
+      </p:sp>
+    </p:spTree>
+  </p:cSld>
+  <p:clrMapOvr>
+    <a:masterClrMapping/>
+  </p:clrMapOvr>
+</p:sld>
+</file>
+
+<file path=ppt/slides/slide12.xml><?xml version="1.0" encoding="utf-8"?>
 <p:sld xmlns:a="http://schemas.openxmlformats.org/drawingml/2006/main" xmlns:r="http://schemas.openxmlformats.org/officeDocument/2006/relationships" xmlns:p="http://schemas.openxmlformats.org/presentationml/2006/main">
   <p:cSld>
     <p:spTree>
@@ -4453,13 +4514,9 @@
             <a:pPr algn="ctr"/>
             <a:r>
               <a:rPr lang="en-US" altLang="en-US"/>
-              <a:t>字</a:t>
-            </a:r>
-            <a:r>
-              <a:rPr lang="" altLang="en-US"/>
-              <a:t>符硬件</a:t>
-            </a:r>
-            <a:endParaRPr lang="" altLang="en-US"/>
+              <a:t>字符硬件</a:t>
+            </a:r>
+            <a:endParaRPr lang="en-US" altLang="en-US"/>
           </a:p>
         </p:txBody>
       </p:sp>
@@ -4497,12 +4554,8 @@
           <a:p>
             <a:pPr algn="ctr"/>
             <a:r>
-              <a:rPr lang="" altLang="en-US"/>
-              <a:t>网卡</a:t>
-            </a:r>
-            <a:r>
               <a:rPr lang="en-US" altLang="en-US"/>
-              <a:t>硬件</a:t>
+              <a:t>网卡硬件</a:t>
             </a:r>
             <a:endParaRPr lang="en-US" altLang="en-US"/>
           </a:p>
@@ -4886,7 +4939,7 @@
 </p:sld>
 </file>
 
-<file path=ppt/slides/slide12.xml><?xml version="1.0" encoding="utf-8"?>
+<file path=ppt/slides/slide13.xml><?xml version="1.0" encoding="utf-8"?>
 <p:sld xmlns:a="http://schemas.openxmlformats.org/drawingml/2006/main" xmlns:r="http://schemas.openxmlformats.org/officeDocument/2006/relationships" xmlns:p="http://schemas.openxmlformats.org/presentationml/2006/main">
   <p:cSld>
     <p:spTree>
@@ -4947,13 +5000,9 @@
             <a:pPr algn="l"/>
             <a:r>
               <a:rPr lang="en-US" altLang="en-US" sz="2800"/>
-              <a:t>3.1 VFS虚拟文件系统</a:t>
-            </a:r>
-            <a:r>
-              <a:rPr lang="" altLang="en-US" sz="2800"/>
-              <a:t>-----根文件系统</a:t>
-            </a:r>
-            <a:endParaRPr lang="" altLang="en-US" sz="2800"/>
+              <a:t>3.1 VFS虚拟文件系统-----根文件系统</a:t>
+            </a:r>
+            <a:endParaRPr lang="en-US" altLang="en-US" sz="2800"/>
           </a:p>
         </p:txBody>
       </p:sp>
@@ -4993,10 +5042,10 @@
           <a:p>
             <a:pPr algn="ctr"/>
             <a:r>
-              <a:rPr lang="" altLang="en-US"/>
+              <a:rPr lang="en-US" altLang="en-US"/>
               <a:t>根文件系统</a:t>
             </a:r>
-            <a:endParaRPr lang="" altLang="en-US"/>
+            <a:endParaRPr lang="en-US" altLang="en-US"/>
           </a:p>
         </p:txBody>
       </p:sp>
@@ -5034,10 +5083,10 @@
           <a:p>
             <a:pPr algn="ctr"/>
             <a:r>
-              <a:rPr lang="" altLang="en-US"/>
+              <a:rPr lang="en-US" altLang="en-US"/>
               <a:t>usr</a:t>
             </a:r>
-            <a:endParaRPr lang="" altLang="en-US"/>
+            <a:endParaRPr lang="en-US" altLang="en-US"/>
           </a:p>
         </p:txBody>
       </p:sp>
@@ -5075,10 +5124,10 @@
           <a:p>
             <a:pPr algn="ctr"/>
             <a:r>
-              <a:rPr lang="" altLang="en-US"/>
+              <a:rPr lang="en-US" altLang="en-US"/>
               <a:t>bin</a:t>
             </a:r>
-            <a:endParaRPr lang="" altLang="en-US"/>
+            <a:endParaRPr lang="en-US" altLang="en-US"/>
           </a:p>
         </p:txBody>
       </p:sp>
@@ -5116,10 +5165,10 @@
           <a:p>
             <a:pPr algn="ctr"/>
             <a:r>
-              <a:rPr lang="" altLang="en-US"/>
+              <a:rPr lang="en-US" altLang="en-US"/>
               <a:t>etc</a:t>
             </a:r>
-            <a:endParaRPr lang="" altLang="en-US"/>
+            <a:endParaRPr lang="en-US" altLang="en-US"/>
           </a:p>
         </p:txBody>
       </p:sp>
@@ -5157,10 +5206,10 @@
           <a:p>
             <a:pPr algn="ctr"/>
             <a:r>
-              <a:rPr lang="" altLang="en-US"/>
+              <a:rPr lang="en-US" altLang="en-US"/>
               <a:t>dev</a:t>
             </a:r>
-            <a:endParaRPr lang="" altLang="en-US"/>
+            <a:endParaRPr lang="en-US" altLang="en-US"/>
           </a:p>
         </p:txBody>
       </p:sp>
@@ -5198,10 +5247,10 @@
           <a:p>
             <a:pPr algn="ctr"/>
             <a:r>
-              <a:rPr lang="" altLang="en-US"/>
+              <a:rPr lang="en-US" altLang="en-US"/>
               <a:t>mnt</a:t>
             </a:r>
-            <a:endParaRPr lang="" altLang="en-US"/>
+            <a:endParaRPr lang="en-US" altLang="en-US"/>
           </a:p>
         </p:txBody>
       </p:sp>
@@ -5239,10 +5288,10 @@
           <a:p>
             <a:pPr algn="ctr"/>
             <a:r>
-              <a:rPr lang="" altLang="en-US"/>
+              <a:rPr lang="en-US" altLang="en-US"/>
               <a:t>lib</a:t>
             </a:r>
-            <a:endParaRPr lang="" altLang="en-US"/>
+            <a:endParaRPr lang="en-US" altLang="en-US"/>
           </a:p>
         </p:txBody>
       </p:sp>
@@ -5280,10 +5329,10 @@
           <a:p>
             <a:pPr algn="ctr"/>
             <a:r>
-              <a:rPr lang="" altLang="en-US"/>
+              <a:rPr lang="en-US" altLang="en-US"/>
               <a:t>root</a:t>
             </a:r>
-            <a:endParaRPr lang="" altLang="en-US"/>
+            <a:endParaRPr lang="en-US" altLang="en-US"/>
           </a:p>
         </p:txBody>
       </p:sp>
@@ -5321,10 +5370,10 @@
           <a:p>
             <a:pPr algn="ctr"/>
             <a:r>
-              <a:rPr lang="" altLang="en-US"/>
+              <a:rPr lang="en-US" altLang="en-US"/>
               <a:t>home</a:t>
             </a:r>
-            <a:endParaRPr lang="" altLang="en-US"/>
+            <a:endParaRPr lang="en-US" altLang="en-US"/>
           </a:p>
         </p:txBody>
       </p:sp>
@@ -5362,10 +5411,10 @@
           <a:p>
             <a:pPr algn="ctr"/>
             <a:r>
-              <a:rPr lang="" altLang="en-US"/>
+              <a:rPr lang="en-US" altLang="en-US"/>
               <a:t>proc</a:t>
             </a:r>
-            <a:endParaRPr lang="" altLang="en-US"/>
+            <a:endParaRPr lang="en-US" altLang="en-US"/>
           </a:p>
         </p:txBody>
       </p:sp>
@@ -5403,10 +5452,10 @@
           <a:p>
             <a:pPr algn="ctr"/>
             <a:r>
-              <a:rPr lang="" altLang="en-US"/>
+              <a:rPr lang="en-US" altLang="en-US"/>
               <a:t>var</a:t>
             </a:r>
-            <a:endParaRPr lang="" altLang="en-US"/>
+            <a:endParaRPr lang="en-US" altLang="en-US"/>
           </a:p>
         </p:txBody>
       </p:sp>
@@ -5444,10 +5493,10 @@
           <a:p>
             <a:pPr algn="ctr"/>
             <a:r>
-              <a:rPr lang="" altLang="en-US"/>
+              <a:rPr lang="en-US" altLang="en-US"/>
               <a:t>tmp</a:t>
             </a:r>
-            <a:endParaRPr lang="" altLang="en-US"/>
+            <a:endParaRPr lang="en-US" altLang="en-US"/>
           </a:p>
         </p:txBody>
       </p:sp>
@@ -5485,10 +5534,10 @@
           <a:p>
             <a:pPr algn="ctr"/>
             <a:r>
-              <a:rPr lang="" altLang="en-US"/>
+              <a:rPr lang="en-US" altLang="en-US"/>
               <a:t>opt</a:t>
             </a:r>
-            <a:endParaRPr lang="" altLang="en-US"/>
+            <a:endParaRPr lang="en-US" altLang="en-US"/>
           </a:p>
         </p:txBody>
       </p:sp>
@@ -5526,10 +5575,10 @@
           <a:p>
             <a:pPr algn="ctr"/>
             <a:r>
-              <a:rPr lang="" altLang="en-US"/>
+              <a:rPr lang="en-US" altLang="en-US"/>
               <a:t>sys</a:t>
             </a:r>
-            <a:endParaRPr lang="" altLang="en-US"/>
+            <a:endParaRPr lang="en-US" altLang="en-US"/>
           </a:p>
         </p:txBody>
       </p:sp>
@@ -5567,18 +5616,18 @@
           <a:p>
             <a:pPr algn="ctr"/>
             <a:r>
-              <a:rPr lang="" altLang="en-US"/>
+              <a:rPr lang="en-US" altLang="en-US"/>
               <a:t>用户</a:t>
             </a:r>
-            <a:endParaRPr lang="" altLang="en-US"/>
+            <a:endParaRPr lang="en-US" altLang="en-US"/>
           </a:p>
           <a:p>
             <a:pPr algn="ctr"/>
             <a:r>
-              <a:rPr lang="" altLang="en-US"/>
+              <a:rPr lang="en-US" altLang="en-US"/>
               <a:t>共享库</a:t>
             </a:r>
-            <a:endParaRPr lang="" altLang="en-US"/>
+            <a:endParaRPr lang="en-US" altLang="en-US"/>
           </a:p>
         </p:txBody>
       </p:sp>
@@ -5651,10 +5700,10 @@
           <a:p>
             <a:pPr algn="ctr"/>
             <a:r>
-              <a:rPr lang="" altLang="en-US"/>
+              <a:rPr lang="en-US" altLang="en-US"/>
               <a:t>系统命令</a:t>
             </a:r>
-            <a:endParaRPr lang="" altLang="en-US"/>
+            <a:endParaRPr lang="en-US" altLang="en-US"/>
           </a:p>
         </p:txBody>
       </p:sp>
@@ -5728,13 +5777,9 @@
             <a:pPr algn="ctr"/>
             <a:r>
               <a:rPr lang="en-US" altLang="en-US"/>
-              <a:t>系统</a:t>
-            </a:r>
-            <a:r>
-              <a:rPr lang="" altLang="en-US"/>
-              <a:t>配置</a:t>
-            </a:r>
-            <a:endParaRPr lang="" altLang="en-US"/>
+              <a:t>系统配置</a:t>
+            </a:r>
+            <a:endParaRPr lang="en-US" altLang="en-US"/>
           </a:p>
         </p:txBody>
       </p:sp>
@@ -5772,10 +5817,10 @@
           <a:p>
             <a:pPr algn="ctr"/>
             <a:r>
-              <a:rPr lang="" altLang="en-US"/>
+              <a:rPr lang="en-US" altLang="en-US"/>
               <a:t>设备虚拟文件</a:t>
             </a:r>
-            <a:endParaRPr lang="" altLang="en-US"/>
+            <a:endParaRPr lang="en-US" altLang="en-US"/>
           </a:p>
         </p:txBody>
       </p:sp>
@@ -5813,10 +5858,10 @@
           <a:p>
             <a:pPr algn="ctr"/>
             <a:r>
-              <a:rPr lang="" altLang="en-US"/>
+              <a:rPr lang="en-US" altLang="en-US"/>
               <a:t>usb/sda挂接文件</a:t>
             </a:r>
-            <a:endParaRPr lang="" altLang="en-US"/>
+            <a:endParaRPr lang="en-US" altLang="en-US"/>
           </a:p>
         </p:txBody>
       </p:sp>
@@ -5854,10 +5899,10 @@
           <a:p>
             <a:pPr algn="ctr"/>
             <a:r>
-              <a:rPr lang="" altLang="en-US"/>
+              <a:rPr lang="en-US" altLang="en-US"/>
               <a:t>系统库</a:t>
             </a:r>
-            <a:endParaRPr lang="" altLang="en-US"/>
+            <a:endParaRPr lang="en-US" altLang="en-US"/>
           </a:p>
         </p:txBody>
       </p:sp>
@@ -5895,10 +5940,10 @@
           <a:p>
             <a:pPr algn="ctr"/>
             <a:r>
-              <a:rPr lang="" altLang="en-US"/>
+              <a:rPr lang="en-US" altLang="en-US"/>
               <a:t>root用户目录</a:t>
             </a:r>
-            <a:endParaRPr lang="" altLang="en-US"/>
+            <a:endParaRPr lang="en-US" altLang="en-US"/>
           </a:p>
         </p:txBody>
       </p:sp>
@@ -5936,10 +5981,10 @@
           <a:p>
             <a:pPr algn="ctr"/>
             <a:r>
-              <a:rPr lang="" altLang="en-US"/>
+              <a:rPr lang="en-US" altLang="en-US"/>
               <a:t>其他用户目录</a:t>
             </a:r>
-            <a:endParaRPr lang="" altLang="en-US"/>
+            <a:endParaRPr lang="en-US" altLang="en-US"/>
           </a:p>
         </p:txBody>
       </p:sp>
@@ -5977,10 +6022,10 @@
           <a:p>
             <a:pPr algn="ctr"/>
             <a:r>
-              <a:rPr lang="" altLang="en-US"/>
+              <a:rPr lang="en-US" altLang="en-US"/>
               <a:t>虚拟文件内核交互</a:t>
             </a:r>
-            <a:endParaRPr lang="" altLang="en-US"/>
+            <a:endParaRPr lang="en-US" altLang="en-US"/>
           </a:p>
         </p:txBody>
       </p:sp>
@@ -6018,10 +6063,10 @@
           <a:p>
             <a:pPr algn="ctr"/>
             <a:r>
-              <a:rPr lang="" altLang="en-US"/>
+              <a:rPr lang="en-US" altLang="en-US"/>
               <a:t>日志</a:t>
             </a:r>
-            <a:endParaRPr lang="" altLang="en-US"/>
+            <a:endParaRPr lang="en-US" altLang="en-US"/>
           </a:p>
         </p:txBody>
       </p:sp>
@@ -6059,10 +6104,10 @@
           <a:p>
             <a:pPr algn="ctr"/>
             <a:r>
-              <a:rPr lang="" altLang="en-US"/>
+              <a:rPr lang="en-US" altLang="en-US"/>
               <a:t>临时文件</a:t>
             </a:r>
-            <a:endParaRPr lang="" altLang="en-US"/>
+            <a:endParaRPr lang="en-US" altLang="en-US"/>
           </a:p>
         </p:txBody>
       </p:sp>
@@ -6100,10 +6145,10 @@
           <a:p>
             <a:pPr algn="ctr"/>
             <a:r>
-              <a:rPr lang="" altLang="en-US"/>
+              <a:rPr lang="en-US" altLang="en-US"/>
               <a:t>可选的</a:t>
             </a:r>
-            <a:endParaRPr lang="" altLang="en-US"/>
+            <a:endParaRPr lang="en-US" altLang="en-US"/>
           </a:p>
         </p:txBody>
       </p:sp>
@@ -6141,10 +6186,10 @@
           <a:p>
             <a:pPr algn="ctr"/>
             <a:r>
-              <a:rPr lang="" altLang="en-US" b="1"/>
+              <a:rPr lang="en-US" altLang="en-US" b="1"/>
               <a:t>系统设备</a:t>
             </a:r>
-            <a:endParaRPr lang="" altLang="en-US" b="1"/>
+            <a:endParaRPr lang="en-US" altLang="en-US" b="1"/>
           </a:p>
         </p:txBody>
       </p:sp>
@@ -7025,34 +7070,26 @@
           <a:p>
             <a:pPr algn="l"/>
             <a:r>
-              <a:rPr lang="" altLang="en-US" sz="2800"/>
-              <a:t>（1）</a:t>
-            </a:r>
-            <a:r>
               <a:rPr lang="en-US" altLang="en-US" sz="2800"/>
-              <a:t>根文件系统</a:t>
-            </a:r>
-            <a:r>
-              <a:rPr lang="" altLang="en-US" sz="2800"/>
-              <a:t>也是一个文件系统，是操作系统挂载的第一个文件系统</a:t>
-            </a:r>
-            <a:endParaRPr lang="" altLang="en-US" sz="2800"/>
+              <a:t>（1）根文件系统也是一个文件系统，是操作系统挂载的第一个文件系统</a:t>
+            </a:r>
+            <a:endParaRPr lang="en-US" altLang="en-US" sz="2800"/>
           </a:p>
           <a:p>
             <a:pPr algn="l"/>
             <a:r>
-              <a:rPr lang="" altLang="en-US" sz="2800"/>
+              <a:rPr lang="en-US" altLang="en-US" sz="2800"/>
               <a:t>（2）其他的文件系统、各类的设备，都是挂载的根文件系统上面。</a:t>
             </a:r>
-            <a:endParaRPr lang="" altLang="en-US" sz="2800"/>
+            <a:endParaRPr lang="en-US" altLang="en-US" sz="2800"/>
           </a:p>
           <a:p>
             <a:pPr algn="l"/>
             <a:r>
-              <a:rPr lang="" altLang="en-US" sz="2800"/>
+              <a:rPr lang="en-US" altLang="en-US" sz="2800"/>
               <a:t>（3）用户以访问文件形式去访问各种设备。</a:t>
             </a:r>
-            <a:endParaRPr lang="" altLang="en-US" sz="2800"/>
+            <a:endParaRPr lang="en-US" altLang="en-US" sz="2800"/>
           </a:p>
         </p:txBody>
       </p:sp>
@@ -7064,7 +7101,7 @@
 </p:sld>
 </file>
 
-<file path=ppt/slides/slide13.xml><?xml version="1.0" encoding="utf-8"?>
+<file path=ppt/slides/slide14.xml><?xml version="1.0" encoding="utf-8"?>
 <p:sld xmlns:a="http://schemas.openxmlformats.org/drawingml/2006/main" xmlns:r="http://schemas.openxmlformats.org/officeDocument/2006/relationships" xmlns:p="http://schemas.openxmlformats.org/presentationml/2006/main">
   <p:cSld>
     <p:spTree>
@@ -7100,7 +7137,11 @@
               <a:rPr lang="en-US" altLang="en-US" sz="2800"/>
               <a:t>四、Linux设备驱动</a:t>
             </a:r>
-            <a:endParaRPr lang="en-US" altLang="en-US" sz="2800"/>
+            <a:r>
+              <a:rPr lang="" altLang="en-US" sz="2800"/>
+              <a:t>---文件的存储</a:t>
+            </a:r>
+            <a:endParaRPr lang="" altLang="en-US" sz="2800"/>
           </a:p>
         </p:txBody>
       </p:sp>
@@ -7179,18 +7220,18 @@
           <a:p>
             <a:pPr algn="ctr"/>
             <a:r>
-              <a:rPr lang="" altLang="en-US"/>
+              <a:rPr lang="en-US" altLang="en-US"/>
               <a:t>boot</a:t>
             </a:r>
-            <a:endParaRPr lang="" altLang="en-US"/>
+            <a:endParaRPr lang="en-US" altLang="en-US"/>
           </a:p>
           <a:p>
             <a:pPr algn="ctr"/>
             <a:r>
-              <a:rPr lang="" altLang="en-US"/>
+              <a:rPr lang="en-US" altLang="en-US"/>
               <a:t>block</a:t>
             </a:r>
-            <a:endParaRPr lang="" altLang="en-US"/>
+            <a:endParaRPr lang="en-US" altLang="en-US"/>
           </a:p>
         </p:txBody>
       </p:sp>
@@ -7231,13 +7272,9 @@
             <a:pPr algn="ctr"/>
             <a:r>
               <a:rPr lang="en-US" altLang="en-US"/>
-              <a:t>block </a:t>
-            </a:r>
-            <a:r>
-              <a:rPr lang="" altLang="en-US"/>
-              <a:t>0</a:t>
-            </a:r>
-            <a:endParaRPr lang="" altLang="en-US"/>
+              <a:t>block 0</a:t>
+            </a:r>
+            <a:endParaRPr lang="en-US" altLang="en-US"/>
           </a:p>
         </p:txBody>
       </p:sp>
@@ -7278,13 +7315,9 @@
             <a:pPr algn="ctr"/>
             <a:r>
               <a:rPr lang="en-US" altLang="en-US"/>
-              <a:t>block </a:t>
-            </a:r>
-            <a:r>
-              <a:rPr lang="" altLang="en-US"/>
-              <a:t>1</a:t>
-            </a:r>
-            <a:endParaRPr lang="" altLang="en-US"/>
+              <a:t>block 1</a:t>
+            </a:r>
+            <a:endParaRPr lang="en-US" altLang="en-US"/>
           </a:p>
         </p:txBody>
       </p:sp>
@@ -7325,13 +7358,9 @@
             <a:pPr algn="ctr"/>
             <a:r>
               <a:rPr lang="en-US" altLang="en-US"/>
-              <a:t>block </a:t>
-            </a:r>
-            <a:r>
-              <a:rPr lang="" altLang="en-US"/>
-              <a:t>2</a:t>
-            </a:r>
-            <a:endParaRPr lang="" altLang="en-US"/>
+              <a:t>block 2</a:t>
+            </a:r>
+            <a:endParaRPr lang="en-US" altLang="en-US"/>
           </a:p>
         </p:txBody>
       </p:sp>
@@ -7372,13 +7401,9 @@
             <a:pPr algn="ctr"/>
             <a:r>
               <a:rPr lang="en-US" altLang="en-US"/>
-              <a:t>block </a:t>
-            </a:r>
-            <a:r>
-              <a:rPr lang="" altLang="en-US"/>
-              <a:t>n</a:t>
-            </a:r>
-            <a:endParaRPr lang="" altLang="en-US"/>
+              <a:t>block n</a:t>
+            </a:r>
+            <a:endParaRPr lang="en-US" altLang="en-US"/>
           </a:p>
         </p:txBody>
       </p:sp>
@@ -7419,13 +7444,9 @@
             <a:pPr algn="ctr"/>
             <a:r>
               <a:rPr lang="en-US" altLang="en-US"/>
-              <a:t>block </a:t>
-            </a:r>
-            <a:r>
-              <a:rPr lang="" altLang="en-US"/>
-              <a:t>...</a:t>
-            </a:r>
-            <a:endParaRPr lang="" altLang="en-US"/>
+              <a:t>block ...</a:t>
+            </a:r>
+            <a:endParaRPr lang="en-US" altLang="en-US"/>
           </a:p>
         </p:txBody>
       </p:sp>
@@ -7566,18 +7587,18 @@
           <a:p>
             <a:pPr algn="ctr"/>
             <a:r>
-              <a:rPr lang="" altLang="en-US"/>
+              <a:rPr lang="en-US" altLang="en-US"/>
               <a:t>super</a:t>
             </a:r>
-            <a:endParaRPr lang="" altLang="en-US"/>
+            <a:endParaRPr lang="en-US" altLang="en-US"/>
           </a:p>
           <a:p>
             <a:pPr algn="ctr"/>
             <a:r>
-              <a:rPr lang="" altLang="en-US"/>
+              <a:rPr lang="en-US" altLang="en-US"/>
               <a:t>block</a:t>
             </a:r>
-            <a:endParaRPr lang="" altLang="en-US"/>
+            <a:endParaRPr lang="en-US" altLang="en-US"/>
           </a:p>
         </p:txBody>
       </p:sp>
@@ -7631,65 +7652,53 @@
           <a:p>
             <a:pPr algn="l"/>
             <a:r>
-              <a:rPr lang="" altLang="en-US" sz="2800"/>
+              <a:rPr lang="en-US" altLang="en-US" sz="2800"/>
               <a:t>block:格式化时确定block大小，一个block只能放一个文件</a:t>
             </a:r>
-            <a:endParaRPr lang="" altLang="en-US" sz="2800"/>
+            <a:endParaRPr lang="en-US" altLang="en-US" sz="2800"/>
           </a:p>
           <a:p>
             <a:pPr algn="l"/>
             <a:r>
-              <a:rPr lang="" altLang="en-US" sz="2800"/>
+              <a:rPr lang="en-US" altLang="en-US" sz="2800"/>
               <a:t>super block:记录block与inode大小，使用、未使用情况，挂接硬盘时被读入linux系统中； linux根据使用情况来计算磁盘的使用率；</a:t>
             </a:r>
-            <a:endParaRPr lang="" altLang="en-US" sz="2800"/>
+            <a:endParaRPr lang="en-US" altLang="en-US" sz="2800"/>
           </a:p>
           <a:p>
             <a:pPr algn="l"/>
             <a:r>
-              <a:rPr lang="" altLang="en-US" sz="2800"/>
+              <a:rPr lang="en-US" altLang="en-US" sz="2800"/>
               <a:t>GDT:global discreption table，用于描述各块的起始结束位置； </a:t>
             </a:r>
-            <a:endParaRPr lang="" altLang="en-US" sz="2800"/>
+            <a:endParaRPr lang="en-US" altLang="en-US" sz="2800"/>
           </a:p>
           <a:p>
             <a:pPr algn="l"/>
             <a:r>
-              <a:rPr lang="" altLang="en-US" sz="2800"/>
+              <a:rPr lang="en-US" altLang="en-US" sz="2800"/>
               <a:t>block bitmap:确定哪些block是空的，此时系统就可以快速地找到可使用的空间来放置文件。</a:t>
             </a:r>
-            <a:endParaRPr lang="" altLang="en-US" sz="2800"/>
+            <a:endParaRPr lang="en-US" altLang="en-US" sz="2800"/>
           </a:p>
           <a:p>
             <a:pPr algn="l"/>
             <a:r>
-              <a:rPr lang="" altLang="en-US" sz="2800"/>
+              <a:rPr lang="en-US" altLang="en-US" sz="2800"/>
               <a:t>inode bitmap:</a:t>
             </a:r>
             <a:r>
               <a:rPr lang="en-US" altLang="en-US" sz="2800">
                 <a:sym typeface="+mn-ea"/>
               </a:rPr>
-              <a:t>知道哪些</a:t>
-            </a:r>
-            <a:r>
-              <a:rPr lang="" altLang="en-US" sz="2800">
-                <a:sym typeface="+mn-ea"/>
-              </a:rPr>
-              <a:t>inode table</a:t>
-            </a:r>
-            <a:r>
-              <a:rPr lang="en-US" altLang="en-US" sz="2800">
-                <a:sym typeface="+mn-ea"/>
-              </a:rPr>
-              <a:t>是空的</a:t>
-            </a:r>
-            <a:endParaRPr lang="" altLang="en-US" sz="2800"/>
+              <a:t>知道哪些inode table是空的</a:t>
+            </a:r>
+            <a:endParaRPr lang="en-US" altLang="en-US" sz="2800"/>
           </a:p>
           <a:p>
             <a:pPr algn="l"/>
             <a:r>
-              <a:rPr lang="" altLang="en-US" sz="2800" b="1">
+              <a:rPr lang="en-US" altLang="en-US" sz="2800" b="1">
                 <a:solidFill>
                   <a:srgbClr val="FF0000"/>
                 </a:solidFill>
@@ -7697,30 +7706,38 @@
               <a:t>inode table</a:t>
             </a:r>
             <a:r>
-              <a:rPr lang="" altLang="en-US" sz="2800"/>
-              <a:t>:文件数据block的位置, 大小，所有者，权限，创建时间，连接数； </a:t>
-            </a:r>
-            <a:endParaRPr lang="" altLang="en-US" sz="2800"/>
+              <a:rPr lang="en-US" altLang="en-US" sz="2800"/>
+              <a:t>:</a:t>
+            </a:r>
+            <a:r>
+              <a:rPr lang="en-US" altLang="en-US" sz="2800" b="1"/>
+              <a:t>文件数据block的位置</a:t>
+            </a:r>
+            <a:r>
+              <a:rPr lang="en-US" altLang="en-US" sz="2800"/>
+              <a:t>, 大小，所有者，权限，创建时间，连接数； </a:t>
+            </a:r>
+            <a:endParaRPr lang="en-US" altLang="en-US" sz="2800"/>
           </a:p>
           <a:p>
             <a:pPr algn="l"/>
             <a:r>
-              <a:rPr lang="" altLang="en-US" sz="2800" b="1">
+              <a:rPr lang="en-US" altLang="en-US" sz="2800" b="1">
                 <a:solidFill>
                   <a:srgbClr val="FF0000"/>
                 </a:solidFill>
               </a:rPr>
               <a:t>inode与文件个数一一对应，多少个inode理论上可以支持创建多少个文件</a:t>
             </a:r>
-            <a:endParaRPr lang="" altLang="en-US" sz="2800"/>
+            <a:endParaRPr lang="en-US" altLang="en-US" sz="2800"/>
           </a:p>
           <a:p>
             <a:pPr algn="l"/>
             <a:r>
-              <a:rPr lang="" altLang="en-US" sz="2800"/>
+              <a:rPr lang="en-US" altLang="en-US" sz="2800"/>
               <a:t>data block:存放数据</a:t>
             </a:r>
-            <a:endParaRPr lang="" altLang="en-US" sz="2800"/>
+            <a:endParaRPr lang="en-US" altLang="en-US" sz="2800"/>
           </a:p>
         </p:txBody>
       </p:sp>
@@ -7760,10 +7777,10 @@
           <a:p>
             <a:pPr algn="ctr"/>
             <a:r>
-              <a:rPr lang="" altLang="en-US"/>
+              <a:rPr lang="en-US" altLang="en-US"/>
               <a:t>GDT</a:t>
             </a:r>
-            <a:endParaRPr lang="" altLang="en-US"/>
+            <a:endParaRPr lang="en-US" altLang="en-US"/>
           </a:p>
         </p:txBody>
       </p:sp>
@@ -7803,18 +7820,18 @@
           <a:p>
             <a:pPr algn="ctr"/>
             <a:r>
-              <a:rPr lang="" altLang="en-US"/>
+              <a:rPr lang="en-US" altLang="en-US"/>
               <a:t>block</a:t>
             </a:r>
-            <a:endParaRPr lang="" altLang="en-US"/>
+            <a:endParaRPr lang="en-US" altLang="en-US"/>
           </a:p>
           <a:p>
             <a:pPr algn="ctr"/>
             <a:r>
-              <a:rPr lang="" altLang="en-US"/>
+              <a:rPr lang="en-US" altLang="en-US"/>
               <a:t>bitmap</a:t>
             </a:r>
-            <a:endParaRPr lang="" altLang="en-US"/>
+            <a:endParaRPr lang="en-US" altLang="en-US"/>
           </a:p>
         </p:txBody>
       </p:sp>
@@ -7854,7 +7871,7 @@
           <a:p>
             <a:pPr algn="ctr"/>
             <a:r>
-              <a:rPr lang="" altLang="en-US"/>
+              <a:rPr lang="en-US" altLang="en-US"/>
               <a:t>inode</a:t>
             </a:r>
             <a:endParaRPr lang="en-US" altLang="en-US"/>
@@ -7913,10 +7930,10 @@
           <a:p>
             <a:pPr algn="ctr"/>
             <a:r>
-              <a:rPr lang="" altLang="en-US"/>
+              <a:rPr lang="en-US" altLang="en-US"/>
               <a:t>table</a:t>
             </a:r>
-            <a:endParaRPr lang="" altLang="en-US"/>
+            <a:endParaRPr lang="en-US" altLang="en-US"/>
           </a:p>
         </p:txBody>
       </p:sp>
@@ -7956,18 +7973,18 @@
           <a:p>
             <a:pPr algn="ctr"/>
             <a:r>
-              <a:rPr lang="" altLang="en-US"/>
+              <a:rPr lang="en-US" altLang="en-US"/>
               <a:t>data</a:t>
             </a:r>
-            <a:endParaRPr lang="" altLang="en-US"/>
+            <a:endParaRPr lang="en-US" altLang="en-US"/>
           </a:p>
           <a:p>
             <a:pPr algn="ctr"/>
             <a:r>
-              <a:rPr lang="" altLang="en-US"/>
+              <a:rPr lang="en-US" altLang="en-US"/>
               <a:t>block</a:t>
             </a:r>
-            <a:endParaRPr lang="" altLang="en-US"/>
+            <a:endParaRPr lang="en-US" altLang="en-US"/>
           </a:p>
         </p:txBody>
       </p:sp>
@@ -8174,7 +8191,7 @@
 </p:sld>
 </file>
 
-<file path=ppt/slides/slide14.xml><?xml version="1.0" encoding="utf-8"?>
+<file path=ppt/slides/slide15.xml><?xml version="1.0" encoding="utf-8"?>
 <p:sld xmlns:a="http://schemas.openxmlformats.org/drawingml/2006/main" xmlns:r="http://schemas.openxmlformats.org/officeDocument/2006/relationships" xmlns:p="http://schemas.openxmlformats.org/presentationml/2006/main">
   <p:cSld>
     <p:spTree>
@@ -8210,20 +8227,131 @@
               <a:rPr lang="en-US" altLang="en-US" sz="2800"/>
               <a:t>四、Linux设备驱动</a:t>
             </a:r>
-            <a:endParaRPr lang="en-US" altLang="en-US" sz="2800"/>
-          </a:p>
-        </p:txBody>
-      </p:sp>
-      <p:sp>
-        <p:nvSpPr>
-          <p:cNvPr id="17" name="Rectangle 16"/>
+            <a:r>
+              <a:rPr lang="" altLang="en-US" sz="2800"/>
+              <a:t>--文件的分类</a:t>
+            </a:r>
+            <a:endParaRPr lang="" altLang="en-US" sz="2800"/>
+          </a:p>
+        </p:txBody>
+      </p:sp>
+      <p:sp>
+        <p:nvSpPr>
+          <p:cNvPr id="6" name="Title 1"/>
+          <p:cNvSpPr>
+            <a:spLocks noGrp="1"/>
+          </p:cNvSpPr>
+          <p:nvPr/>
+        </p:nvSpPr>
+        <p:spPr>
+          <a:xfrm>
+            <a:off x="808355" y="1186815"/>
+            <a:ext cx="4178300" cy="1816735"/>
+          </a:xfrm>
+          <a:prstGeom prst="rect">
+            <a:avLst/>
+          </a:prstGeom>
+        </p:spPr>
+        <p:txBody>
+          <a:bodyPr vert="horz" lIns="91440" tIns="45720" rIns="91440" bIns="45720" rtlCol="0" anchor="b"/>
+          <a:lstStyle>
+            <a:lvl1pPr algn="ctr" defTabSz="914400" rtl="0" eaLnBrk="1" latinLnBrk="0" hangingPunct="1">
+              <a:lnSpc>
+                <a:spcPct val="130000"/>
+              </a:lnSpc>
+              <a:spcBef>
+                <a:spcPct val="0"/>
+              </a:spcBef>
+              <a:buNone/>
+              <a:defRPr sz="6000" kern="1200">
+                <a:solidFill>
+                  <a:schemeClr val="tx1"/>
+                </a:solidFill>
+                <a:effectLst>
+                  <a:outerShdw blurRad="38100" dist="38100" dir="2700000" algn="tl">
+                    <a:srgbClr val="000000">
+                      <a:alpha val="43137"/>
+                    </a:srgbClr>
+                  </a:outerShdw>
+                </a:effectLst>
+                <a:latin typeface="+mj-lt"/>
+                <a:ea typeface="+mj-ea"/>
+                <a:cs typeface="+mj-cs"/>
+              </a:defRPr>
+            </a:lvl1pPr>
+          </a:lstStyle>
+          <a:p>
+            <a:pPr algn="l"/>
+            <a:r>
+              <a:rPr lang="" altLang="en-US" sz="1800"/>
+              <a:t>（1）</a:t>
+            </a:r>
+            <a:r>
+              <a:rPr lang="en-US" altLang="en-US" sz="1800">
+                <a:sym typeface="+mn-ea"/>
+              </a:rPr>
+              <a:t>普通文件</a:t>
+            </a:r>
+            <a:r>
+              <a:rPr lang="" altLang="en-US" sz="1800"/>
+              <a:t>；</a:t>
+            </a:r>
+            <a:endParaRPr lang="" altLang="en-US" sz="1800"/>
+          </a:p>
+          <a:p>
+            <a:pPr algn="l"/>
+            <a:r>
+              <a:rPr lang="" altLang="en-US" sz="1800"/>
+              <a:t>（2）</a:t>
+            </a:r>
+            <a:r>
+              <a:rPr lang="en-US" altLang="en-US" sz="1800">
+                <a:sym typeface="+mn-ea"/>
+              </a:rPr>
+              <a:t>目录文件</a:t>
+            </a:r>
+            <a:r>
+              <a:rPr lang="" altLang="en-US" sz="1800"/>
+              <a:t>； </a:t>
+            </a:r>
+            <a:endParaRPr lang="" altLang="en-US" sz="1800"/>
+          </a:p>
+          <a:p>
+            <a:pPr algn="l"/>
+            <a:r>
+              <a:rPr lang="" altLang="en-US" sz="1800"/>
+              <a:t>（3）链接（软链接、硬链接）； </a:t>
+            </a:r>
+            <a:endParaRPr lang="" altLang="en-US" sz="1800"/>
+          </a:p>
+          <a:p>
+            <a:pPr algn="l"/>
+            <a:r>
+              <a:rPr lang="" altLang="en-US" sz="1800"/>
+              <a:t>（4）块设备文件; </a:t>
+            </a:r>
+            <a:endParaRPr lang="" altLang="en-US" sz="1800"/>
+          </a:p>
+          <a:p>
+            <a:pPr algn="l"/>
+            <a:r>
+              <a:rPr lang="" altLang="en-US" sz="1800"/>
+              <a:t>（5）字符设备文件</a:t>
+            </a:r>
+            <a:endParaRPr lang="" altLang="en-US" sz="1800"/>
+          </a:p>
+        </p:txBody>
+      </p:sp>
+      <p:sp>
+        <p:nvSpPr>
+          <p:cNvPr id="43" name="Rectangle 42"/>
           <p:cNvSpPr/>
           <p:nvPr/>
         </p:nvSpPr>
         <p:spPr>
           <a:xfrm>
-            <a:off x="1229995" y="1450975"/>
-            <a:ext cx="8520430" cy="557530"/>
+            <a:off x="907415" y="3270250"/>
+            <a:ext cx="1539875" cy="387350"/>
           </a:xfrm>
           <a:prstGeom prst="rect">
             <a:avLst/>
@@ -8248,29 +8376,30 @@
         <p:txBody>
           <a:bodyPr rtlCol="0" anchor="ctr"/>
           <a:p>
-            <a:pPr algn="l"/>
-            <a:r>
-              <a:rPr lang="en-US" altLang="en-US"/>
-              <a:t>1、字符设备</a:t>
-            </a:r>
-            <a:endParaRPr lang="en-US" altLang="en-US"/>
-          </a:p>
-        </p:txBody>
-      </p:sp>
-      <p:sp>
-        <p:nvSpPr>
-          <p:cNvPr id="18" name="Rectangle 17"/>
+            <a:pPr algn="ctr"/>
+            <a:r>
+              <a:rPr lang="" altLang="en-US"/>
+              <a:t>普通文件</a:t>
+            </a:r>
+            <a:endParaRPr lang="" altLang="en-US"/>
+          </a:p>
+        </p:txBody>
+      </p:sp>
+      <p:sp>
+        <p:nvSpPr>
+          <p:cNvPr id="44" name="Rectangle 43"/>
           <p:cNvSpPr/>
           <p:nvPr/>
         </p:nvSpPr>
         <p:spPr>
           <a:xfrm>
-            <a:off x="1229995" y="2167255"/>
-            <a:ext cx="8520430" cy="557530"/>
-          </a:xfrm>
-          <a:prstGeom prst="rect">
-            <a:avLst/>
-          </a:prstGeom>
+            <a:off x="907415" y="4022725"/>
+            <a:ext cx="1539875" cy="387985"/>
+          </a:xfrm>
+          <a:prstGeom prst="rect">
+            <a:avLst/>
+          </a:prstGeom>
+          <a:ln w="15875"/>
         </p:spPr>
         <p:style>
           <a:lnRef idx="2">
@@ -8291,12 +8420,1243 @@
         <p:txBody>
           <a:bodyPr rtlCol="0" anchor="ctr"/>
           <a:p>
+            <a:pPr algn="ctr"/>
+            <a:r>
+              <a:rPr lang="" altLang="en-US"/>
+              <a:t>inode</a:t>
+            </a:r>
+            <a:endParaRPr lang="" altLang="en-US"/>
+          </a:p>
+        </p:txBody>
+      </p:sp>
+      <p:sp>
+        <p:nvSpPr>
+          <p:cNvPr id="46" name="Rectangle 45"/>
+          <p:cNvSpPr/>
+          <p:nvPr/>
+        </p:nvSpPr>
+        <p:spPr>
+          <a:xfrm>
+            <a:off x="907415" y="4807585"/>
+            <a:ext cx="1539875" cy="387985"/>
+          </a:xfrm>
+          <a:prstGeom prst="rect">
+            <a:avLst/>
+          </a:prstGeom>
+          <a:ln w="15875"/>
+        </p:spPr>
+        <p:style>
+          <a:lnRef idx="2">
+            <a:schemeClr val="accent1">
+              <a:shade val="50000"/>
+            </a:schemeClr>
+          </a:lnRef>
+          <a:fillRef idx="1">
+            <a:schemeClr val="accent1"/>
+          </a:fillRef>
+          <a:effectRef idx="0">
+            <a:schemeClr val="accent1"/>
+          </a:effectRef>
+          <a:fontRef idx="minor">
+            <a:schemeClr val="lt1"/>
+          </a:fontRef>
+        </p:style>
+        <p:txBody>
+          <a:bodyPr rtlCol="0" anchor="ctr"/>
+          <a:p>
+            <a:pPr algn="ctr"/>
+            <a:r>
+              <a:rPr lang="" altLang="en-US"/>
+              <a:t>存盘block</a:t>
+            </a:r>
+            <a:endParaRPr lang="" altLang="en-US"/>
+          </a:p>
+        </p:txBody>
+      </p:sp>
+      <p:sp>
+        <p:nvSpPr>
+          <p:cNvPr id="47" name="Rectangle 46"/>
+          <p:cNvSpPr/>
+          <p:nvPr/>
+        </p:nvSpPr>
+        <p:spPr>
+          <a:xfrm>
+            <a:off x="907415" y="5581650"/>
+            <a:ext cx="1539875" cy="387985"/>
+          </a:xfrm>
+          <a:prstGeom prst="rect">
+            <a:avLst/>
+          </a:prstGeom>
+        </p:spPr>
+        <p:style>
+          <a:lnRef idx="2">
+            <a:schemeClr val="accent1">
+              <a:shade val="50000"/>
+            </a:schemeClr>
+          </a:lnRef>
+          <a:fillRef idx="1">
+            <a:schemeClr val="accent1"/>
+          </a:fillRef>
+          <a:effectRef idx="0">
+            <a:schemeClr val="accent1"/>
+          </a:effectRef>
+          <a:fontRef idx="minor">
+            <a:schemeClr val="lt1"/>
+          </a:fontRef>
+        </p:style>
+        <p:txBody>
+          <a:bodyPr rtlCol="0" anchor="ctr"/>
+          <a:p>
+            <a:pPr algn="ctr"/>
+            <a:r>
+              <a:rPr lang="" altLang="en-US"/>
+              <a:t>文件内容</a:t>
+            </a:r>
+            <a:endParaRPr lang="" altLang="en-US"/>
+          </a:p>
+        </p:txBody>
+      </p:sp>
+      <p:cxnSp>
+        <p:nvCxnSpPr>
+          <p:cNvPr id="48" name="Straight Arrow Connector 47"/>
+          <p:cNvCxnSpPr>
+            <a:stCxn id="43" idx="2"/>
+            <a:endCxn id="44" idx="0"/>
+          </p:cNvCxnSpPr>
+          <p:nvPr/>
+        </p:nvCxnSpPr>
+        <p:spPr>
+          <a:xfrm>
+            <a:off x="1677670" y="3667760"/>
+            <a:ext cx="0" cy="365125"/>
+          </a:xfrm>
+          <a:prstGeom prst="straightConnector1">
+            <a:avLst/>
+          </a:prstGeom>
+          <a:ln w="31750">
+            <a:tailEnd type="arrow"/>
+          </a:ln>
+        </p:spPr>
+        <p:style>
+          <a:lnRef idx="1">
+            <a:schemeClr val="accent1"/>
+          </a:lnRef>
+          <a:fillRef idx="0">
+            <a:schemeClr val="accent1"/>
+          </a:fillRef>
+          <a:effectRef idx="0">
+            <a:schemeClr val="accent1"/>
+          </a:effectRef>
+          <a:fontRef idx="minor">
+            <a:schemeClr val="tx1"/>
+          </a:fontRef>
+        </p:style>
+      </p:cxnSp>
+      <p:cxnSp>
+        <p:nvCxnSpPr>
+          <p:cNvPr id="51" name="Straight Arrow Connector 50"/>
+          <p:cNvCxnSpPr/>
+          <p:nvPr/>
+        </p:nvCxnSpPr>
+        <p:spPr>
+          <a:xfrm>
+            <a:off x="1677670" y="4410710"/>
+            <a:ext cx="0" cy="365125"/>
+          </a:xfrm>
+          <a:prstGeom prst="straightConnector1">
+            <a:avLst/>
+          </a:prstGeom>
+          <a:ln w="31750">
+            <a:tailEnd type="arrow"/>
+          </a:ln>
+        </p:spPr>
+        <p:style>
+          <a:lnRef idx="1">
+            <a:schemeClr val="accent1"/>
+          </a:lnRef>
+          <a:fillRef idx="0">
+            <a:schemeClr val="accent1"/>
+          </a:fillRef>
+          <a:effectRef idx="0">
+            <a:schemeClr val="accent1"/>
+          </a:effectRef>
+          <a:fontRef idx="minor">
+            <a:schemeClr val="tx1"/>
+          </a:fontRef>
+        </p:style>
+      </p:cxnSp>
+      <p:cxnSp>
+        <p:nvCxnSpPr>
+          <p:cNvPr id="52" name="Straight Arrow Connector 51"/>
+          <p:cNvCxnSpPr/>
+          <p:nvPr/>
+        </p:nvCxnSpPr>
+        <p:spPr>
+          <a:xfrm>
+            <a:off x="1677035" y="5216525"/>
+            <a:ext cx="0" cy="365125"/>
+          </a:xfrm>
+          <a:prstGeom prst="straightConnector1">
+            <a:avLst/>
+          </a:prstGeom>
+          <a:ln w="31750">
+            <a:tailEnd type="arrow"/>
+          </a:ln>
+        </p:spPr>
+        <p:style>
+          <a:lnRef idx="1">
+            <a:schemeClr val="accent1"/>
+          </a:lnRef>
+          <a:fillRef idx="0">
+            <a:schemeClr val="accent1"/>
+          </a:fillRef>
+          <a:effectRef idx="0">
+            <a:schemeClr val="accent1"/>
+          </a:effectRef>
+          <a:fontRef idx="minor">
+            <a:schemeClr val="tx1"/>
+          </a:fontRef>
+        </p:style>
+      </p:cxnSp>
+      <p:sp>
+        <p:nvSpPr>
+          <p:cNvPr id="53" name="Rectangle 52"/>
+          <p:cNvSpPr/>
+          <p:nvPr/>
+        </p:nvSpPr>
+        <p:spPr>
+          <a:xfrm>
+            <a:off x="3103245" y="3270250"/>
+            <a:ext cx="1539875" cy="387350"/>
+          </a:xfrm>
+          <a:prstGeom prst="rect">
+            <a:avLst/>
+          </a:prstGeom>
+        </p:spPr>
+        <p:style>
+          <a:lnRef idx="2">
+            <a:schemeClr val="accent1">
+              <a:shade val="50000"/>
+            </a:schemeClr>
+          </a:lnRef>
+          <a:fillRef idx="1">
+            <a:schemeClr val="accent1"/>
+          </a:fillRef>
+          <a:effectRef idx="0">
+            <a:schemeClr val="accent1"/>
+          </a:effectRef>
+          <a:fontRef idx="minor">
+            <a:schemeClr val="lt1"/>
+          </a:fontRef>
+        </p:style>
+        <p:txBody>
+          <a:bodyPr rtlCol="0" anchor="ctr"/>
+          <a:p>
+            <a:pPr algn="ctr"/>
+            <a:r>
+              <a:rPr lang="" altLang="en-US"/>
+              <a:t>目录</a:t>
+            </a:r>
+            <a:r>
+              <a:rPr lang="en-US" altLang="en-US"/>
+              <a:t>文件</a:t>
+            </a:r>
+            <a:endParaRPr lang="en-US" altLang="en-US"/>
+          </a:p>
+        </p:txBody>
+      </p:sp>
+      <p:sp>
+        <p:nvSpPr>
+          <p:cNvPr id="54" name="Rectangle 53"/>
+          <p:cNvSpPr/>
+          <p:nvPr/>
+        </p:nvSpPr>
+        <p:spPr>
+          <a:xfrm>
+            <a:off x="3103245" y="4022725"/>
+            <a:ext cx="1539875" cy="387985"/>
+          </a:xfrm>
+          <a:prstGeom prst="rect">
+            <a:avLst/>
+          </a:prstGeom>
+          <a:ln w="15875"/>
+        </p:spPr>
+        <p:style>
+          <a:lnRef idx="2">
+            <a:schemeClr val="accent1">
+              <a:shade val="50000"/>
+            </a:schemeClr>
+          </a:lnRef>
+          <a:fillRef idx="1">
+            <a:schemeClr val="accent1"/>
+          </a:fillRef>
+          <a:effectRef idx="0">
+            <a:schemeClr val="accent1"/>
+          </a:effectRef>
+          <a:fontRef idx="minor">
+            <a:schemeClr val="lt1"/>
+          </a:fontRef>
+        </p:style>
+        <p:txBody>
+          <a:bodyPr rtlCol="0" anchor="ctr"/>
+          <a:p>
+            <a:pPr algn="ctr"/>
+            <a:r>
+              <a:rPr lang="en-US" altLang="en-US"/>
+              <a:t>inode</a:t>
+            </a:r>
+            <a:endParaRPr lang="en-US" altLang="en-US"/>
+          </a:p>
+        </p:txBody>
+      </p:sp>
+      <p:sp>
+        <p:nvSpPr>
+          <p:cNvPr id="55" name="Rectangle 54"/>
+          <p:cNvSpPr/>
+          <p:nvPr/>
+        </p:nvSpPr>
+        <p:spPr>
+          <a:xfrm>
+            <a:off x="3103245" y="4807585"/>
+            <a:ext cx="1539875" cy="387985"/>
+          </a:xfrm>
+          <a:prstGeom prst="rect">
+            <a:avLst/>
+          </a:prstGeom>
+          <a:ln w="15875"/>
+        </p:spPr>
+        <p:style>
+          <a:lnRef idx="2">
+            <a:schemeClr val="accent1">
+              <a:shade val="50000"/>
+            </a:schemeClr>
+          </a:lnRef>
+          <a:fillRef idx="1">
+            <a:schemeClr val="accent1"/>
+          </a:fillRef>
+          <a:effectRef idx="0">
+            <a:schemeClr val="accent1"/>
+          </a:effectRef>
+          <a:fontRef idx="minor">
+            <a:schemeClr val="lt1"/>
+          </a:fontRef>
+        </p:style>
+        <p:txBody>
+          <a:bodyPr rtlCol="0" anchor="ctr"/>
+          <a:p>
+            <a:pPr algn="ctr"/>
+            <a:r>
+              <a:rPr lang="en-US" altLang="en-US"/>
+              <a:t>存盘block</a:t>
+            </a:r>
+            <a:endParaRPr lang="en-US" altLang="en-US"/>
+          </a:p>
+        </p:txBody>
+      </p:sp>
+      <p:sp>
+        <p:nvSpPr>
+          <p:cNvPr id="56" name="Rectangle 55"/>
+          <p:cNvSpPr/>
+          <p:nvPr/>
+        </p:nvSpPr>
+        <p:spPr>
+          <a:xfrm>
+            <a:off x="3103245" y="5581650"/>
+            <a:ext cx="1539875" cy="896620"/>
+          </a:xfrm>
+          <a:prstGeom prst="rect">
+            <a:avLst/>
+          </a:prstGeom>
+        </p:spPr>
+        <p:style>
+          <a:lnRef idx="2">
+            <a:schemeClr val="accent1">
+              <a:shade val="50000"/>
+            </a:schemeClr>
+          </a:lnRef>
+          <a:fillRef idx="1">
+            <a:schemeClr val="accent1"/>
+          </a:fillRef>
+          <a:effectRef idx="0">
+            <a:schemeClr val="accent1"/>
+          </a:effectRef>
+          <a:fontRef idx="minor">
+            <a:schemeClr val="lt1"/>
+          </a:fontRef>
+        </p:style>
+        <p:txBody>
+          <a:bodyPr rtlCol="0" anchor="ctr"/>
+          <a:p>
+            <a:pPr algn="ctr"/>
+            <a:r>
+              <a:rPr lang="" altLang="en-US" sz="1400"/>
+              <a:t>当前目录</a:t>
+            </a:r>
+            <a:endParaRPr lang="" altLang="en-US" sz="1400"/>
+          </a:p>
+          <a:p>
+            <a:pPr algn="ctr"/>
+            <a:r>
+              <a:rPr lang="" altLang="en-US" sz="1400"/>
+              <a:t>上级目录</a:t>
+            </a:r>
+            <a:endParaRPr lang="" altLang="en-US" sz="1400"/>
+          </a:p>
+          <a:p>
+            <a:pPr algn="ctr"/>
+            <a:r>
+              <a:rPr lang="" altLang="en-US" sz="1400"/>
+              <a:t>下级目录</a:t>
+            </a:r>
+            <a:endParaRPr lang="" altLang="en-US" sz="1400"/>
+          </a:p>
+          <a:p>
+            <a:pPr algn="ctr"/>
+            <a:r>
+              <a:rPr lang="" altLang="en-US" sz="1400"/>
+              <a:t>文件列表</a:t>
+            </a:r>
+            <a:endParaRPr lang="" altLang="en-US" sz="1400"/>
+          </a:p>
+        </p:txBody>
+      </p:sp>
+      <p:cxnSp>
+        <p:nvCxnSpPr>
+          <p:cNvPr id="57" name="Straight Arrow Connector 56"/>
+          <p:cNvCxnSpPr>
+            <a:stCxn id="53" idx="2"/>
+            <a:endCxn id="54" idx="0"/>
+          </p:cNvCxnSpPr>
+          <p:nvPr/>
+        </p:nvCxnSpPr>
+        <p:spPr>
+          <a:xfrm>
+            <a:off x="3873500" y="3667760"/>
+            <a:ext cx="0" cy="365125"/>
+          </a:xfrm>
+          <a:prstGeom prst="straightConnector1">
+            <a:avLst/>
+          </a:prstGeom>
+          <a:ln w="31750">
+            <a:tailEnd type="arrow"/>
+          </a:ln>
+        </p:spPr>
+        <p:style>
+          <a:lnRef idx="1">
+            <a:schemeClr val="accent1"/>
+          </a:lnRef>
+          <a:fillRef idx="0">
+            <a:schemeClr val="accent1"/>
+          </a:fillRef>
+          <a:effectRef idx="0">
+            <a:schemeClr val="accent1"/>
+          </a:effectRef>
+          <a:fontRef idx="minor">
+            <a:schemeClr val="tx1"/>
+          </a:fontRef>
+        </p:style>
+      </p:cxnSp>
+      <p:cxnSp>
+        <p:nvCxnSpPr>
+          <p:cNvPr id="58" name="Straight Arrow Connector 57"/>
+          <p:cNvCxnSpPr/>
+          <p:nvPr/>
+        </p:nvCxnSpPr>
+        <p:spPr>
+          <a:xfrm>
+            <a:off x="3873500" y="4410710"/>
+            <a:ext cx="0" cy="365125"/>
+          </a:xfrm>
+          <a:prstGeom prst="straightConnector1">
+            <a:avLst/>
+          </a:prstGeom>
+          <a:ln w="31750">
+            <a:tailEnd type="arrow"/>
+          </a:ln>
+        </p:spPr>
+        <p:style>
+          <a:lnRef idx="1">
+            <a:schemeClr val="accent1"/>
+          </a:lnRef>
+          <a:fillRef idx="0">
+            <a:schemeClr val="accent1"/>
+          </a:fillRef>
+          <a:effectRef idx="0">
+            <a:schemeClr val="accent1"/>
+          </a:effectRef>
+          <a:fontRef idx="minor">
+            <a:schemeClr val="tx1"/>
+          </a:fontRef>
+        </p:style>
+      </p:cxnSp>
+      <p:cxnSp>
+        <p:nvCxnSpPr>
+          <p:cNvPr id="59" name="Straight Arrow Connector 58"/>
+          <p:cNvCxnSpPr/>
+          <p:nvPr/>
+        </p:nvCxnSpPr>
+        <p:spPr>
+          <a:xfrm>
+            <a:off x="3872865" y="5216525"/>
+            <a:ext cx="0" cy="365125"/>
+          </a:xfrm>
+          <a:prstGeom prst="straightConnector1">
+            <a:avLst/>
+          </a:prstGeom>
+          <a:ln w="31750">
+            <a:tailEnd type="arrow"/>
+          </a:ln>
+        </p:spPr>
+        <p:style>
+          <a:lnRef idx="1">
+            <a:schemeClr val="accent1"/>
+          </a:lnRef>
+          <a:fillRef idx="0">
+            <a:schemeClr val="accent1"/>
+          </a:fillRef>
+          <a:effectRef idx="0">
+            <a:schemeClr val="accent1"/>
+          </a:effectRef>
+          <a:fontRef idx="minor">
+            <a:schemeClr val="tx1"/>
+          </a:fontRef>
+        </p:style>
+      </p:cxnSp>
+      <p:sp>
+        <p:nvSpPr>
+          <p:cNvPr id="63" name="Rectangle 62"/>
+          <p:cNvSpPr/>
+          <p:nvPr/>
+        </p:nvSpPr>
+        <p:spPr>
+          <a:xfrm>
+            <a:off x="4828540" y="3270250"/>
+            <a:ext cx="1539875" cy="387350"/>
+          </a:xfrm>
+          <a:prstGeom prst="rect">
+            <a:avLst/>
+          </a:prstGeom>
+        </p:spPr>
+        <p:style>
+          <a:lnRef idx="2">
+            <a:schemeClr val="accent1">
+              <a:shade val="50000"/>
+            </a:schemeClr>
+          </a:lnRef>
+          <a:fillRef idx="1">
+            <a:schemeClr val="accent1"/>
+          </a:fillRef>
+          <a:effectRef idx="0">
+            <a:schemeClr val="accent1"/>
+          </a:effectRef>
+          <a:fontRef idx="minor">
+            <a:schemeClr val="lt1"/>
+          </a:fontRef>
+        </p:style>
+        <p:txBody>
+          <a:bodyPr rtlCol="0" anchor="ctr"/>
+          <a:p>
+            <a:pPr algn="ctr"/>
+            <a:r>
+              <a:rPr lang="" altLang="en-US"/>
+              <a:t>硬链接</a:t>
+            </a:r>
+            <a:endParaRPr lang="" altLang="en-US"/>
+          </a:p>
+        </p:txBody>
+      </p:sp>
+      <p:sp>
+        <p:nvSpPr>
+          <p:cNvPr id="64" name="Rectangle 63"/>
+          <p:cNvSpPr/>
+          <p:nvPr/>
+        </p:nvSpPr>
+        <p:spPr>
+          <a:xfrm>
+            <a:off x="5326380" y="4022725"/>
+            <a:ext cx="1539875" cy="387985"/>
+          </a:xfrm>
+          <a:prstGeom prst="rect">
+            <a:avLst/>
+          </a:prstGeom>
+          <a:ln w="15875"/>
+        </p:spPr>
+        <p:style>
+          <a:lnRef idx="2">
+            <a:schemeClr val="accent1">
+              <a:shade val="50000"/>
+            </a:schemeClr>
+          </a:lnRef>
+          <a:fillRef idx="1">
+            <a:schemeClr val="accent1"/>
+          </a:fillRef>
+          <a:effectRef idx="0">
+            <a:schemeClr val="accent1"/>
+          </a:effectRef>
+          <a:fontRef idx="minor">
+            <a:schemeClr val="lt1"/>
+          </a:fontRef>
+        </p:style>
+        <p:txBody>
+          <a:bodyPr rtlCol="0" anchor="ctr"/>
+          <a:p>
+            <a:pPr algn="ctr"/>
+            <a:r>
+              <a:rPr lang="en-US" altLang="en-US"/>
+              <a:t>inode</a:t>
+            </a:r>
+            <a:endParaRPr lang="en-US" altLang="en-US"/>
+          </a:p>
+        </p:txBody>
+      </p:sp>
+      <p:sp>
+        <p:nvSpPr>
+          <p:cNvPr id="65" name="Rectangle 64"/>
+          <p:cNvSpPr/>
+          <p:nvPr/>
+        </p:nvSpPr>
+        <p:spPr>
+          <a:xfrm>
+            <a:off x="5326380" y="4807585"/>
+            <a:ext cx="1539875" cy="387985"/>
+          </a:xfrm>
+          <a:prstGeom prst="rect">
+            <a:avLst/>
+          </a:prstGeom>
+          <a:ln w="15875"/>
+        </p:spPr>
+        <p:style>
+          <a:lnRef idx="2">
+            <a:schemeClr val="accent1">
+              <a:shade val="50000"/>
+            </a:schemeClr>
+          </a:lnRef>
+          <a:fillRef idx="1">
+            <a:schemeClr val="accent1"/>
+          </a:fillRef>
+          <a:effectRef idx="0">
+            <a:schemeClr val="accent1"/>
+          </a:effectRef>
+          <a:fontRef idx="minor">
+            <a:schemeClr val="lt1"/>
+          </a:fontRef>
+        </p:style>
+        <p:txBody>
+          <a:bodyPr rtlCol="0" anchor="ctr"/>
+          <a:p>
+            <a:pPr algn="ctr"/>
+            <a:r>
+              <a:rPr lang="en-US" altLang="en-US"/>
+              <a:t>存盘block</a:t>
+            </a:r>
+            <a:endParaRPr lang="en-US" altLang="en-US"/>
+          </a:p>
+        </p:txBody>
+      </p:sp>
+      <p:sp>
+        <p:nvSpPr>
+          <p:cNvPr id="66" name="Rectangle 65"/>
+          <p:cNvSpPr/>
+          <p:nvPr/>
+        </p:nvSpPr>
+        <p:spPr>
+          <a:xfrm>
+            <a:off x="5326380" y="5581650"/>
+            <a:ext cx="1539875" cy="387985"/>
+          </a:xfrm>
+          <a:prstGeom prst="rect">
+            <a:avLst/>
+          </a:prstGeom>
+        </p:spPr>
+        <p:style>
+          <a:lnRef idx="2">
+            <a:schemeClr val="accent1">
+              <a:shade val="50000"/>
+            </a:schemeClr>
+          </a:lnRef>
+          <a:fillRef idx="1">
+            <a:schemeClr val="accent1"/>
+          </a:fillRef>
+          <a:effectRef idx="0">
+            <a:schemeClr val="accent1"/>
+          </a:effectRef>
+          <a:fontRef idx="minor">
+            <a:schemeClr val="lt1"/>
+          </a:fontRef>
+        </p:style>
+        <p:txBody>
+          <a:bodyPr rtlCol="0" anchor="ctr"/>
+          <a:p>
+            <a:pPr algn="ctr"/>
+            <a:r>
+              <a:rPr lang="en-US" altLang="en-US"/>
+              <a:t>文件内容</a:t>
+            </a:r>
+            <a:endParaRPr lang="en-US" altLang="en-US"/>
+          </a:p>
+        </p:txBody>
+      </p:sp>
+      <p:cxnSp>
+        <p:nvCxnSpPr>
+          <p:cNvPr id="67" name="Straight Arrow Connector 66"/>
+          <p:cNvCxnSpPr>
+            <a:stCxn id="63" idx="2"/>
+            <a:endCxn id="64" idx="0"/>
+          </p:cNvCxnSpPr>
+          <p:nvPr/>
+        </p:nvCxnSpPr>
+        <p:spPr>
+          <a:xfrm>
+            <a:off x="5608955" y="3657600"/>
+            <a:ext cx="497840" cy="365125"/>
+          </a:xfrm>
+          <a:prstGeom prst="straightConnector1">
+            <a:avLst/>
+          </a:prstGeom>
+          <a:ln w="31750">
+            <a:tailEnd type="arrow"/>
+          </a:ln>
+        </p:spPr>
+        <p:style>
+          <a:lnRef idx="1">
+            <a:schemeClr val="accent1"/>
+          </a:lnRef>
+          <a:fillRef idx="0">
+            <a:schemeClr val="accent1"/>
+          </a:fillRef>
+          <a:effectRef idx="0">
+            <a:schemeClr val="accent1"/>
+          </a:effectRef>
+          <a:fontRef idx="minor">
+            <a:schemeClr val="tx1"/>
+          </a:fontRef>
+        </p:style>
+      </p:cxnSp>
+      <p:cxnSp>
+        <p:nvCxnSpPr>
+          <p:cNvPr id="68" name="Straight Arrow Connector 67"/>
+          <p:cNvCxnSpPr/>
+          <p:nvPr/>
+        </p:nvCxnSpPr>
+        <p:spPr>
+          <a:xfrm>
+            <a:off x="6096635" y="4410710"/>
+            <a:ext cx="0" cy="365125"/>
+          </a:xfrm>
+          <a:prstGeom prst="straightConnector1">
+            <a:avLst/>
+          </a:prstGeom>
+          <a:ln w="31750">
+            <a:tailEnd type="arrow"/>
+          </a:ln>
+        </p:spPr>
+        <p:style>
+          <a:lnRef idx="1">
+            <a:schemeClr val="accent1"/>
+          </a:lnRef>
+          <a:fillRef idx="0">
+            <a:schemeClr val="accent1"/>
+          </a:fillRef>
+          <a:effectRef idx="0">
+            <a:schemeClr val="accent1"/>
+          </a:effectRef>
+          <a:fontRef idx="minor">
+            <a:schemeClr val="tx1"/>
+          </a:fontRef>
+        </p:style>
+      </p:cxnSp>
+      <p:cxnSp>
+        <p:nvCxnSpPr>
+          <p:cNvPr id="69" name="Straight Arrow Connector 68"/>
+          <p:cNvCxnSpPr/>
+          <p:nvPr/>
+        </p:nvCxnSpPr>
+        <p:spPr>
+          <a:xfrm>
+            <a:off x="6096000" y="5216525"/>
+            <a:ext cx="0" cy="365125"/>
+          </a:xfrm>
+          <a:prstGeom prst="straightConnector1">
+            <a:avLst/>
+          </a:prstGeom>
+          <a:ln w="31750">
+            <a:tailEnd type="arrow"/>
+          </a:ln>
+        </p:spPr>
+        <p:style>
+          <a:lnRef idx="1">
+            <a:schemeClr val="accent1"/>
+          </a:lnRef>
+          <a:fillRef idx="0">
+            <a:schemeClr val="accent1"/>
+          </a:fillRef>
+          <a:effectRef idx="0">
+            <a:schemeClr val="accent1"/>
+          </a:effectRef>
+          <a:fontRef idx="minor">
+            <a:schemeClr val="tx1"/>
+          </a:fontRef>
+        </p:style>
+      </p:cxnSp>
+      <p:sp>
+        <p:nvSpPr>
+          <p:cNvPr id="70" name="Rectangle 69"/>
+          <p:cNvSpPr/>
+          <p:nvPr/>
+        </p:nvSpPr>
+        <p:spPr>
+          <a:xfrm>
+            <a:off x="8184515" y="3280410"/>
+            <a:ext cx="1539875" cy="387350"/>
+          </a:xfrm>
+          <a:prstGeom prst="rect">
+            <a:avLst/>
+          </a:prstGeom>
+        </p:spPr>
+        <p:style>
+          <a:lnRef idx="2">
+            <a:schemeClr val="accent1">
+              <a:shade val="50000"/>
+            </a:schemeClr>
+          </a:lnRef>
+          <a:fillRef idx="1">
+            <a:schemeClr val="accent1"/>
+          </a:fillRef>
+          <a:effectRef idx="0">
+            <a:schemeClr val="accent1"/>
+          </a:effectRef>
+          <a:fontRef idx="minor">
+            <a:schemeClr val="lt1"/>
+          </a:fontRef>
+        </p:style>
+        <p:txBody>
+          <a:bodyPr rtlCol="0" anchor="ctr"/>
+          <a:p>
+            <a:pPr algn="ctr"/>
+            <a:r>
+              <a:rPr lang="" altLang="en-US"/>
+              <a:t>软</a:t>
+            </a:r>
+            <a:r>
+              <a:rPr lang="en-US" altLang="en-US"/>
+              <a:t>链接</a:t>
+            </a:r>
+            <a:endParaRPr lang="en-US" altLang="en-US"/>
+          </a:p>
+        </p:txBody>
+      </p:sp>
+      <p:sp>
+        <p:nvSpPr>
+          <p:cNvPr id="71" name="Rectangle 70"/>
+          <p:cNvSpPr/>
+          <p:nvPr/>
+        </p:nvSpPr>
+        <p:spPr>
+          <a:xfrm>
+            <a:off x="8184515" y="4032885"/>
+            <a:ext cx="1539875" cy="387985"/>
+          </a:xfrm>
+          <a:prstGeom prst="rect">
+            <a:avLst/>
+          </a:prstGeom>
+          <a:ln w="15875"/>
+        </p:spPr>
+        <p:style>
+          <a:lnRef idx="2">
+            <a:schemeClr val="accent1">
+              <a:shade val="50000"/>
+            </a:schemeClr>
+          </a:lnRef>
+          <a:fillRef idx="1">
+            <a:schemeClr val="accent1"/>
+          </a:fillRef>
+          <a:effectRef idx="0">
+            <a:schemeClr val="accent1"/>
+          </a:effectRef>
+          <a:fontRef idx="minor">
+            <a:schemeClr val="lt1"/>
+          </a:fontRef>
+        </p:style>
+        <p:txBody>
+          <a:bodyPr rtlCol="0" anchor="ctr"/>
+          <a:p>
+            <a:pPr algn="ctr"/>
+            <a:r>
+              <a:rPr lang="en-US" altLang="en-US"/>
+              <a:t>inode</a:t>
+            </a:r>
+            <a:endParaRPr lang="en-US" altLang="en-US"/>
+          </a:p>
+        </p:txBody>
+      </p:sp>
+      <p:sp>
+        <p:nvSpPr>
+          <p:cNvPr id="72" name="Rectangle 71"/>
+          <p:cNvSpPr/>
+          <p:nvPr/>
+        </p:nvSpPr>
+        <p:spPr>
+          <a:xfrm>
+            <a:off x="8184515" y="4817745"/>
+            <a:ext cx="1539875" cy="387985"/>
+          </a:xfrm>
+          <a:prstGeom prst="rect">
+            <a:avLst/>
+          </a:prstGeom>
+          <a:ln w="15875"/>
+        </p:spPr>
+        <p:style>
+          <a:lnRef idx="2">
+            <a:schemeClr val="accent1">
+              <a:shade val="50000"/>
+            </a:schemeClr>
+          </a:lnRef>
+          <a:fillRef idx="1">
+            <a:schemeClr val="accent1"/>
+          </a:fillRef>
+          <a:effectRef idx="0">
+            <a:schemeClr val="accent1"/>
+          </a:effectRef>
+          <a:fontRef idx="minor">
+            <a:schemeClr val="lt1"/>
+          </a:fontRef>
+        </p:style>
+        <p:txBody>
+          <a:bodyPr rtlCol="0" anchor="ctr"/>
+          <a:p>
+            <a:pPr algn="ctr"/>
+            <a:r>
+              <a:rPr lang="en-US" altLang="en-US"/>
+              <a:t>存盘block</a:t>
+            </a:r>
+            <a:endParaRPr lang="en-US" altLang="en-US"/>
+          </a:p>
+        </p:txBody>
+      </p:sp>
+      <p:sp>
+        <p:nvSpPr>
+          <p:cNvPr id="73" name="Rectangle 72"/>
+          <p:cNvSpPr/>
+          <p:nvPr/>
+        </p:nvSpPr>
+        <p:spPr>
+          <a:xfrm>
+            <a:off x="8184515" y="5591810"/>
+            <a:ext cx="1539875" cy="387985"/>
+          </a:xfrm>
+          <a:prstGeom prst="rect">
+            <a:avLst/>
+          </a:prstGeom>
+        </p:spPr>
+        <p:style>
+          <a:lnRef idx="2">
+            <a:schemeClr val="accent1">
+              <a:shade val="50000"/>
+            </a:schemeClr>
+          </a:lnRef>
+          <a:fillRef idx="1">
+            <a:schemeClr val="accent1"/>
+          </a:fillRef>
+          <a:effectRef idx="0">
+            <a:schemeClr val="accent1"/>
+          </a:effectRef>
+          <a:fontRef idx="minor">
+            <a:schemeClr val="lt1"/>
+          </a:fontRef>
+        </p:style>
+        <p:txBody>
+          <a:bodyPr rtlCol="0" anchor="ctr"/>
+          <a:p>
+            <a:pPr algn="ctr"/>
+            <a:r>
+              <a:rPr lang="en-US" altLang="en-US"/>
+              <a:t>文件</a:t>
+            </a:r>
+            <a:r>
+              <a:rPr lang="" altLang="en-US"/>
+              <a:t>目录</a:t>
+            </a:r>
+            <a:endParaRPr lang="" altLang="en-US"/>
+          </a:p>
+        </p:txBody>
+      </p:sp>
+      <p:cxnSp>
+        <p:nvCxnSpPr>
+          <p:cNvPr id="74" name="Straight Arrow Connector 73"/>
+          <p:cNvCxnSpPr>
+            <a:stCxn id="70" idx="2"/>
+            <a:endCxn id="71" idx="0"/>
+          </p:cNvCxnSpPr>
+          <p:nvPr/>
+        </p:nvCxnSpPr>
+        <p:spPr>
+          <a:xfrm>
+            <a:off x="8964930" y="3667760"/>
+            <a:ext cx="0" cy="365125"/>
+          </a:xfrm>
+          <a:prstGeom prst="straightConnector1">
+            <a:avLst/>
+          </a:prstGeom>
+          <a:ln w="31750">
+            <a:tailEnd type="arrow"/>
+          </a:ln>
+        </p:spPr>
+        <p:style>
+          <a:lnRef idx="1">
+            <a:schemeClr val="accent1"/>
+          </a:lnRef>
+          <a:fillRef idx="0">
+            <a:schemeClr val="accent1"/>
+          </a:fillRef>
+          <a:effectRef idx="0">
+            <a:schemeClr val="accent1"/>
+          </a:effectRef>
+          <a:fontRef idx="minor">
+            <a:schemeClr val="tx1"/>
+          </a:fontRef>
+        </p:style>
+      </p:cxnSp>
+      <p:cxnSp>
+        <p:nvCxnSpPr>
+          <p:cNvPr id="75" name="Straight Arrow Connector 74"/>
+          <p:cNvCxnSpPr/>
+          <p:nvPr/>
+        </p:nvCxnSpPr>
+        <p:spPr>
+          <a:xfrm>
+            <a:off x="8954770" y="4420870"/>
+            <a:ext cx="0" cy="365125"/>
+          </a:xfrm>
+          <a:prstGeom prst="straightConnector1">
+            <a:avLst/>
+          </a:prstGeom>
+          <a:ln w="31750">
+            <a:tailEnd type="arrow"/>
+          </a:ln>
+        </p:spPr>
+        <p:style>
+          <a:lnRef idx="1">
+            <a:schemeClr val="accent1"/>
+          </a:lnRef>
+          <a:fillRef idx="0">
+            <a:schemeClr val="accent1"/>
+          </a:fillRef>
+          <a:effectRef idx="0">
+            <a:schemeClr val="accent1"/>
+          </a:effectRef>
+          <a:fontRef idx="minor">
+            <a:schemeClr val="tx1"/>
+          </a:fontRef>
+        </p:style>
+      </p:cxnSp>
+      <p:cxnSp>
+        <p:nvCxnSpPr>
+          <p:cNvPr id="76" name="Straight Arrow Connector 75"/>
+          <p:cNvCxnSpPr/>
+          <p:nvPr/>
+        </p:nvCxnSpPr>
+        <p:spPr>
+          <a:xfrm>
+            <a:off x="8954135" y="5226685"/>
+            <a:ext cx="0" cy="365125"/>
+          </a:xfrm>
+          <a:prstGeom prst="straightConnector1">
+            <a:avLst/>
+          </a:prstGeom>
+          <a:ln w="31750">
+            <a:tailEnd type="arrow"/>
+          </a:ln>
+        </p:spPr>
+        <p:style>
+          <a:lnRef idx="1">
+            <a:schemeClr val="accent1"/>
+          </a:lnRef>
+          <a:fillRef idx="0">
+            <a:schemeClr val="accent1"/>
+          </a:fillRef>
+          <a:effectRef idx="0">
+            <a:schemeClr val="accent1"/>
+          </a:effectRef>
+          <a:fontRef idx="minor">
+            <a:schemeClr val="tx1"/>
+          </a:fontRef>
+        </p:style>
+      </p:cxnSp>
+      <p:cxnSp>
+        <p:nvCxnSpPr>
+          <p:cNvPr id="78" name="Straight Arrow Connector 77"/>
+          <p:cNvCxnSpPr>
+            <a:stCxn id="73" idx="1"/>
+            <a:endCxn id="79" idx="2"/>
+          </p:cNvCxnSpPr>
+          <p:nvPr/>
+        </p:nvCxnSpPr>
+        <p:spPr>
+          <a:xfrm flipH="1" flipV="1">
+            <a:off x="7272655" y="3657600"/>
+            <a:ext cx="911860" cy="2128520"/>
+          </a:xfrm>
+          <a:prstGeom prst="straightConnector1">
+            <a:avLst/>
+          </a:prstGeom>
+          <a:ln w="31750">
+            <a:tailEnd type="arrow"/>
+          </a:ln>
+        </p:spPr>
+        <p:style>
+          <a:lnRef idx="1">
+            <a:schemeClr val="accent1"/>
+          </a:lnRef>
+          <a:fillRef idx="0">
+            <a:schemeClr val="accent1"/>
+          </a:fillRef>
+          <a:effectRef idx="0">
+            <a:schemeClr val="accent1"/>
+          </a:effectRef>
+          <a:fontRef idx="minor">
+            <a:schemeClr val="tx1"/>
+          </a:fontRef>
+        </p:style>
+      </p:cxnSp>
+      <p:sp>
+        <p:nvSpPr>
+          <p:cNvPr id="79" name="Rectangle 78"/>
+          <p:cNvSpPr/>
+          <p:nvPr/>
+        </p:nvSpPr>
+        <p:spPr>
+          <a:xfrm>
+            <a:off x="6502400" y="3270250"/>
+            <a:ext cx="1539875" cy="387350"/>
+          </a:xfrm>
+          <a:prstGeom prst="rect">
+            <a:avLst/>
+          </a:prstGeom>
+        </p:spPr>
+        <p:style>
+          <a:lnRef idx="2">
+            <a:schemeClr val="accent4">
+              <a:shade val="50000"/>
+            </a:schemeClr>
+          </a:lnRef>
+          <a:fillRef idx="1">
+            <a:schemeClr val="accent4"/>
+          </a:fillRef>
+          <a:effectRef idx="0">
+            <a:schemeClr val="accent4"/>
+          </a:effectRef>
+          <a:fontRef idx="minor">
+            <a:schemeClr val="lt1"/>
+          </a:fontRef>
+        </p:style>
+        <p:txBody>
+          <a:bodyPr rtlCol="0" anchor="ctr"/>
+          <a:p>
+            <a:pPr algn="ctr"/>
+            <a:r>
+              <a:rPr lang="" altLang="en-US"/>
+              <a:t>文件名</a:t>
+            </a:r>
+            <a:endParaRPr lang="" altLang="en-US"/>
+          </a:p>
+        </p:txBody>
+      </p:sp>
+      <p:cxnSp>
+        <p:nvCxnSpPr>
+          <p:cNvPr id="80" name="Straight Arrow Connector 79"/>
+          <p:cNvCxnSpPr>
+            <a:stCxn id="79" idx="2"/>
+            <a:endCxn id="64" idx="0"/>
+          </p:cNvCxnSpPr>
+          <p:nvPr/>
+        </p:nvCxnSpPr>
+        <p:spPr>
+          <a:xfrm flipH="1">
+            <a:off x="6096635" y="3657600"/>
+            <a:ext cx="1176020" cy="365125"/>
+          </a:xfrm>
+          <a:prstGeom prst="straightConnector1">
+            <a:avLst/>
+          </a:prstGeom>
+          <a:ln w="31750">
+            <a:tailEnd type="arrow"/>
+          </a:ln>
+        </p:spPr>
+        <p:style>
+          <a:lnRef idx="1">
+            <a:schemeClr val="accent1"/>
+          </a:lnRef>
+          <a:fillRef idx="0">
+            <a:schemeClr val="accent1"/>
+          </a:fillRef>
+          <a:effectRef idx="0">
+            <a:schemeClr val="accent1"/>
+          </a:effectRef>
+          <a:fontRef idx="minor">
+            <a:schemeClr val="tx1"/>
+          </a:fontRef>
+        </p:style>
+      </p:cxnSp>
+      <p:sp>
+        <p:nvSpPr>
+          <p:cNvPr id="81" name="Title 1"/>
+          <p:cNvSpPr>
+            <a:spLocks noGrp="1"/>
+          </p:cNvSpPr>
+          <p:nvPr/>
+        </p:nvSpPr>
+        <p:spPr>
+          <a:xfrm>
+            <a:off x="5445125" y="2492375"/>
+            <a:ext cx="3519170" cy="596265"/>
+          </a:xfrm>
+          <a:prstGeom prst="rect">
+            <a:avLst/>
+          </a:prstGeom>
+        </p:spPr>
+        <p:txBody>
+          <a:bodyPr vert="horz" lIns="91440" tIns="45720" rIns="91440" bIns="45720" rtlCol="0" anchor="b"/>
+          <a:lstStyle>
+            <a:lvl1pPr algn="ctr" defTabSz="914400" rtl="0" eaLnBrk="1" latinLnBrk="0" hangingPunct="1">
+              <a:lnSpc>
+                <a:spcPct val="130000"/>
+              </a:lnSpc>
+              <a:spcBef>
+                <a:spcPct val="0"/>
+              </a:spcBef>
+              <a:buNone/>
+              <a:defRPr sz="6000" kern="1200">
+                <a:solidFill>
+                  <a:schemeClr val="tx1"/>
+                </a:solidFill>
+                <a:effectLst>
+                  <a:outerShdw blurRad="38100" dist="38100" dir="2700000" algn="tl">
+                    <a:srgbClr val="000000">
+                      <a:alpha val="43137"/>
+                    </a:srgbClr>
+                  </a:outerShdw>
+                </a:effectLst>
+                <a:latin typeface="+mj-lt"/>
+                <a:ea typeface="+mj-ea"/>
+                <a:cs typeface="+mj-cs"/>
+              </a:defRPr>
+            </a:lvl1pPr>
+          </a:lstStyle>
+          <a:p>
             <a:pPr algn="l"/>
             <a:r>
-              <a:rPr lang="en-US" altLang="en-US"/>
-              <a:t>2、块设备</a:t>
-            </a:r>
-            <a:endParaRPr lang="en-US" altLang="en-US"/>
+              <a:rPr lang="" altLang="en-US" sz="1800" b="1">
+                <a:solidFill>
+                  <a:srgbClr val="FF0000"/>
+                </a:solidFill>
+              </a:rPr>
+              <a:t>硬链接相当于给文件取别名！！</a:t>
+            </a:r>
+            <a:endParaRPr lang="" altLang="en-US" sz="1800" b="1">
+              <a:solidFill>
+                <a:srgbClr val="FF0000"/>
+              </a:solidFill>
+            </a:endParaRPr>
           </a:p>
         </p:txBody>
       </p:sp>
@@ -8308,7 +9668,1738 @@
 </p:sld>
 </file>
 
-<file path=ppt/slides/slide15.xml><?xml version="1.0" encoding="utf-8"?>
+<file path=ppt/slides/slide16.xml><?xml version="1.0" encoding="utf-8"?>
+<p:sld xmlns:a="http://schemas.openxmlformats.org/drawingml/2006/main" xmlns:r="http://schemas.openxmlformats.org/officeDocument/2006/relationships" xmlns:p="http://schemas.openxmlformats.org/presentationml/2006/main">
+  <p:cSld>
+    <p:spTree>
+      <p:nvGrpSpPr>
+        <p:cNvPr id="1" name=""/>
+        <p:cNvGrpSpPr/>
+        <p:nvPr/>
+      </p:nvGrpSpPr>
+      <p:grpSpPr/>
+      <p:sp>
+        <p:nvSpPr>
+          <p:cNvPr id="2" name="Title 1"/>
+          <p:cNvSpPr>
+            <a:spLocks noGrp="1"/>
+          </p:cNvSpPr>
+          <p:nvPr>
+            <p:ph type="ctrTitle"/>
+          </p:nvPr>
+        </p:nvSpPr>
+        <p:spPr>
+          <a:xfrm>
+            <a:off x="808355" y="260350"/>
+            <a:ext cx="9133840" cy="829945"/>
+          </a:xfrm>
+        </p:spPr>
+        <p:txBody>
+          <a:bodyPr>
+            <a:normAutofit/>
+          </a:bodyPr>
+          <a:p>
+            <a:pPr algn="l"/>
+            <a:r>
+              <a:rPr lang="en-US" altLang="en-US" sz="2800"/>
+              <a:t>四、Linux设备驱动--寻找文件过程</a:t>
+            </a:r>
+            <a:endParaRPr lang="en-US" altLang="en-US" sz="2800"/>
+          </a:p>
+        </p:txBody>
+      </p:sp>
+      <p:sp>
+        <p:nvSpPr>
+          <p:cNvPr id="6" name="Title 1"/>
+          <p:cNvSpPr>
+            <a:spLocks noGrp="1"/>
+          </p:cNvSpPr>
+          <p:nvPr/>
+        </p:nvSpPr>
+        <p:spPr>
+          <a:xfrm>
+            <a:off x="808355" y="1281430"/>
+            <a:ext cx="10363835" cy="2188210"/>
+          </a:xfrm>
+          <a:prstGeom prst="rect">
+            <a:avLst/>
+          </a:prstGeom>
+        </p:spPr>
+        <p:txBody>
+          <a:bodyPr vert="horz" lIns="91440" tIns="45720" rIns="91440" bIns="45720" rtlCol="0" anchor="b"/>
+          <a:lstStyle>
+            <a:lvl1pPr algn="ctr" defTabSz="914400" rtl="0" eaLnBrk="1" latinLnBrk="0" hangingPunct="1">
+              <a:lnSpc>
+                <a:spcPct val="130000"/>
+              </a:lnSpc>
+              <a:spcBef>
+                <a:spcPct val="0"/>
+              </a:spcBef>
+              <a:buNone/>
+              <a:defRPr sz="6000" kern="1200">
+                <a:solidFill>
+                  <a:schemeClr val="tx1"/>
+                </a:solidFill>
+                <a:effectLst>
+                  <a:outerShdw blurRad="38100" dist="38100" dir="2700000" algn="tl">
+                    <a:srgbClr val="000000">
+                      <a:alpha val="43137"/>
+                    </a:srgbClr>
+                  </a:outerShdw>
+                </a:effectLst>
+                <a:latin typeface="+mj-lt"/>
+                <a:ea typeface="+mj-ea"/>
+                <a:cs typeface="+mj-cs"/>
+              </a:defRPr>
+            </a:lvl1pPr>
+          </a:lstStyle>
+          <a:p>
+            <a:pPr algn="l"/>
+            <a:r>
+              <a:rPr lang="en-US" altLang="en-US" sz="1800"/>
+              <a:t>例如：寻到位于/home/abig/test/hello.txt文件流程</a:t>
+            </a:r>
+            <a:endParaRPr lang="en-US" altLang="en-US" sz="1800"/>
+          </a:p>
+          <a:p>
+            <a:pPr algn="l"/>
+            <a:r>
+              <a:rPr lang="en-US" altLang="en-US" sz="1800"/>
+              <a:t>（1）从/目录的inode节点开始寻找，找到home目录项；</a:t>
+            </a:r>
+            <a:endParaRPr lang="en-US" altLang="en-US" sz="1800"/>
+          </a:p>
+          <a:p>
+            <a:pPr algn="l"/>
+            <a:r>
+              <a:rPr lang="en-US" altLang="en-US" sz="1800"/>
+              <a:t>（2）查询home的inode，找到abig的目录项； </a:t>
+            </a:r>
+            <a:endParaRPr lang="en-US" altLang="en-US" sz="1800"/>
+          </a:p>
+          <a:p>
+            <a:pPr algn="l"/>
+            <a:r>
+              <a:rPr lang="en-US" altLang="en-US" sz="1800"/>
+              <a:t>（3）查询abig的inode找到test的目录项； </a:t>
+            </a:r>
+            <a:endParaRPr lang="en-US" altLang="en-US" sz="1800"/>
+          </a:p>
+          <a:p>
+            <a:pPr algn="l"/>
+            <a:r>
+              <a:rPr lang="en-US" altLang="en-US" sz="1800"/>
+              <a:t>（4）进入到test的inode，找到hello.txt; </a:t>
+            </a:r>
+            <a:endParaRPr lang="en-US" altLang="en-US" sz="1800"/>
+          </a:p>
+          <a:p>
+            <a:pPr algn="l"/>
+            <a:r>
+              <a:rPr lang="en-US" altLang="en-US" sz="1800"/>
+              <a:t>（5）进入hello.txt的inode，找到对应文件存盘的位置</a:t>
+            </a:r>
+            <a:endParaRPr lang="en-US" altLang="en-US" sz="1800"/>
+          </a:p>
+        </p:txBody>
+      </p:sp>
+      <p:sp>
+        <p:nvSpPr>
+          <p:cNvPr id="12" name="Rectangle 11"/>
+          <p:cNvSpPr/>
+          <p:nvPr/>
+        </p:nvSpPr>
+        <p:spPr>
+          <a:xfrm>
+            <a:off x="1261745" y="3842385"/>
+            <a:ext cx="1188720" cy="307975"/>
+          </a:xfrm>
+          <a:prstGeom prst="rect">
+            <a:avLst/>
+          </a:prstGeom>
+        </p:spPr>
+        <p:style>
+          <a:lnRef idx="2">
+            <a:schemeClr val="accent4">
+              <a:shade val="50000"/>
+            </a:schemeClr>
+          </a:lnRef>
+          <a:fillRef idx="1">
+            <a:schemeClr val="accent4"/>
+          </a:fillRef>
+          <a:effectRef idx="0">
+            <a:schemeClr val="accent4"/>
+          </a:effectRef>
+          <a:fontRef idx="minor">
+            <a:schemeClr val="lt1"/>
+          </a:fontRef>
+        </p:style>
+        <p:txBody>
+          <a:bodyPr rtlCol="0" anchor="ctr"/>
+          <a:p>
+            <a:pPr algn="ctr"/>
+            <a:r>
+              <a:rPr lang="en-US" altLang="en-US" sz="1200"/>
+              <a:t>/ inode</a:t>
+            </a:r>
+            <a:endParaRPr lang="en-US" altLang="en-US" sz="1200"/>
+          </a:p>
+        </p:txBody>
+      </p:sp>
+      <p:cxnSp>
+        <p:nvCxnSpPr>
+          <p:cNvPr id="13" name="Straight Connector 12"/>
+          <p:cNvCxnSpPr>
+            <a:stCxn id="12" idx="2"/>
+          </p:cNvCxnSpPr>
+          <p:nvPr/>
+        </p:nvCxnSpPr>
+        <p:spPr>
+          <a:xfrm>
+            <a:off x="1856105" y="4150360"/>
+            <a:ext cx="0" cy="2419350"/>
+          </a:xfrm>
+          <a:prstGeom prst="line">
+            <a:avLst/>
+          </a:prstGeom>
+          <a:ln w="19050">
+            <a:solidFill>
+              <a:srgbClr val="FF8D41"/>
+            </a:solidFill>
+          </a:ln>
+        </p:spPr>
+        <p:style>
+          <a:lnRef idx="1">
+            <a:schemeClr val="accent1"/>
+          </a:lnRef>
+          <a:fillRef idx="0">
+            <a:schemeClr val="accent1"/>
+          </a:fillRef>
+          <a:effectRef idx="0">
+            <a:schemeClr val="accent1"/>
+          </a:effectRef>
+          <a:fontRef idx="minor">
+            <a:schemeClr val="tx1"/>
+          </a:fontRef>
+        </p:style>
+      </p:cxnSp>
+      <p:sp>
+        <p:nvSpPr>
+          <p:cNvPr id="14" name="Rectangle 13"/>
+          <p:cNvSpPr/>
+          <p:nvPr/>
+        </p:nvSpPr>
+        <p:spPr>
+          <a:xfrm>
+            <a:off x="1856105" y="5114925"/>
+            <a:ext cx="1188720" cy="307975"/>
+          </a:xfrm>
+          <a:prstGeom prst="rect">
+            <a:avLst/>
+          </a:prstGeom>
+        </p:spPr>
+        <p:style>
+          <a:lnRef idx="2">
+            <a:schemeClr val="accent4">
+              <a:shade val="50000"/>
+            </a:schemeClr>
+          </a:lnRef>
+          <a:fillRef idx="1">
+            <a:schemeClr val="accent4"/>
+          </a:fillRef>
+          <a:effectRef idx="0">
+            <a:schemeClr val="accent4"/>
+          </a:effectRef>
+          <a:fontRef idx="minor">
+            <a:schemeClr val="lt1"/>
+          </a:fontRef>
+        </p:style>
+        <p:txBody>
+          <a:bodyPr rtlCol="0" anchor="ctr"/>
+          <a:p>
+            <a:pPr algn="ctr"/>
+            <a:r>
+              <a:rPr lang="en-US" altLang="en-US" sz="1400"/>
+              <a:t>home目录</a:t>
+            </a:r>
+            <a:endParaRPr lang="en-US" altLang="en-US" sz="1400"/>
+          </a:p>
+        </p:txBody>
+      </p:sp>
+      <p:sp>
+        <p:nvSpPr>
+          <p:cNvPr id="15" name="Rectangle 14"/>
+          <p:cNvSpPr/>
+          <p:nvPr/>
+        </p:nvSpPr>
+        <p:spPr>
+          <a:xfrm>
+            <a:off x="3397250" y="3842385"/>
+            <a:ext cx="1188720" cy="307975"/>
+          </a:xfrm>
+          <a:prstGeom prst="rect">
+            <a:avLst/>
+          </a:prstGeom>
+        </p:spPr>
+        <p:style>
+          <a:lnRef idx="2">
+            <a:schemeClr val="accent4">
+              <a:shade val="50000"/>
+            </a:schemeClr>
+          </a:lnRef>
+          <a:fillRef idx="1">
+            <a:schemeClr val="accent4"/>
+          </a:fillRef>
+          <a:effectRef idx="0">
+            <a:schemeClr val="accent4"/>
+          </a:effectRef>
+          <a:fontRef idx="minor">
+            <a:schemeClr val="lt1"/>
+          </a:fontRef>
+        </p:style>
+        <p:txBody>
+          <a:bodyPr rtlCol="0" anchor="ctr"/>
+          <a:p>
+            <a:pPr algn="ctr"/>
+            <a:r>
+              <a:rPr lang="en-US" altLang="en-US" sz="1200"/>
+              <a:t>home inode</a:t>
+            </a:r>
+            <a:endParaRPr lang="en-US" altLang="en-US" sz="1200"/>
+          </a:p>
+        </p:txBody>
+      </p:sp>
+      <p:cxnSp>
+        <p:nvCxnSpPr>
+          <p:cNvPr id="16" name="Straight Connector 15"/>
+          <p:cNvCxnSpPr/>
+          <p:nvPr/>
+        </p:nvCxnSpPr>
+        <p:spPr>
+          <a:xfrm>
+            <a:off x="4013200" y="4150360"/>
+            <a:ext cx="0" cy="2419350"/>
+          </a:xfrm>
+          <a:prstGeom prst="line">
+            <a:avLst/>
+          </a:prstGeom>
+          <a:ln w="19050">
+            <a:solidFill>
+              <a:srgbClr val="FF8D41"/>
+            </a:solidFill>
+          </a:ln>
+        </p:spPr>
+        <p:style>
+          <a:lnRef idx="1">
+            <a:schemeClr val="accent1"/>
+          </a:lnRef>
+          <a:fillRef idx="0">
+            <a:schemeClr val="accent1"/>
+          </a:fillRef>
+          <a:effectRef idx="0">
+            <a:schemeClr val="accent1"/>
+          </a:effectRef>
+          <a:fontRef idx="minor">
+            <a:schemeClr val="tx1"/>
+          </a:fontRef>
+        </p:style>
+      </p:cxnSp>
+      <p:sp>
+        <p:nvSpPr>
+          <p:cNvPr id="17" name="Rectangle 16"/>
+          <p:cNvSpPr/>
+          <p:nvPr/>
+        </p:nvSpPr>
+        <p:spPr>
+          <a:xfrm>
+            <a:off x="4013200" y="5114925"/>
+            <a:ext cx="1188720" cy="307975"/>
+          </a:xfrm>
+          <a:prstGeom prst="rect">
+            <a:avLst/>
+          </a:prstGeom>
+        </p:spPr>
+        <p:style>
+          <a:lnRef idx="2">
+            <a:schemeClr val="accent4">
+              <a:shade val="50000"/>
+            </a:schemeClr>
+          </a:lnRef>
+          <a:fillRef idx="1">
+            <a:schemeClr val="accent4"/>
+          </a:fillRef>
+          <a:effectRef idx="0">
+            <a:schemeClr val="accent4"/>
+          </a:effectRef>
+          <a:fontRef idx="minor">
+            <a:schemeClr val="lt1"/>
+          </a:fontRef>
+        </p:style>
+        <p:txBody>
+          <a:bodyPr rtlCol="0" anchor="ctr"/>
+          <a:p>
+            <a:pPr algn="ctr"/>
+            <a:r>
+              <a:rPr lang="en-US" altLang="en-US" sz="1400"/>
+              <a:t>abig目录</a:t>
+            </a:r>
+            <a:endParaRPr lang="en-US" altLang="en-US" sz="1400"/>
+          </a:p>
+        </p:txBody>
+      </p:sp>
+      <p:sp>
+        <p:nvSpPr>
+          <p:cNvPr id="34" name="Rectangle 33"/>
+          <p:cNvSpPr/>
+          <p:nvPr/>
+        </p:nvSpPr>
+        <p:spPr>
+          <a:xfrm>
+            <a:off x="5664200" y="3842385"/>
+            <a:ext cx="1188720" cy="307975"/>
+          </a:xfrm>
+          <a:prstGeom prst="rect">
+            <a:avLst/>
+          </a:prstGeom>
+        </p:spPr>
+        <p:style>
+          <a:lnRef idx="2">
+            <a:schemeClr val="accent4">
+              <a:shade val="50000"/>
+            </a:schemeClr>
+          </a:lnRef>
+          <a:fillRef idx="1">
+            <a:schemeClr val="accent4"/>
+          </a:fillRef>
+          <a:effectRef idx="0">
+            <a:schemeClr val="accent4"/>
+          </a:effectRef>
+          <a:fontRef idx="minor">
+            <a:schemeClr val="lt1"/>
+          </a:fontRef>
+        </p:style>
+        <p:txBody>
+          <a:bodyPr rtlCol="0" anchor="ctr"/>
+          <a:p>
+            <a:pPr algn="ctr"/>
+            <a:r>
+              <a:rPr lang="en-US" altLang="en-US" sz="1200"/>
+              <a:t>abig inode</a:t>
+            </a:r>
+            <a:endParaRPr lang="en-US" altLang="en-US" sz="1200"/>
+          </a:p>
+        </p:txBody>
+      </p:sp>
+      <p:cxnSp>
+        <p:nvCxnSpPr>
+          <p:cNvPr id="35" name="Straight Connector 34"/>
+          <p:cNvCxnSpPr/>
+          <p:nvPr/>
+        </p:nvCxnSpPr>
+        <p:spPr>
+          <a:xfrm>
+            <a:off x="6280150" y="4150360"/>
+            <a:ext cx="0" cy="2419350"/>
+          </a:xfrm>
+          <a:prstGeom prst="line">
+            <a:avLst/>
+          </a:prstGeom>
+          <a:ln w="19050">
+            <a:solidFill>
+              <a:srgbClr val="FF8D41"/>
+            </a:solidFill>
+          </a:ln>
+        </p:spPr>
+        <p:style>
+          <a:lnRef idx="1">
+            <a:schemeClr val="accent1"/>
+          </a:lnRef>
+          <a:fillRef idx="0">
+            <a:schemeClr val="accent1"/>
+          </a:fillRef>
+          <a:effectRef idx="0">
+            <a:schemeClr val="accent1"/>
+          </a:effectRef>
+          <a:fontRef idx="minor">
+            <a:schemeClr val="tx1"/>
+          </a:fontRef>
+        </p:style>
+      </p:cxnSp>
+      <p:sp>
+        <p:nvSpPr>
+          <p:cNvPr id="36" name="Rectangle 35"/>
+          <p:cNvSpPr/>
+          <p:nvPr/>
+        </p:nvSpPr>
+        <p:spPr>
+          <a:xfrm>
+            <a:off x="6280150" y="5114925"/>
+            <a:ext cx="1188720" cy="307975"/>
+          </a:xfrm>
+          <a:prstGeom prst="rect">
+            <a:avLst/>
+          </a:prstGeom>
+        </p:spPr>
+        <p:style>
+          <a:lnRef idx="2">
+            <a:schemeClr val="accent4">
+              <a:shade val="50000"/>
+            </a:schemeClr>
+          </a:lnRef>
+          <a:fillRef idx="1">
+            <a:schemeClr val="accent4"/>
+          </a:fillRef>
+          <a:effectRef idx="0">
+            <a:schemeClr val="accent4"/>
+          </a:effectRef>
+          <a:fontRef idx="minor">
+            <a:schemeClr val="lt1"/>
+          </a:fontRef>
+        </p:style>
+        <p:txBody>
+          <a:bodyPr rtlCol="0" anchor="ctr"/>
+          <a:p>
+            <a:pPr algn="ctr"/>
+            <a:r>
+              <a:rPr lang="en-US" altLang="en-US" sz="1400"/>
+              <a:t>test目录</a:t>
+            </a:r>
+            <a:endParaRPr lang="en-US" altLang="en-US" sz="1400"/>
+          </a:p>
+        </p:txBody>
+      </p:sp>
+      <p:sp>
+        <p:nvSpPr>
+          <p:cNvPr id="37" name="Rectangle 36"/>
+          <p:cNvSpPr/>
+          <p:nvPr/>
+        </p:nvSpPr>
+        <p:spPr>
+          <a:xfrm>
+            <a:off x="8104505" y="3842385"/>
+            <a:ext cx="1188720" cy="307975"/>
+          </a:xfrm>
+          <a:prstGeom prst="rect">
+            <a:avLst/>
+          </a:prstGeom>
+        </p:spPr>
+        <p:style>
+          <a:lnRef idx="2">
+            <a:schemeClr val="accent4">
+              <a:shade val="50000"/>
+            </a:schemeClr>
+          </a:lnRef>
+          <a:fillRef idx="1">
+            <a:schemeClr val="accent4"/>
+          </a:fillRef>
+          <a:effectRef idx="0">
+            <a:schemeClr val="accent4"/>
+          </a:effectRef>
+          <a:fontRef idx="minor">
+            <a:schemeClr val="lt1"/>
+          </a:fontRef>
+        </p:style>
+        <p:txBody>
+          <a:bodyPr rtlCol="0" anchor="ctr"/>
+          <a:p>
+            <a:pPr algn="ctr"/>
+            <a:r>
+              <a:rPr lang="en-US" altLang="en-US" sz="1200"/>
+              <a:t>hello inode</a:t>
+            </a:r>
+            <a:endParaRPr lang="en-US" altLang="en-US" sz="1200"/>
+          </a:p>
+        </p:txBody>
+      </p:sp>
+      <p:cxnSp>
+        <p:nvCxnSpPr>
+          <p:cNvPr id="38" name="Straight Connector 37"/>
+          <p:cNvCxnSpPr/>
+          <p:nvPr/>
+        </p:nvCxnSpPr>
+        <p:spPr>
+          <a:xfrm>
+            <a:off x="8720455" y="4150360"/>
+            <a:ext cx="0" cy="2419350"/>
+          </a:xfrm>
+          <a:prstGeom prst="line">
+            <a:avLst/>
+          </a:prstGeom>
+          <a:ln w="19050">
+            <a:solidFill>
+              <a:srgbClr val="FF8D41"/>
+            </a:solidFill>
+          </a:ln>
+        </p:spPr>
+        <p:style>
+          <a:lnRef idx="1">
+            <a:schemeClr val="accent1"/>
+          </a:lnRef>
+          <a:fillRef idx="0">
+            <a:schemeClr val="accent1"/>
+          </a:fillRef>
+          <a:effectRef idx="0">
+            <a:schemeClr val="accent1"/>
+          </a:effectRef>
+          <a:fontRef idx="minor">
+            <a:schemeClr val="tx1"/>
+          </a:fontRef>
+        </p:style>
+      </p:cxnSp>
+      <p:sp>
+        <p:nvSpPr>
+          <p:cNvPr id="39" name="Rectangle 38"/>
+          <p:cNvSpPr/>
+          <p:nvPr/>
+        </p:nvSpPr>
+        <p:spPr>
+          <a:xfrm>
+            <a:off x="8720455" y="4478655"/>
+            <a:ext cx="1188720" cy="1898650"/>
+          </a:xfrm>
+          <a:prstGeom prst="rect">
+            <a:avLst/>
+          </a:prstGeom>
+        </p:spPr>
+        <p:style>
+          <a:lnRef idx="1">
+            <a:schemeClr val="accent6"/>
+          </a:lnRef>
+          <a:fillRef idx="2">
+            <a:schemeClr val="accent6"/>
+          </a:fillRef>
+          <a:effectRef idx="1">
+            <a:schemeClr val="accent6"/>
+          </a:effectRef>
+          <a:fontRef idx="minor">
+            <a:schemeClr val="dk1"/>
+          </a:fontRef>
+        </p:style>
+        <p:txBody>
+          <a:bodyPr rtlCol="0" anchor="ctr"/>
+          <a:p>
+            <a:pPr algn="ctr"/>
+            <a:r>
+              <a:rPr lang="en-US" altLang="en-US" sz="1400"/>
+              <a:t>hello内容</a:t>
+            </a:r>
+            <a:endParaRPr lang="en-US" altLang="en-US" sz="1400"/>
+          </a:p>
+        </p:txBody>
+      </p:sp>
+      <p:cxnSp>
+        <p:nvCxnSpPr>
+          <p:cNvPr id="40" name="Elbow Connector 39"/>
+          <p:cNvCxnSpPr>
+            <a:stCxn id="14" idx="3"/>
+            <a:endCxn id="15" idx="1"/>
+          </p:cNvCxnSpPr>
+          <p:nvPr/>
+        </p:nvCxnSpPr>
+        <p:spPr>
+          <a:xfrm flipV="1">
+            <a:off x="3054985" y="3996690"/>
+            <a:ext cx="352425" cy="1272540"/>
+          </a:xfrm>
+          <a:prstGeom prst="bentConnector3">
+            <a:avLst>
+              <a:gd name="adj1" fmla="val 50090"/>
+            </a:avLst>
+          </a:prstGeom>
+          <a:ln w="25400">
+            <a:solidFill>
+              <a:srgbClr val="FF8D41"/>
+            </a:solidFill>
+            <a:tailEnd type="arrow"/>
+          </a:ln>
+        </p:spPr>
+        <p:style>
+          <a:lnRef idx="1">
+            <a:schemeClr val="accent1"/>
+          </a:lnRef>
+          <a:fillRef idx="0">
+            <a:schemeClr val="accent1"/>
+          </a:fillRef>
+          <a:effectRef idx="0">
+            <a:schemeClr val="accent1"/>
+          </a:effectRef>
+          <a:fontRef idx="minor">
+            <a:schemeClr val="tx1"/>
+          </a:fontRef>
+        </p:style>
+      </p:cxnSp>
+      <p:cxnSp>
+        <p:nvCxnSpPr>
+          <p:cNvPr id="41" name="Elbow Connector 40"/>
+          <p:cNvCxnSpPr>
+            <a:stCxn id="17" idx="3"/>
+            <a:endCxn id="34" idx="1"/>
+          </p:cNvCxnSpPr>
+          <p:nvPr/>
+        </p:nvCxnSpPr>
+        <p:spPr>
+          <a:xfrm flipV="1">
+            <a:off x="5212080" y="3996690"/>
+            <a:ext cx="462280" cy="1272540"/>
+          </a:xfrm>
+          <a:prstGeom prst="bentConnector3">
+            <a:avLst>
+              <a:gd name="adj1" fmla="val 50000"/>
+            </a:avLst>
+          </a:prstGeom>
+          <a:ln w="25400">
+            <a:solidFill>
+              <a:srgbClr val="FF8D41"/>
+            </a:solidFill>
+            <a:tailEnd type="arrow"/>
+          </a:ln>
+        </p:spPr>
+        <p:style>
+          <a:lnRef idx="1">
+            <a:schemeClr val="accent1"/>
+          </a:lnRef>
+          <a:fillRef idx="0">
+            <a:schemeClr val="accent1"/>
+          </a:fillRef>
+          <a:effectRef idx="0">
+            <a:schemeClr val="accent1"/>
+          </a:effectRef>
+          <a:fontRef idx="minor">
+            <a:schemeClr val="tx1"/>
+          </a:fontRef>
+        </p:style>
+      </p:cxnSp>
+      <p:cxnSp>
+        <p:nvCxnSpPr>
+          <p:cNvPr id="42" name="Elbow Connector 41"/>
+          <p:cNvCxnSpPr>
+            <a:stCxn id="36" idx="3"/>
+            <a:endCxn id="37" idx="1"/>
+          </p:cNvCxnSpPr>
+          <p:nvPr/>
+        </p:nvCxnSpPr>
+        <p:spPr>
+          <a:xfrm flipV="1">
+            <a:off x="7479030" y="3996690"/>
+            <a:ext cx="635635" cy="1272540"/>
+          </a:xfrm>
+          <a:prstGeom prst="bentConnector3">
+            <a:avLst>
+              <a:gd name="adj1" fmla="val 50050"/>
+            </a:avLst>
+          </a:prstGeom>
+          <a:ln w="25400">
+            <a:solidFill>
+              <a:srgbClr val="FF8D41"/>
+            </a:solidFill>
+            <a:tailEnd type="arrow"/>
+          </a:ln>
+        </p:spPr>
+        <p:style>
+          <a:lnRef idx="1">
+            <a:schemeClr val="accent1"/>
+          </a:lnRef>
+          <a:fillRef idx="0">
+            <a:schemeClr val="accent1"/>
+          </a:fillRef>
+          <a:effectRef idx="0">
+            <a:schemeClr val="accent1"/>
+          </a:effectRef>
+          <a:fontRef idx="minor">
+            <a:schemeClr val="tx1"/>
+          </a:fontRef>
+        </p:style>
+      </p:cxnSp>
+    </p:spTree>
+  </p:cSld>
+  <p:clrMapOvr>
+    <a:masterClrMapping/>
+  </p:clrMapOvr>
+</p:sld>
+</file>
+
+<file path=ppt/slides/slide17.xml><?xml version="1.0" encoding="utf-8"?>
+<p:sld xmlns:a="http://schemas.openxmlformats.org/drawingml/2006/main" xmlns:r="http://schemas.openxmlformats.org/officeDocument/2006/relationships" xmlns:p="http://schemas.openxmlformats.org/presentationml/2006/main">
+  <p:cSld>
+    <p:spTree>
+      <p:nvGrpSpPr>
+        <p:cNvPr id="1" name=""/>
+        <p:cNvGrpSpPr/>
+        <p:nvPr/>
+      </p:nvGrpSpPr>
+      <p:grpSpPr/>
+      <p:sp>
+        <p:nvSpPr>
+          <p:cNvPr id="2" name="Title 1"/>
+          <p:cNvSpPr>
+            <a:spLocks noGrp="1"/>
+          </p:cNvSpPr>
+          <p:nvPr>
+            <p:ph type="ctrTitle"/>
+          </p:nvPr>
+        </p:nvSpPr>
+        <p:spPr>
+          <a:xfrm>
+            <a:off x="808355" y="260350"/>
+            <a:ext cx="9133840" cy="829945"/>
+          </a:xfrm>
+        </p:spPr>
+        <p:txBody>
+          <a:bodyPr>
+            <a:normAutofit/>
+          </a:bodyPr>
+          <a:p>
+            <a:pPr algn="l"/>
+            <a:r>
+              <a:rPr lang="en-US" altLang="en-US" sz="2800"/>
+              <a:t>四、Linux设备驱动</a:t>
+            </a:r>
+            <a:r>
+              <a:rPr lang="" altLang="en-US" sz="2800"/>
+              <a:t>----字符设备</a:t>
+            </a:r>
+            <a:endParaRPr lang="" altLang="en-US" sz="2800"/>
+          </a:p>
+        </p:txBody>
+      </p:sp>
+      <p:sp>
+        <p:nvSpPr>
+          <p:cNvPr id="4" name="Rectangle 3"/>
+          <p:cNvSpPr/>
+          <p:nvPr/>
+        </p:nvSpPr>
+        <p:spPr>
+          <a:xfrm>
+            <a:off x="2752090" y="1393190"/>
+            <a:ext cx="1995170" cy="955040"/>
+          </a:xfrm>
+          <a:prstGeom prst="rect">
+            <a:avLst/>
+          </a:prstGeom>
+        </p:spPr>
+        <p:style>
+          <a:lnRef idx="2">
+            <a:schemeClr val="accent1">
+              <a:shade val="50000"/>
+            </a:schemeClr>
+          </a:lnRef>
+          <a:fillRef idx="1">
+            <a:schemeClr val="accent1"/>
+          </a:fillRef>
+          <a:effectRef idx="0">
+            <a:schemeClr val="accent1"/>
+          </a:effectRef>
+          <a:fontRef idx="minor">
+            <a:schemeClr val="lt1"/>
+          </a:fontRef>
+        </p:style>
+        <p:txBody>
+          <a:bodyPr rtlCol="0" anchor="ctr"/>
+          <a:p>
+            <a:pPr algn="ctr"/>
+            <a:r>
+              <a:rPr lang="" altLang="en-US"/>
+              <a:t>CPU</a:t>
+            </a:r>
+            <a:endParaRPr lang="" altLang="en-US"/>
+          </a:p>
+        </p:txBody>
+      </p:sp>
+      <p:sp>
+        <p:nvSpPr>
+          <p:cNvPr id="6" name="Rectangle 5"/>
+          <p:cNvSpPr/>
+          <p:nvPr/>
+        </p:nvSpPr>
+        <p:spPr>
+          <a:xfrm>
+            <a:off x="6835775" y="1393190"/>
+            <a:ext cx="1995170" cy="955040"/>
+          </a:xfrm>
+          <a:prstGeom prst="rect">
+            <a:avLst/>
+          </a:prstGeom>
+        </p:spPr>
+        <p:style>
+          <a:lnRef idx="2">
+            <a:schemeClr val="accent1">
+              <a:shade val="50000"/>
+            </a:schemeClr>
+          </a:lnRef>
+          <a:fillRef idx="1">
+            <a:schemeClr val="accent1"/>
+          </a:fillRef>
+          <a:effectRef idx="0">
+            <a:schemeClr val="accent1"/>
+          </a:effectRef>
+          <a:fontRef idx="minor">
+            <a:schemeClr val="lt1"/>
+          </a:fontRef>
+        </p:style>
+        <p:txBody>
+          <a:bodyPr rtlCol="0" anchor="ctr"/>
+          <a:p>
+            <a:pPr algn="ctr"/>
+            <a:r>
+              <a:rPr lang="" altLang="en-US"/>
+              <a:t>键盘</a:t>
+            </a:r>
+            <a:endParaRPr lang="" altLang="en-US"/>
+          </a:p>
+          <a:p>
+            <a:pPr algn="ctr"/>
+            <a:r>
+              <a:rPr lang="" altLang="en-US"/>
+              <a:t>鼠标</a:t>
+            </a:r>
+            <a:endParaRPr lang="" altLang="en-US"/>
+          </a:p>
+        </p:txBody>
+      </p:sp>
+      <p:cxnSp>
+        <p:nvCxnSpPr>
+          <p:cNvPr id="7" name="Straight Connector 6"/>
+          <p:cNvCxnSpPr>
+            <a:stCxn id="4" idx="3"/>
+            <a:endCxn id="6" idx="1"/>
+          </p:cNvCxnSpPr>
+          <p:nvPr/>
+        </p:nvCxnSpPr>
+        <p:spPr>
+          <a:xfrm>
+            <a:off x="4757420" y="1870710"/>
+            <a:ext cx="2088515" cy="0"/>
+          </a:xfrm>
+          <a:prstGeom prst="line">
+            <a:avLst/>
+          </a:prstGeom>
+          <a:ln w="28575">
+            <a:solidFill>
+              <a:schemeClr val="accent1">
+                <a:alpha val="99000"/>
+              </a:schemeClr>
+            </a:solidFill>
+            <a:headEnd type="triangle"/>
+            <a:tailEnd type="triangle"/>
+          </a:ln>
+        </p:spPr>
+        <p:style>
+          <a:lnRef idx="1">
+            <a:schemeClr val="accent1"/>
+          </a:lnRef>
+          <a:fillRef idx="0">
+            <a:schemeClr val="accent1"/>
+          </a:fillRef>
+          <a:effectRef idx="0">
+            <a:schemeClr val="accent1"/>
+          </a:effectRef>
+          <a:fontRef idx="minor">
+            <a:schemeClr val="tx1"/>
+          </a:fontRef>
+        </p:style>
+      </p:cxnSp>
+      <p:sp>
+        <p:nvSpPr>
+          <p:cNvPr id="8" name="Text Box 7"/>
+          <p:cNvSpPr txBox="1"/>
+          <p:nvPr/>
+        </p:nvSpPr>
+        <p:spPr>
+          <a:xfrm>
+            <a:off x="5145405" y="1502410"/>
+            <a:ext cx="1452880" cy="368300"/>
+          </a:xfrm>
+          <a:prstGeom prst="rect">
+            <a:avLst/>
+          </a:prstGeom>
+          <a:noFill/>
+        </p:spPr>
+        <p:txBody>
+          <a:bodyPr wrap="square" rtlCol="0">
+            <a:spAutoFit/>
+          </a:bodyPr>
+          <a:p>
+            <a:r>
+              <a:rPr lang="" altLang="en-US"/>
+              <a:t>io/pci/usb</a:t>
+            </a:r>
+            <a:endParaRPr lang="" altLang="en-US"/>
+          </a:p>
+        </p:txBody>
+      </p:sp>
+      <p:sp>
+        <p:nvSpPr>
+          <p:cNvPr id="9" name="Rectangle 8"/>
+          <p:cNvSpPr/>
+          <p:nvPr/>
+        </p:nvSpPr>
+        <p:spPr>
+          <a:xfrm>
+            <a:off x="1705610" y="2771775"/>
+            <a:ext cx="5146675" cy="572770"/>
+          </a:xfrm>
+          <a:prstGeom prst="rect">
+            <a:avLst/>
+          </a:prstGeom>
+          <a:solidFill>
+            <a:schemeClr val="accent6">
+              <a:lumMod val="60000"/>
+              <a:lumOff val="40000"/>
+            </a:schemeClr>
+          </a:solidFill>
+        </p:spPr>
+        <p:style>
+          <a:lnRef idx="2">
+            <a:schemeClr val="accent1">
+              <a:shade val="50000"/>
+            </a:schemeClr>
+          </a:lnRef>
+          <a:fillRef idx="1">
+            <a:schemeClr val="accent1"/>
+          </a:fillRef>
+          <a:effectRef idx="0">
+            <a:schemeClr val="accent1"/>
+          </a:effectRef>
+          <a:fontRef idx="minor">
+            <a:schemeClr val="lt1"/>
+          </a:fontRef>
+        </p:style>
+        <p:txBody>
+          <a:bodyPr rtlCol="0" anchor="ctr"/>
+          <a:p>
+            <a:pPr algn="ctr"/>
+            <a:r>
+              <a:rPr lang="" altLang="en-US"/>
+              <a:t>User</a:t>
+            </a:r>
+            <a:endParaRPr lang="" altLang="en-US"/>
+          </a:p>
+        </p:txBody>
+      </p:sp>
+      <p:sp>
+        <p:nvSpPr>
+          <p:cNvPr id="10" name="Rectangle 9"/>
+          <p:cNvSpPr/>
+          <p:nvPr/>
+        </p:nvSpPr>
+        <p:spPr>
+          <a:xfrm>
+            <a:off x="1705610" y="3853815"/>
+            <a:ext cx="5146675" cy="572770"/>
+          </a:xfrm>
+          <a:prstGeom prst="rect">
+            <a:avLst/>
+          </a:prstGeom>
+        </p:spPr>
+        <p:style>
+          <a:lnRef idx="2">
+            <a:schemeClr val="accent1">
+              <a:shade val="50000"/>
+            </a:schemeClr>
+          </a:lnRef>
+          <a:fillRef idx="1">
+            <a:schemeClr val="accent1"/>
+          </a:fillRef>
+          <a:effectRef idx="0">
+            <a:schemeClr val="accent1"/>
+          </a:effectRef>
+          <a:fontRef idx="minor">
+            <a:schemeClr val="lt1"/>
+          </a:fontRef>
+        </p:style>
+        <p:txBody>
+          <a:bodyPr rtlCol="0" anchor="ctr"/>
+          <a:p>
+            <a:pPr algn="ctr"/>
+            <a:r>
+              <a:rPr lang="" altLang="en-US"/>
+              <a:t>/dev/xxx</a:t>
+            </a:r>
+            <a:endParaRPr lang="" altLang="en-US"/>
+          </a:p>
+        </p:txBody>
+      </p:sp>
+      <p:cxnSp>
+        <p:nvCxnSpPr>
+          <p:cNvPr id="11" name="Straight Connector 10"/>
+          <p:cNvCxnSpPr/>
+          <p:nvPr/>
+        </p:nvCxnSpPr>
+        <p:spPr>
+          <a:xfrm>
+            <a:off x="2571750" y="3364865"/>
+            <a:ext cx="10160" cy="488315"/>
+          </a:xfrm>
+          <a:prstGeom prst="line">
+            <a:avLst/>
+          </a:prstGeom>
+          <a:ln w="25400">
+            <a:headEnd type="triangle"/>
+            <a:tailEnd type="triangle"/>
+          </a:ln>
+        </p:spPr>
+        <p:style>
+          <a:lnRef idx="1">
+            <a:schemeClr val="accent1"/>
+          </a:lnRef>
+          <a:fillRef idx="0">
+            <a:schemeClr val="accent1"/>
+          </a:fillRef>
+          <a:effectRef idx="0">
+            <a:schemeClr val="accent1"/>
+          </a:effectRef>
+          <a:fontRef idx="minor">
+            <a:schemeClr val="tx1"/>
+          </a:fontRef>
+        </p:style>
+      </p:cxnSp>
+      <p:cxnSp>
+        <p:nvCxnSpPr>
+          <p:cNvPr id="12" name="Straight Connector 11"/>
+          <p:cNvCxnSpPr/>
+          <p:nvPr/>
+        </p:nvCxnSpPr>
+        <p:spPr>
+          <a:xfrm>
+            <a:off x="4313555" y="3344545"/>
+            <a:ext cx="10160" cy="488315"/>
+          </a:xfrm>
+          <a:prstGeom prst="line">
+            <a:avLst/>
+          </a:prstGeom>
+          <a:ln w="25400">
+            <a:headEnd type="triangle"/>
+            <a:tailEnd type="triangle"/>
+          </a:ln>
+        </p:spPr>
+        <p:style>
+          <a:lnRef idx="1">
+            <a:schemeClr val="accent1"/>
+          </a:lnRef>
+          <a:fillRef idx="0">
+            <a:schemeClr val="accent1"/>
+          </a:fillRef>
+          <a:effectRef idx="0">
+            <a:schemeClr val="accent1"/>
+          </a:effectRef>
+          <a:fontRef idx="minor">
+            <a:schemeClr val="tx1"/>
+          </a:fontRef>
+        </p:style>
+      </p:cxnSp>
+      <p:cxnSp>
+        <p:nvCxnSpPr>
+          <p:cNvPr id="13" name="Straight Connector 12"/>
+          <p:cNvCxnSpPr/>
+          <p:nvPr/>
+        </p:nvCxnSpPr>
+        <p:spPr>
+          <a:xfrm>
+            <a:off x="6233795" y="3344545"/>
+            <a:ext cx="10160" cy="488315"/>
+          </a:xfrm>
+          <a:prstGeom prst="line">
+            <a:avLst/>
+          </a:prstGeom>
+          <a:ln w="25400">
+            <a:headEnd type="triangle"/>
+            <a:tailEnd type="triangle"/>
+          </a:ln>
+        </p:spPr>
+        <p:style>
+          <a:lnRef idx="1">
+            <a:schemeClr val="accent1"/>
+          </a:lnRef>
+          <a:fillRef idx="0">
+            <a:schemeClr val="accent1"/>
+          </a:fillRef>
+          <a:effectRef idx="0">
+            <a:schemeClr val="accent1"/>
+          </a:effectRef>
+          <a:fontRef idx="minor">
+            <a:schemeClr val="tx1"/>
+          </a:fontRef>
+        </p:style>
+      </p:cxnSp>
+      <p:sp>
+        <p:nvSpPr>
+          <p:cNvPr id="14" name="Text Box 13"/>
+          <p:cNvSpPr txBox="1"/>
+          <p:nvPr/>
+        </p:nvSpPr>
+        <p:spPr>
+          <a:xfrm>
+            <a:off x="1870710" y="3404870"/>
+            <a:ext cx="784225" cy="368300"/>
+          </a:xfrm>
+          <a:prstGeom prst="rect">
+            <a:avLst/>
+          </a:prstGeom>
+          <a:noFill/>
+        </p:spPr>
+        <p:txBody>
+          <a:bodyPr wrap="square" rtlCol="0">
+            <a:spAutoFit/>
+          </a:bodyPr>
+          <a:p>
+            <a:r>
+              <a:rPr lang="" altLang="en-US"/>
+              <a:t>read</a:t>
+            </a:r>
+            <a:endParaRPr lang="" altLang="en-US"/>
+          </a:p>
+        </p:txBody>
+      </p:sp>
+      <p:sp>
+        <p:nvSpPr>
+          <p:cNvPr id="15" name="Text Box 14"/>
+          <p:cNvSpPr txBox="1"/>
+          <p:nvPr/>
+        </p:nvSpPr>
+        <p:spPr>
+          <a:xfrm>
+            <a:off x="3609340" y="3413760"/>
+            <a:ext cx="784225" cy="368300"/>
+          </a:xfrm>
+          <a:prstGeom prst="rect">
+            <a:avLst/>
+          </a:prstGeom>
+          <a:noFill/>
+        </p:spPr>
+        <p:txBody>
+          <a:bodyPr wrap="square" rtlCol="0">
+            <a:spAutoFit/>
+          </a:bodyPr>
+          <a:p>
+            <a:r>
+              <a:rPr lang="" altLang="en-US"/>
+              <a:t>ioctl</a:t>
+            </a:r>
+            <a:endParaRPr lang="" altLang="en-US"/>
+          </a:p>
+        </p:txBody>
+      </p:sp>
+      <p:sp>
+        <p:nvSpPr>
+          <p:cNvPr id="16" name="Text Box 15"/>
+          <p:cNvSpPr txBox="1"/>
+          <p:nvPr/>
+        </p:nvSpPr>
+        <p:spPr>
+          <a:xfrm>
+            <a:off x="5541645" y="3404235"/>
+            <a:ext cx="784225" cy="368300"/>
+          </a:xfrm>
+          <a:prstGeom prst="rect">
+            <a:avLst/>
+          </a:prstGeom>
+          <a:noFill/>
+        </p:spPr>
+        <p:txBody>
+          <a:bodyPr wrap="square" rtlCol="0">
+            <a:spAutoFit/>
+          </a:bodyPr>
+          <a:p>
+            <a:r>
+              <a:rPr lang="" altLang="en-US"/>
+              <a:t>write</a:t>
+            </a:r>
+            <a:endParaRPr lang="" altLang="en-US"/>
+          </a:p>
+        </p:txBody>
+      </p:sp>
+      <p:sp>
+        <p:nvSpPr>
+          <p:cNvPr id="19" name="Rectangle 18"/>
+          <p:cNvSpPr/>
+          <p:nvPr/>
+        </p:nvSpPr>
+        <p:spPr>
+          <a:xfrm>
+            <a:off x="1705610" y="4754880"/>
+            <a:ext cx="5146675" cy="572770"/>
+          </a:xfrm>
+          <a:prstGeom prst="rect">
+            <a:avLst/>
+          </a:prstGeom>
+        </p:spPr>
+        <p:style>
+          <a:lnRef idx="2">
+            <a:schemeClr val="accent1">
+              <a:shade val="50000"/>
+            </a:schemeClr>
+          </a:lnRef>
+          <a:fillRef idx="1">
+            <a:schemeClr val="accent1"/>
+          </a:fillRef>
+          <a:effectRef idx="0">
+            <a:schemeClr val="accent1"/>
+          </a:effectRef>
+          <a:fontRef idx="minor">
+            <a:schemeClr val="lt1"/>
+          </a:fontRef>
+        </p:style>
+        <p:txBody>
+          <a:bodyPr rtlCol="0" anchor="ctr"/>
+          <a:p>
+            <a:pPr algn="ctr"/>
+            <a:r>
+              <a:rPr lang="" altLang="en-US"/>
+              <a:t>设备driver</a:t>
+            </a:r>
+            <a:endParaRPr lang="" altLang="en-US"/>
+          </a:p>
+        </p:txBody>
+      </p:sp>
+      <p:sp>
+        <p:nvSpPr>
+          <p:cNvPr id="20" name="Rectangle 19"/>
+          <p:cNvSpPr/>
+          <p:nvPr/>
+        </p:nvSpPr>
+        <p:spPr>
+          <a:xfrm>
+            <a:off x="1705610" y="5666740"/>
+            <a:ext cx="5146675" cy="572770"/>
+          </a:xfrm>
+          <a:prstGeom prst="rect">
+            <a:avLst/>
+          </a:prstGeom>
+          <a:solidFill>
+            <a:schemeClr val="bg1">
+              <a:lumMod val="65000"/>
+            </a:schemeClr>
+          </a:solidFill>
+        </p:spPr>
+        <p:style>
+          <a:lnRef idx="2">
+            <a:schemeClr val="accent1">
+              <a:shade val="50000"/>
+            </a:schemeClr>
+          </a:lnRef>
+          <a:fillRef idx="1">
+            <a:schemeClr val="accent1"/>
+          </a:fillRef>
+          <a:effectRef idx="0">
+            <a:schemeClr val="accent1"/>
+          </a:effectRef>
+          <a:fontRef idx="minor">
+            <a:schemeClr val="lt1"/>
+          </a:fontRef>
+        </p:style>
+        <p:txBody>
+          <a:bodyPr rtlCol="0" anchor="ctr"/>
+          <a:p>
+            <a:pPr algn="ctr"/>
+            <a:r>
+              <a:rPr lang="en-US" altLang="en-US"/>
+              <a:t>设备</a:t>
+            </a:r>
+            <a:r>
+              <a:rPr lang="" altLang="en-US"/>
+              <a:t>硬件</a:t>
+            </a:r>
+            <a:endParaRPr lang="" altLang="en-US"/>
+          </a:p>
+        </p:txBody>
+      </p:sp>
+      <p:cxnSp>
+        <p:nvCxnSpPr>
+          <p:cNvPr id="21" name="Straight Arrow Connector 20"/>
+          <p:cNvCxnSpPr>
+            <a:stCxn id="10" idx="2"/>
+            <a:endCxn id="19" idx="0"/>
+          </p:cNvCxnSpPr>
+          <p:nvPr/>
+        </p:nvCxnSpPr>
+        <p:spPr>
+          <a:xfrm>
+            <a:off x="4289425" y="4426585"/>
+            <a:ext cx="0" cy="328295"/>
+          </a:xfrm>
+          <a:prstGeom prst="straightConnector1">
+            <a:avLst/>
+          </a:prstGeom>
+          <a:ln w="25400">
+            <a:tailEnd type="arrow"/>
+          </a:ln>
+        </p:spPr>
+        <p:style>
+          <a:lnRef idx="1">
+            <a:schemeClr val="accent1"/>
+          </a:lnRef>
+          <a:fillRef idx="0">
+            <a:schemeClr val="accent1"/>
+          </a:fillRef>
+          <a:effectRef idx="0">
+            <a:schemeClr val="accent1"/>
+          </a:effectRef>
+          <a:fontRef idx="minor">
+            <a:schemeClr val="tx1"/>
+          </a:fontRef>
+        </p:style>
+      </p:cxnSp>
+      <p:cxnSp>
+        <p:nvCxnSpPr>
+          <p:cNvPr id="22" name="Straight Arrow Connector 21"/>
+          <p:cNvCxnSpPr>
+            <a:stCxn id="19" idx="2"/>
+            <a:endCxn id="20" idx="0"/>
+          </p:cNvCxnSpPr>
+          <p:nvPr/>
+        </p:nvCxnSpPr>
+        <p:spPr>
+          <a:xfrm>
+            <a:off x="4289425" y="5327650"/>
+            <a:ext cx="0" cy="339090"/>
+          </a:xfrm>
+          <a:prstGeom prst="straightConnector1">
+            <a:avLst/>
+          </a:prstGeom>
+          <a:ln w="25400">
+            <a:tailEnd type="arrow"/>
+          </a:ln>
+        </p:spPr>
+        <p:style>
+          <a:lnRef idx="1">
+            <a:schemeClr val="accent1"/>
+          </a:lnRef>
+          <a:fillRef idx="0">
+            <a:schemeClr val="accent1"/>
+          </a:fillRef>
+          <a:effectRef idx="0">
+            <a:schemeClr val="accent1"/>
+          </a:effectRef>
+          <a:fontRef idx="minor">
+            <a:schemeClr val="tx1"/>
+          </a:fontRef>
+        </p:style>
+      </p:cxnSp>
+      <p:cxnSp>
+        <p:nvCxnSpPr>
+          <p:cNvPr id="23" name="Straight Connector 22"/>
+          <p:cNvCxnSpPr/>
+          <p:nvPr/>
+        </p:nvCxnSpPr>
+        <p:spPr>
+          <a:xfrm flipV="1">
+            <a:off x="1141730" y="3714750"/>
+            <a:ext cx="6082665" cy="10795"/>
+          </a:xfrm>
+          <a:prstGeom prst="line">
+            <a:avLst/>
+          </a:prstGeom>
+          <a:ln w="22225">
+            <a:solidFill>
+              <a:srgbClr val="FF3300"/>
+            </a:solidFill>
+            <a:prstDash val="dash"/>
+          </a:ln>
+        </p:spPr>
+        <p:style>
+          <a:lnRef idx="1">
+            <a:schemeClr val="accent1"/>
+          </a:lnRef>
+          <a:fillRef idx="0">
+            <a:schemeClr val="accent1"/>
+          </a:fillRef>
+          <a:effectRef idx="0">
+            <a:schemeClr val="accent1"/>
+          </a:effectRef>
+          <a:fontRef idx="minor">
+            <a:schemeClr val="tx1"/>
+          </a:fontRef>
+        </p:style>
+      </p:cxnSp>
+      <p:sp>
+        <p:nvSpPr>
+          <p:cNvPr id="24" name="Text Box 23"/>
+          <p:cNvSpPr txBox="1"/>
+          <p:nvPr/>
+        </p:nvSpPr>
+        <p:spPr>
+          <a:xfrm>
+            <a:off x="753110" y="3244850"/>
+            <a:ext cx="932180" cy="368300"/>
+          </a:xfrm>
+          <a:prstGeom prst="rect">
+            <a:avLst/>
+          </a:prstGeom>
+          <a:noFill/>
+        </p:spPr>
+        <p:txBody>
+          <a:bodyPr wrap="square" rtlCol="0">
+            <a:spAutoFit/>
+          </a:bodyPr>
+          <a:p>
+            <a:r>
+              <a:rPr lang="" altLang="en-US"/>
+              <a:t>用户态</a:t>
+            </a:r>
+            <a:endParaRPr lang="" altLang="en-US"/>
+          </a:p>
+        </p:txBody>
+      </p:sp>
+      <p:sp>
+        <p:nvSpPr>
+          <p:cNvPr id="25" name="Text Box 24"/>
+          <p:cNvSpPr txBox="1"/>
+          <p:nvPr/>
+        </p:nvSpPr>
+        <p:spPr>
+          <a:xfrm>
+            <a:off x="753110" y="3853815"/>
+            <a:ext cx="932180" cy="368300"/>
+          </a:xfrm>
+          <a:prstGeom prst="rect">
+            <a:avLst/>
+          </a:prstGeom>
+          <a:noFill/>
+        </p:spPr>
+        <p:txBody>
+          <a:bodyPr wrap="square" rtlCol="0">
+            <a:spAutoFit/>
+          </a:bodyPr>
+          <a:p>
+            <a:r>
+              <a:rPr lang="" altLang="en-US"/>
+              <a:t>内核</a:t>
+            </a:r>
+            <a:r>
+              <a:rPr lang="en-US" altLang="en-US"/>
+              <a:t>态</a:t>
+            </a:r>
+            <a:endParaRPr lang="en-US" altLang="en-US"/>
+          </a:p>
+        </p:txBody>
+      </p:sp>
+      <p:sp>
+        <p:nvSpPr>
+          <p:cNvPr id="26" name="Rectangle 25"/>
+          <p:cNvSpPr/>
+          <p:nvPr/>
+        </p:nvSpPr>
+        <p:spPr>
+          <a:xfrm>
+            <a:off x="7787005" y="2924175"/>
+            <a:ext cx="3776980" cy="1397000"/>
+          </a:xfrm>
+          <a:prstGeom prst="rect">
+            <a:avLst/>
+          </a:prstGeom>
+        </p:spPr>
+        <p:style>
+          <a:lnRef idx="2">
+            <a:schemeClr val="accent4">
+              <a:shade val="50000"/>
+            </a:schemeClr>
+          </a:lnRef>
+          <a:fillRef idx="1">
+            <a:schemeClr val="accent4"/>
+          </a:fillRef>
+          <a:effectRef idx="0">
+            <a:schemeClr val="accent4"/>
+          </a:effectRef>
+          <a:fontRef idx="minor">
+            <a:schemeClr val="lt1"/>
+          </a:fontRef>
+        </p:style>
+        <p:txBody>
+          <a:bodyPr rtlCol="0" anchor="ctr"/>
+          <a:p>
+            <a:pPr algn="l"/>
+            <a:r>
+              <a:rPr lang="" altLang="en-US"/>
+              <a:t>module_init() 插入ko</a:t>
+            </a:r>
+            <a:endParaRPr lang="" altLang="en-US"/>
+          </a:p>
+          <a:p>
+            <a:pPr algn="l"/>
+            <a:r>
+              <a:rPr lang="" altLang="en-US"/>
+              <a:t>(1)cdev_init设备初始化</a:t>
+            </a:r>
+            <a:endParaRPr lang="" altLang="en-US"/>
+          </a:p>
+          <a:p>
+            <a:pPr algn="l"/>
+            <a:r>
+              <a:rPr lang="" altLang="en-US"/>
+              <a:t>(2) alloc_chrdev_region</a:t>
+            </a:r>
+            <a:endParaRPr lang="" altLang="en-US"/>
+          </a:p>
+          <a:p>
+            <a:pPr algn="l"/>
+            <a:r>
+              <a:rPr lang="" altLang="en-US"/>
+              <a:t>(3)cdev_add添加设备</a:t>
+            </a:r>
+            <a:endParaRPr lang="" altLang="en-US"/>
+          </a:p>
+        </p:txBody>
+      </p:sp>
+      <p:sp>
+        <p:nvSpPr>
+          <p:cNvPr id="27" name="Rectangle 26"/>
+          <p:cNvSpPr/>
+          <p:nvPr/>
+        </p:nvSpPr>
+        <p:spPr>
+          <a:xfrm>
+            <a:off x="7787005" y="4504690"/>
+            <a:ext cx="3937635" cy="1162050"/>
+          </a:xfrm>
+          <a:prstGeom prst="rect">
+            <a:avLst/>
+          </a:prstGeom>
+        </p:spPr>
+        <p:style>
+          <a:lnRef idx="2">
+            <a:schemeClr val="accent4">
+              <a:shade val="50000"/>
+            </a:schemeClr>
+          </a:lnRef>
+          <a:fillRef idx="1">
+            <a:schemeClr val="accent4"/>
+          </a:fillRef>
+          <a:effectRef idx="0">
+            <a:schemeClr val="accent4"/>
+          </a:effectRef>
+          <a:fontRef idx="minor">
+            <a:schemeClr val="lt1"/>
+          </a:fontRef>
+        </p:style>
+        <p:txBody>
+          <a:bodyPr rtlCol="0" anchor="ctr"/>
+          <a:p>
+            <a:pPr algn="l"/>
+            <a:r>
+              <a:rPr lang="en-US" altLang="en-US"/>
+              <a:t>module_</a:t>
+            </a:r>
+            <a:r>
+              <a:rPr lang="" altLang="en-US"/>
+              <a:t>exit</a:t>
+            </a:r>
+            <a:r>
+              <a:rPr lang="en-US" altLang="en-US"/>
+              <a:t>() </a:t>
+            </a:r>
+            <a:r>
+              <a:rPr lang="" altLang="en-US"/>
+              <a:t>删除Ko</a:t>
+            </a:r>
+            <a:endParaRPr lang="en-US" altLang="en-US"/>
+          </a:p>
+          <a:p>
+            <a:pPr algn="l"/>
+            <a:r>
+              <a:rPr lang="en-US" altLang="en-US"/>
+              <a:t>(1)cdev_del</a:t>
+            </a:r>
+            <a:r>
+              <a:rPr lang="" altLang="en-US"/>
+              <a:t>注销设备</a:t>
+            </a:r>
+            <a:endParaRPr lang="en-US" altLang="en-US"/>
+          </a:p>
+          <a:p>
+            <a:pPr algn="l"/>
+            <a:r>
+              <a:rPr lang="en-US" altLang="en-US"/>
+              <a:t>(2)unregister_chrdev_regi</a:t>
+            </a:r>
+            <a:r>
+              <a:rPr lang="" altLang="en-US"/>
+              <a:t>ster</a:t>
+            </a:r>
+            <a:endParaRPr lang="" altLang="en-US"/>
+          </a:p>
+        </p:txBody>
+      </p:sp>
+      <p:cxnSp>
+        <p:nvCxnSpPr>
+          <p:cNvPr id="29" name="Straight Arrow Connector 28"/>
+          <p:cNvCxnSpPr>
+            <a:stCxn id="10" idx="3"/>
+            <a:endCxn id="26" idx="1"/>
+          </p:cNvCxnSpPr>
+          <p:nvPr/>
+        </p:nvCxnSpPr>
+        <p:spPr>
+          <a:xfrm flipV="1">
+            <a:off x="6852285" y="3622675"/>
+            <a:ext cx="934720" cy="517525"/>
+          </a:xfrm>
+          <a:prstGeom prst="straightConnector1">
+            <a:avLst/>
+          </a:prstGeom>
+          <a:ln w="25400">
+            <a:tailEnd type="arrow"/>
+          </a:ln>
+        </p:spPr>
+        <p:style>
+          <a:lnRef idx="1">
+            <a:schemeClr val="accent1"/>
+          </a:lnRef>
+          <a:fillRef idx="0">
+            <a:schemeClr val="accent1"/>
+          </a:fillRef>
+          <a:effectRef idx="0">
+            <a:schemeClr val="accent1"/>
+          </a:effectRef>
+          <a:fontRef idx="minor">
+            <a:schemeClr val="tx1"/>
+          </a:fontRef>
+        </p:style>
+      </p:cxnSp>
+      <p:cxnSp>
+        <p:nvCxnSpPr>
+          <p:cNvPr id="30" name="Straight Arrow Connector 29"/>
+          <p:cNvCxnSpPr>
+            <a:stCxn id="10" idx="3"/>
+            <a:endCxn id="27" idx="1"/>
+          </p:cNvCxnSpPr>
+          <p:nvPr/>
+        </p:nvCxnSpPr>
+        <p:spPr>
+          <a:xfrm>
+            <a:off x="6852285" y="4140200"/>
+            <a:ext cx="934720" cy="945515"/>
+          </a:xfrm>
+          <a:prstGeom prst="straightConnector1">
+            <a:avLst/>
+          </a:prstGeom>
+          <a:ln w="25400">
+            <a:tailEnd type="arrow"/>
+          </a:ln>
+        </p:spPr>
+        <p:style>
+          <a:lnRef idx="1">
+            <a:schemeClr val="accent1"/>
+          </a:lnRef>
+          <a:fillRef idx="0">
+            <a:schemeClr val="accent1"/>
+          </a:fillRef>
+          <a:effectRef idx="0">
+            <a:schemeClr val="accent1"/>
+          </a:effectRef>
+          <a:fontRef idx="minor">
+            <a:schemeClr val="tx1"/>
+          </a:fontRef>
+        </p:style>
+      </p:cxnSp>
+    </p:spTree>
+  </p:cSld>
+  <p:clrMapOvr>
+    <a:masterClrMapping/>
+  </p:clrMapOvr>
+</p:sld>
+</file>
+
+<file path=ppt/slides/slide18.xml><?xml version="1.0" encoding="utf-8"?>
 <p:sld xmlns:a="http://schemas.openxmlformats.org/drawingml/2006/main" xmlns:r="http://schemas.openxmlformats.org/officeDocument/2006/relationships" xmlns:p="http://schemas.openxmlformats.org/presentationml/2006/main">
   <p:cSld>
     <p:spTree>
